--- a/assets/slides/sp24/22-Iterators_II.pptx
+++ b/assets/slides/sp24/22-Iterators_II.pptx
@@ -5,73 +5,79 @@
     <p:sldMasterId id="2147483684" r:id="rId1"/>
   </p:sldMasterIdLst>
   <p:notesMasterIdLst>
-    <p:notesMasterId r:id="rId24"/>
+    <p:notesMasterId r:id="rId30"/>
   </p:notesMasterIdLst>
   <p:sldIdLst>
     <p:sldId id="360" r:id="rId2"/>
     <p:sldId id="259" r:id="rId3"/>
-    <p:sldId id="423" r:id="rId4"/>
-    <p:sldId id="429" r:id="rId5"/>
-    <p:sldId id="430" r:id="rId6"/>
-    <p:sldId id="431" r:id="rId7"/>
-    <p:sldId id="424" r:id="rId8"/>
-    <p:sldId id="405" r:id="rId9"/>
-    <p:sldId id="432" r:id="rId10"/>
-    <p:sldId id="433" r:id="rId11"/>
-    <p:sldId id="434" r:id="rId12"/>
-    <p:sldId id="418" r:id="rId13"/>
-    <p:sldId id="440" r:id="rId14"/>
-    <p:sldId id="438" r:id="rId15"/>
-    <p:sldId id="435" r:id="rId16"/>
-    <p:sldId id="420" r:id="rId17"/>
-    <p:sldId id="436" r:id="rId18"/>
-    <p:sldId id="409" r:id="rId19"/>
-    <p:sldId id="410" r:id="rId20"/>
-    <p:sldId id="421" r:id="rId21"/>
-    <p:sldId id="419" r:id="rId22"/>
-    <p:sldId id="437" r:id="rId23"/>
+    <p:sldId id="415" r:id="rId4"/>
+    <p:sldId id="414" r:id="rId5"/>
+    <p:sldId id="271" r:id="rId6"/>
+    <p:sldId id="428" r:id="rId7"/>
+    <p:sldId id="272" r:id="rId8"/>
+    <p:sldId id="427" r:id="rId9"/>
+    <p:sldId id="423" r:id="rId10"/>
+    <p:sldId id="429" r:id="rId11"/>
+    <p:sldId id="430" r:id="rId12"/>
+    <p:sldId id="431" r:id="rId13"/>
+    <p:sldId id="424" r:id="rId14"/>
+    <p:sldId id="405" r:id="rId15"/>
+    <p:sldId id="432" r:id="rId16"/>
+    <p:sldId id="433" r:id="rId17"/>
+    <p:sldId id="434" r:id="rId18"/>
+    <p:sldId id="418" r:id="rId19"/>
+    <p:sldId id="440" r:id="rId20"/>
+    <p:sldId id="438" r:id="rId21"/>
+    <p:sldId id="435" r:id="rId22"/>
+    <p:sldId id="420" r:id="rId23"/>
+    <p:sldId id="436" r:id="rId24"/>
+    <p:sldId id="409" r:id="rId25"/>
+    <p:sldId id="410" r:id="rId26"/>
+    <p:sldId id="421" r:id="rId27"/>
+    <p:sldId id="419" r:id="rId28"/>
+    <p:sldId id="437" r:id="rId29"/>
   </p:sldIdLst>
   <p:sldSz cx="12192000" cy="6858000"/>
   <p:notesSz cx="6997700" cy="9194800"/>
   <p:embeddedFontLst>
     <p:embeddedFont>
-      <p:font typeface="FreightMicro Pro Book"/>
-      <p:regular r:id="rId25"/>
-      <p:italic r:id="rId26"/>
+      <p:font typeface="FreightMicro Pro Book" panose="02000603020000020004" pitchFamily="2" charset="0"/>
+      <p:regular r:id="rId31"/>
+      <p:italic r:id="rId32"/>
     </p:embeddedFont>
     <p:embeddedFont>
-      <p:font typeface="FreightMicro Pro Light"/>
-      <p:regular r:id="rId27"/>
-      <p:italic r:id="rId28"/>
+      <p:font typeface="FreightMicro Pro Light" panose="02000603030000020004" pitchFamily="2" charset="0"/>
+      <p:regular r:id="rId33"/>
+      <p:italic r:id="rId34"/>
     </p:embeddedFont>
     <p:embeddedFont>
-      <p:font typeface="FreightMicro Pro Medium"/>
-      <p:regular r:id="rId29"/>
-      <p:italic r:id="rId30"/>
-    </p:embeddedFont>
-    <p:embeddedFont>
-      <p:font typeface="Open Sans"/>
-      <p:regular r:id="rId31"/>
-      <p:bold r:id="rId32"/>
-      <p:italic r:id="rId33"/>
-      <p:boldItalic r:id="rId34"/>
-    </p:embeddedFont>
-    <p:embeddedFont>
-      <p:font typeface="Open Sans Light" panose="020B0306030504020204" pitchFamily="34" charset="0"/>
+      <p:font typeface="FreightMicro Pro Medium" panose="02000603040000020004" pitchFamily="2" charset="0"/>
       <p:regular r:id="rId35"/>
       <p:italic r:id="rId36"/>
     </p:embeddedFont>
     <p:embeddedFont>
-      <p:font typeface="Source Code Pro" panose="020B0309030403020204" pitchFamily="34" charset="0"/>
+      <p:font typeface="Open Sans" pitchFamily="2" charset="0"/>
       <p:regular r:id="rId37"/>
       <p:bold r:id="rId38"/>
       <p:italic r:id="rId39"/>
       <p:boldItalic r:id="rId40"/>
     </p:embeddedFont>
     <p:embeddedFont>
-      <p:font typeface="Source Code Pro Medium" panose="020B0309030403020204" pitchFamily="34" charset="0"/>
+      <p:font typeface="Open Sans Light" pitchFamily="2" charset="0"/>
       <p:regular r:id="rId41"/>
       <p:italic r:id="rId42"/>
+    </p:embeddedFont>
+    <p:embeddedFont>
+      <p:font typeface="Source Code Pro" panose="020B0309030403020204" pitchFamily="34" charset="0"/>
+      <p:regular r:id="rId43"/>
+      <p:bold r:id="rId44"/>
+      <p:italic r:id="rId45"/>
+      <p:boldItalic r:id="rId46"/>
+    </p:embeddedFont>
+    <p:embeddedFont>
+      <p:font typeface="Source Code Pro Medium" panose="020B0309030403020204" pitchFamily="34" charset="0"/>
+      <p:regular r:id="rId47"/>
+      <p:italic r:id="rId48"/>
     </p:embeddedFont>
   </p:embeddedFontLst>
   <p:defaultTextStyle>
@@ -1072,8 +1078,8 @@
                   <a:schemeClr val="dk1"/>
                 </a:solidFill>
                 <a:latin typeface="Open Sans Light" panose="020B0306030504020204" pitchFamily="34" charset="0"/>
-                <a:ea typeface="Open Sans" panose="020B0606030504020204" pitchFamily="34" charset="0"/>
-                <a:cs typeface="Open Sans" panose="020B0606030504020204" pitchFamily="34" charset="0"/>
+                <a:ea typeface="Open Sans Light" panose="020B0606030504020204" pitchFamily="34" charset="0"/>
+                <a:cs typeface="Open Sans Light" panose="020B0606030504020204" pitchFamily="34" charset="0"/>
                 <a:sym typeface="Arial"/>
               </a:rPr>
               <a:t>Page </a:t>
@@ -1084,8 +1090,8 @@
                   <a:schemeClr val="dk1"/>
                 </a:solidFill>
                 <a:latin typeface="Open Sans Light" panose="020B0306030504020204" pitchFamily="34" charset="0"/>
-                <a:ea typeface="Open Sans" panose="020B0606030504020204" pitchFamily="34" charset="0"/>
-                <a:cs typeface="Open Sans" panose="020B0606030504020204" pitchFamily="34" charset="0"/>
+                <a:ea typeface="Open Sans Light" panose="020B0606030504020204" pitchFamily="34" charset="0"/>
+                <a:cs typeface="Open Sans Light" panose="020B0606030504020204" pitchFamily="34" charset="0"/>
                 <a:sym typeface="Arial"/>
               </a:rPr>
               <a:t>‹#›</a:t>
@@ -1095,8 +1101,8 @@
                 <a:schemeClr val="dk1"/>
               </a:solidFill>
               <a:latin typeface="Open Sans Light" panose="020B0306030504020204" pitchFamily="34" charset="0"/>
-              <a:ea typeface="Open Sans" panose="020B0606030504020204" pitchFamily="34" charset="0"/>
-              <a:cs typeface="Open Sans" panose="020B0606030504020204" pitchFamily="34" charset="0"/>
+              <a:ea typeface="Open Sans Light" panose="020B0606030504020204" pitchFamily="34" charset="0"/>
+              <a:cs typeface="Open Sans Light" panose="020B0606030504020204" pitchFamily="34" charset="0"/>
               <a:sym typeface="Arial"/>
             </a:endParaRPr>
           </a:p>
@@ -1404,9 +1410,9 @@
         <a:solidFill>
           <a:srgbClr val="000000"/>
         </a:solidFill>
-        <a:latin typeface="Open Sans"/>
-        <a:ea typeface="Open Sans"/>
-        <a:cs typeface="Open Sans"/>
+        <a:latin typeface="Open Sans Light"/>
+        <a:ea typeface="Open Sans Light"/>
+        <a:cs typeface="Open Sans Light"/>
         <a:sym typeface="Arial"/>
       </a:defRPr>
     </a:lvl1pPr>
@@ -1638,14 +1644,14 @@
           <a:ln/>
           <a:extLst>
             <a:ext uri="{909E8E84-426E-40dd-AFC4-6F175D3DCCD1}">
-              <a14:hiddenFill xmlns:a14="http://schemas.microsoft.com/office/drawing/2010/main" xmlns="">
+              <a14:hiddenFill xmlns="" xmlns:a14="http://schemas.microsoft.com/office/drawing/2010/main">
                 <a:solidFill>
                   <a:srgbClr val="FFFFFF"/>
                 </a:solidFill>
               </a14:hiddenFill>
             </a:ext>
             <a:ext uri="{91240B29-F687-4f45-9708-019B960494DF}">
-              <a14:hiddenLine xmlns:a14="http://schemas.microsoft.com/office/drawing/2010/main" xmlns="" w="9525">
+              <a14:hiddenLine xmlns="" xmlns:a14="http://schemas.microsoft.com/office/drawing/2010/main" w="9525">
                 <a:solidFill>
                   <a:srgbClr val="000000"/>
                 </a:solidFill>
@@ -1813,14 +1819,14 @@
           <a:ln/>
           <a:extLst>
             <a:ext uri="{909E8E84-426E-40dd-AFC4-6F175D3DCCD1}">
-              <a14:hiddenFill xmlns:a14="http://schemas.microsoft.com/office/drawing/2010/main" xmlns="">
+              <a14:hiddenFill xmlns="" xmlns:a14="http://schemas.microsoft.com/office/drawing/2010/main">
                 <a:solidFill>
                   <a:srgbClr val="FFFFFF"/>
                 </a:solidFill>
               </a14:hiddenFill>
             </a:ext>
             <a:ext uri="{91240B29-F687-4f45-9708-019B960494DF}">
-              <a14:hiddenLine xmlns:a14="http://schemas.microsoft.com/office/drawing/2010/main" xmlns="" w="9525">
+              <a14:hiddenLine xmlns="" xmlns:a14="http://schemas.microsoft.com/office/drawing/2010/main" w="9525">
                 <a:solidFill>
                   <a:srgbClr val="000000"/>
                 </a:solidFill>
@@ -1830,7 +1836,7 @@
               </a14:hiddenLine>
             </a:ext>
             <a:ext uri="{FAA26D3D-D897-4be2-8F04-BA451C77F1D7}">
-              <ma14:placeholderFlag xmlns:ma14="http://schemas.microsoft.com/office/mac/drawingml/2011/main" xmlns="" val="1"/>
+              <ma14:placeholderFlag xmlns="" xmlns:ma14="http://schemas.microsoft.com/office/mac/drawingml/2011/main" val="1"/>
             </a:ext>
           </a:extLst>
         </p:spPr>
@@ -1860,12 +1866,12 @@
 </p:notes>
 </file>
 
-<file path=ppt/notesSlides/notesSlide2.xml><?xml version="1.0" encoding="utf-8"?>
+<file path=ppt/notesSlides/notesSlide10.xml><?xml version="1.0" encoding="utf-8"?>
 <p:notes xmlns:a="http://schemas.openxmlformats.org/drawingml/2006/main" xmlns:r="http://schemas.openxmlformats.org/officeDocument/2006/relationships" xmlns:p="http://schemas.openxmlformats.org/presentationml/2006/main" showMasterSp="0" showMasterPhAnim="0">
   <p:cSld>
     <p:spTree>
       <p:nvGrpSpPr>
-        <p:cNvPr id="1" name="Shape 112"/>
+        <p:cNvPr id="1" name="Shape 270"/>
         <p:cNvGrpSpPr/>
         <p:nvPr/>
       </p:nvGrpSpPr>
@@ -1879,7 +1885,7 @@
       </p:grpSpPr>
       <p:sp>
         <p:nvSpPr>
-          <p:cNvPr id="113" name="Google Shape;113;p4:notes"/>
+          <p:cNvPr id="271" name="Google Shape;271;p21:notes"/>
           <p:cNvSpPr txBox="1">
             <a:spLocks noGrp="1"/>
           </p:cNvSpPr>
@@ -1912,16 +1918,16 @@
               <a:buNone/>
             </a:pPr>
             <a:endParaRPr dirty="0">
-              <a:latin typeface="Open Sans Light" panose="020B0306030504020204" pitchFamily="34" charset="0"/>
-              <a:ea typeface="Open Sans" panose="020B0606030504020204" pitchFamily="34" charset="0"/>
-              <a:cs typeface="Open Sans" panose="020B0606030504020204" pitchFamily="34" charset="0"/>
+              <a:latin typeface="Open Sans Light" panose="020B0606030504020204" pitchFamily="34" charset="0"/>
+              <a:ea typeface="Open Sans Light" panose="020B0606030504020204" pitchFamily="34" charset="0"/>
+              <a:cs typeface="Open Sans Light" panose="020B0606030504020204" pitchFamily="34" charset="0"/>
             </a:endParaRPr>
           </a:p>
         </p:txBody>
       </p:sp>
       <p:sp>
         <p:nvSpPr>
-          <p:cNvPr id="114" name="Google Shape;114;p4:notes"/>
+          <p:cNvPr id="272" name="Google Shape;272;p21:notes"/>
           <p:cNvSpPr>
             <a:spLocks noGrp="1" noRot="1" noChangeAspect="1"/>
           </p:cNvSpPr>
@@ -1968,12 +1974,12 @@
 </p:notes>
 </file>
 
-<file path=ppt/notesSlides/notesSlide3.xml><?xml version="1.0" encoding="utf-8"?>
+<file path=ppt/notesSlides/notesSlide2.xml><?xml version="1.0" encoding="utf-8"?>
 <p:notes xmlns:a="http://schemas.openxmlformats.org/drawingml/2006/main" xmlns:r="http://schemas.openxmlformats.org/officeDocument/2006/relationships" xmlns:p="http://schemas.openxmlformats.org/presentationml/2006/main" showMasterSp="0" showMasterPhAnim="0">
   <p:cSld>
     <p:spTree>
       <p:nvGrpSpPr>
-        <p:cNvPr id="1" name="Shape 242"/>
+        <p:cNvPr id="1" name="Shape 112"/>
         <p:cNvGrpSpPr/>
         <p:nvPr/>
       </p:nvGrpSpPr>
@@ -1987,7 +1993,7 @@
       </p:grpSpPr>
       <p:sp>
         <p:nvSpPr>
-          <p:cNvPr id="243" name="Google Shape;243;p18:notes"/>
+          <p:cNvPr id="113" name="Google Shape;113;p4:notes"/>
           <p:cNvSpPr txBox="1">
             <a:spLocks noGrp="1"/>
           </p:cNvSpPr>
@@ -2020,16 +2026,16 @@
               <a:buNone/>
             </a:pPr>
             <a:endParaRPr dirty="0">
-              <a:latin typeface="Open Sans" panose="020B0606030504020204" pitchFamily="34" charset="0"/>
-              <a:ea typeface="Open Sans" panose="020B0606030504020204" pitchFamily="34" charset="0"/>
-              <a:cs typeface="Open Sans" panose="020B0606030504020204" pitchFamily="34" charset="0"/>
+              <a:latin typeface="Open Sans Light" panose="020B0306030504020204" pitchFamily="34" charset="0"/>
+              <a:ea typeface="Open Sans Light" panose="020B0606030504020204" pitchFamily="34" charset="0"/>
+              <a:cs typeface="Open Sans Light" panose="020B0606030504020204" pitchFamily="34" charset="0"/>
             </a:endParaRPr>
           </a:p>
         </p:txBody>
       </p:sp>
       <p:sp>
         <p:nvSpPr>
-          <p:cNvPr id="244" name="Google Shape;244;p18:notes"/>
+          <p:cNvPr id="114" name="Google Shape;114;p4:notes"/>
           <p:cNvSpPr>
             <a:spLocks noGrp="1" noRot="1" noChangeAspect="1"/>
           </p:cNvSpPr>
@@ -2076,12 +2082,12 @@
 </p:notes>
 </file>
 
-<file path=ppt/notesSlides/notesSlide4.xml><?xml version="1.0" encoding="utf-8"?>
+<file path=ppt/notesSlides/notesSlide3.xml><?xml version="1.0" encoding="utf-8"?>
 <p:notes xmlns:a="http://schemas.openxmlformats.org/drawingml/2006/main" xmlns:r="http://schemas.openxmlformats.org/officeDocument/2006/relationships" xmlns:p="http://schemas.openxmlformats.org/presentationml/2006/main" showMasterSp="0" showMasterPhAnim="0">
   <p:cSld>
     <p:spTree>
       <p:nvGrpSpPr>
-        <p:cNvPr id="1" name="Shape 251"/>
+        <p:cNvPr id="1" name="Shape 223"/>
         <p:cNvGrpSpPr/>
         <p:nvPr/>
       </p:nvGrpSpPr>
@@ -2095,7 +2101,7 @@
       </p:grpSpPr>
       <p:sp>
         <p:nvSpPr>
-          <p:cNvPr id="252" name="Google Shape;252;p19:notes"/>
+          <p:cNvPr id="224" name="Google Shape;224;p16:notes"/>
           <p:cNvSpPr txBox="1">
             <a:spLocks noGrp="1"/>
           </p:cNvSpPr>
@@ -2128,16 +2134,16 @@
               <a:buNone/>
             </a:pPr>
             <a:endParaRPr dirty="0">
-              <a:latin typeface="Open Sans" panose="020B0606030504020204" pitchFamily="34" charset="0"/>
-              <a:ea typeface="Open Sans" panose="020B0606030504020204" pitchFamily="34" charset="0"/>
-              <a:cs typeface="Open Sans" panose="020B0606030504020204" pitchFamily="34" charset="0"/>
+              <a:latin typeface="Open Sans Light" panose="020B0606030504020204" pitchFamily="34" charset="0"/>
+              <a:ea typeface="Open Sans Light" panose="020B0606030504020204" pitchFamily="34" charset="0"/>
+              <a:cs typeface="Open Sans Light" panose="020B0606030504020204" pitchFamily="34" charset="0"/>
             </a:endParaRPr>
           </a:p>
         </p:txBody>
       </p:sp>
       <p:sp>
         <p:nvSpPr>
-          <p:cNvPr id="253" name="Google Shape;253;p19:notes"/>
+          <p:cNvPr id="225" name="Google Shape;225;p16:notes"/>
           <p:cNvSpPr>
             <a:spLocks noGrp="1" noRot="1" noChangeAspect="1"/>
           </p:cNvSpPr>
@@ -2184,7 +2190,7 @@
 </p:notes>
 </file>
 
-<file path=ppt/notesSlides/notesSlide5.xml><?xml version="1.0" encoding="utf-8"?>
+<file path=ppt/notesSlides/notesSlide4.xml><?xml version="1.0" encoding="utf-8"?>
 <p:notes xmlns:a="http://schemas.openxmlformats.org/drawingml/2006/main" xmlns:r="http://schemas.openxmlformats.org/officeDocument/2006/relationships" xmlns:p="http://schemas.openxmlformats.org/presentationml/2006/main" showMasterSp="0" showMasterPhAnim="0">
   <p:cSld>
     <p:spTree>
@@ -2236,9 +2242,9 @@
               <a:buNone/>
             </a:pPr>
             <a:endParaRPr dirty="0">
-              <a:latin typeface="Open Sans" panose="020B0606030504020204" pitchFamily="34" charset="0"/>
-              <a:ea typeface="Open Sans" panose="020B0606030504020204" pitchFamily="34" charset="0"/>
-              <a:cs typeface="Open Sans" panose="020B0606030504020204" pitchFamily="34" charset="0"/>
+              <a:latin typeface="Open Sans Light" panose="020B0606030504020204" pitchFamily="34" charset="0"/>
+              <a:ea typeface="Open Sans Light" panose="020B0606030504020204" pitchFamily="34" charset="0"/>
+              <a:cs typeface="Open Sans Light" panose="020B0606030504020204" pitchFamily="34" charset="0"/>
             </a:endParaRPr>
           </a:p>
         </p:txBody>
@@ -2285,11 +2291,6 @@
         </p:spPr>
       </p:sp>
     </p:spTree>
-    <p:extLst>
-      <p:ext uri="{BB962C8B-B14F-4D97-AF65-F5344CB8AC3E}">
-        <p14:creationId xmlns:p14="http://schemas.microsoft.com/office/powerpoint/2010/main" val="3824520210"/>
-      </p:ext>
-    </p:extLst>
   </p:cSld>
   <p:clrMapOvr>
     <a:masterClrMapping/>
@@ -2297,12 +2298,12 @@
 </p:notes>
 </file>
 
-<file path=ppt/notesSlides/notesSlide6.xml><?xml version="1.0" encoding="utf-8"?>
+<file path=ppt/notesSlides/notesSlide5.xml><?xml version="1.0" encoding="utf-8"?>
 <p:notes xmlns:a="http://schemas.openxmlformats.org/drawingml/2006/main" xmlns:r="http://schemas.openxmlformats.org/officeDocument/2006/relationships" xmlns:p="http://schemas.openxmlformats.org/presentationml/2006/main" showMasterSp="0" showMasterPhAnim="0">
   <p:cSld>
     <p:spTree>
       <p:nvGrpSpPr>
-        <p:cNvPr id="1" name="Shape 260"/>
+        <p:cNvPr id="1" name="Shape 242"/>
         <p:cNvGrpSpPr/>
         <p:nvPr/>
       </p:nvGrpSpPr>
@@ -2316,7 +2317,7 @@
       </p:grpSpPr>
       <p:sp>
         <p:nvSpPr>
-          <p:cNvPr id="261" name="Google Shape;261;p20:notes"/>
+          <p:cNvPr id="243" name="Google Shape;243;p18:notes"/>
           <p:cNvSpPr txBox="1">
             <a:spLocks noGrp="1"/>
           </p:cNvSpPr>
@@ -2349,16 +2350,16 @@
               <a:buNone/>
             </a:pPr>
             <a:endParaRPr dirty="0">
-              <a:latin typeface="Open Sans Light" panose="020B0306030504020204" pitchFamily="34" charset="0"/>
-              <a:ea typeface="Open Sans" panose="020B0606030504020204" pitchFamily="34" charset="0"/>
-              <a:cs typeface="Open Sans" panose="020B0606030504020204" pitchFamily="34" charset="0"/>
+              <a:latin typeface="Open Sans Light" panose="020B0606030504020204" pitchFamily="34" charset="0"/>
+              <a:ea typeface="Open Sans Light" panose="020B0606030504020204" pitchFamily="34" charset="0"/>
+              <a:cs typeface="Open Sans Light" panose="020B0606030504020204" pitchFamily="34" charset="0"/>
             </a:endParaRPr>
           </a:p>
         </p:txBody>
       </p:sp>
       <p:sp>
         <p:nvSpPr>
-          <p:cNvPr id="262" name="Google Shape;262;p20:notes"/>
+          <p:cNvPr id="244" name="Google Shape;244;p18:notes"/>
           <p:cNvSpPr>
             <a:spLocks noGrp="1" noRot="1" noChangeAspect="1"/>
           </p:cNvSpPr>
@@ -2398,11 +2399,6 @@
         </p:spPr>
       </p:sp>
     </p:spTree>
-    <p:extLst>
-      <p:ext uri="{BB962C8B-B14F-4D97-AF65-F5344CB8AC3E}">
-        <p14:creationId xmlns:p14="http://schemas.microsoft.com/office/powerpoint/2010/main" val="244067143"/>
-      </p:ext>
-    </p:extLst>
   </p:cSld>
   <p:clrMapOvr>
     <a:masterClrMapping/>
@@ -2410,12 +2406,12 @@
 </p:notes>
 </file>
 
-<file path=ppt/notesSlides/notesSlide7.xml><?xml version="1.0" encoding="utf-8"?>
+<file path=ppt/notesSlides/notesSlide6.xml><?xml version="1.0" encoding="utf-8"?>
 <p:notes xmlns:a="http://schemas.openxmlformats.org/drawingml/2006/main" xmlns:r="http://schemas.openxmlformats.org/officeDocument/2006/relationships" xmlns:p="http://schemas.openxmlformats.org/presentationml/2006/main" showMasterSp="0" showMasterPhAnim="0">
   <p:cSld>
     <p:spTree>
       <p:nvGrpSpPr>
-        <p:cNvPr id="1" name="Shape 260"/>
+        <p:cNvPr id="1" name="Shape 251"/>
         <p:cNvGrpSpPr/>
         <p:nvPr/>
       </p:nvGrpSpPr>
@@ -2429,7 +2425,7 @@
       </p:grpSpPr>
       <p:sp>
         <p:nvSpPr>
-          <p:cNvPr id="261" name="Google Shape;261;p20:notes"/>
+          <p:cNvPr id="252" name="Google Shape;252;p19:notes"/>
           <p:cNvSpPr txBox="1">
             <a:spLocks noGrp="1"/>
           </p:cNvSpPr>
@@ -2462,16 +2458,16 @@
               <a:buNone/>
             </a:pPr>
             <a:endParaRPr dirty="0">
-              <a:latin typeface="Open Sans" panose="020B0606030504020204" pitchFamily="34" charset="0"/>
-              <a:ea typeface="Open Sans" panose="020B0606030504020204" pitchFamily="34" charset="0"/>
-              <a:cs typeface="Open Sans" panose="020B0606030504020204" pitchFamily="34" charset="0"/>
+              <a:latin typeface="Open Sans Light" panose="020B0606030504020204" pitchFamily="34" charset="0"/>
+              <a:ea typeface="Open Sans Light" panose="020B0606030504020204" pitchFamily="34" charset="0"/>
+              <a:cs typeface="Open Sans Light" panose="020B0606030504020204" pitchFamily="34" charset="0"/>
             </a:endParaRPr>
           </a:p>
         </p:txBody>
       </p:sp>
       <p:sp>
         <p:nvSpPr>
-          <p:cNvPr id="262" name="Google Shape;262;p20:notes"/>
+          <p:cNvPr id="253" name="Google Shape;253;p19:notes"/>
           <p:cNvSpPr>
             <a:spLocks noGrp="1" noRot="1" noChangeAspect="1"/>
           </p:cNvSpPr>
@@ -2518,12 +2514,12 @@
 </p:notes>
 </file>
 
-<file path=ppt/notesSlides/notesSlide8.xml><?xml version="1.0" encoding="utf-8"?>
+<file path=ppt/notesSlides/notesSlide7.xml><?xml version="1.0" encoding="utf-8"?>
 <p:notes xmlns:a="http://schemas.openxmlformats.org/drawingml/2006/main" xmlns:r="http://schemas.openxmlformats.org/officeDocument/2006/relationships" xmlns:p="http://schemas.openxmlformats.org/presentationml/2006/main" showMasterSp="0" showMasterPhAnim="0">
   <p:cSld>
     <p:spTree>
       <p:nvGrpSpPr>
-        <p:cNvPr id="1" name="Shape 270"/>
+        <p:cNvPr id="1" name="Shape 233"/>
         <p:cNvGrpSpPr/>
         <p:nvPr/>
       </p:nvGrpSpPr>
@@ -2537,7 +2533,7 @@
       </p:grpSpPr>
       <p:sp>
         <p:nvSpPr>
-          <p:cNvPr id="271" name="Google Shape;271;p21:notes"/>
+          <p:cNvPr id="234" name="Google Shape;234;p17:notes"/>
           <p:cNvSpPr txBox="1">
             <a:spLocks noGrp="1"/>
           </p:cNvSpPr>
@@ -2570,16 +2566,16 @@
               <a:buNone/>
             </a:pPr>
             <a:endParaRPr dirty="0">
-              <a:latin typeface="Open Sans" panose="020B0606030504020204" pitchFamily="34" charset="0"/>
-              <a:ea typeface="Open Sans" panose="020B0606030504020204" pitchFamily="34" charset="0"/>
-              <a:cs typeface="Open Sans" panose="020B0606030504020204" pitchFamily="34" charset="0"/>
+              <a:latin typeface="Open Sans Light" panose="020B0606030504020204" pitchFamily="34" charset="0"/>
+              <a:ea typeface="Open Sans Light" panose="020B0606030504020204" pitchFamily="34" charset="0"/>
+              <a:cs typeface="Open Sans Light" panose="020B0606030504020204" pitchFamily="34" charset="0"/>
             </a:endParaRPr>
           </a:p>
         </p:txBody>
       </p:sp>
       <p:sp>
         <p:nvSpPr>
-          <p:cNvPr id="272" name="Google Shape;272;p21:notes"/>
+          <p:cNvPr id="235" name="Google Shape;235;p17:notes"/>
           <p:cNvSpPr>
             <a:spLocks noGrp="1" noRot="1" noChangeAspect="1"/>
           </p:cNvSpPr>
@@ -2619,6 +2615,232 @@
         </p:spPr>
       </p:sp>
     </p:spTree>
+    <p:extLst>
+      <p:ext uri="{BB962C8B-B14F-4D97-AF65-F5344CB8AC3E}">
+        <p14:creationId xmlns:p14="http://schemas.microsoft.com/office/powerpoint/2010/main" val="3824520210"/>
+      </p:ext>
+    </p:extLst>
+  </p:cSld>
+  <p:clrMapOvr>
+    <a:masterClrMapping/>
+  </p:clrMapOvr>
+</p:notes>
+</file>
+
+<file path=ppt/notesSlides/notesSlide8.xml><?xml version="1.0" encoding="utf-8"?>
+<p:notes xmlns:a="http://schemas.openxmlformats.org/drawingml/2006/main" xmlns:r="http://schemas.openxmlformats.org/officeDocument/2006/relationships" xmlns:p="http://schemas.openxmlformats.org/presentationml/2006/main" showMasterSp="0" showMasterPhAnim="0">
+  <p:cSld>
+    <p:spTree>
+      <p:nvGrpSpPr>
+        <p:cNvPr id="1" name="Shape 260"/>
+        <p:cNvGrpSpPr/>
+        <p:nvPr/>
+      </p:nvGrpSpPr>
+      <p:grpSpPr>
+        <a:xfrm>
+          <a:off x="0" y="0"/>
+          <a:ext cx="0" cy="0"/>
+          <a:chOff x="0" y="0"/>
+          <a:chExt cx="0" cy="0"/>
+        </a:xfrm>
+      </p:grpSpPr>
+      <p:sp>
+        <p:nvSpPr>
+          <p:cNvPr id="261" name="Google Shape;261;p20:notes"/>
+          <p:cNvSpPr txBox="1">
+            <a:spLocks noGrp="1"/>
+          </p:cNvSpPr>
+          <p:nvPr>
+            <p:ph type="body" idx="1"/>
+          </p:nvPr>
+        </p:nvSpPr>
+        <p:spPr>
+          <a:xfrm>
+            <a:off x="933450" y="4367213"/>
+            <a:ext cx="5130800" cy="4137025"/>
+          </a:xfrm>
+          <a:prstGeom prst="rect">
+            <a:avLst/>
+          </a:prstGeom>
+        </p:spPr>
+        <p:txBody>
+          <a:bodyPr spcFirstLastPara="1" wrap="square" lIns="92900" tIns="45725" rIns="92900" bIns="45725" anchor="t" anchorCtr="0">
+            <a:noAutofit/>
+          </a:bodyPr>
+          <a:lstStyle/>
+          <a:p>
+            <a:pPr marL="0" lvl="0" indent="0" algn="l" rtl="0">
+              <a:spcBef>
+                <a:spcPts val="480"/>
+              </a:spcBef>
+              <a:spcAft>
+                <a:spcPts val="0"/>
+              </a:spcAft>
+              <a:buNone/>
+            </a:pPr>
+            <a:endParaRPr dirty="0">
+              <a:latin typeface="Open Sans Light" panose="020B0306030504020204" pitchFamily="34" charset="0"/>
+              <a:ea typeface="Open Sans Light" panose="020B0606030504020204" pitchFamily="34" charset="0"/>
+              <a:cs typeface="Open Sans Light" panose="020B0606030504020204" pitchFamily="34" charset="0"/>
+            </a:endParaRPr>
+          </a:p>
+        </p:txBody>
+      </p:sp>
+      <p:sp>
+        <p:nvSpPr>
+          <p:cNvPr id="262" name="Google Shape;262;p20:notes"/>
+          <p:cNvSpPr>
+            <a:spLocks noGrp="1" noRot="1" noChangeAspect="1"/>
+          </p:cNvSpPr>
+          <p:nvPr>
+            <p:ph type="sldImg" idx="2"/>
+          </p:nvPr>
+        </p:nvSpPr>
+        <p:spPr>
+          <a:xfrm>
+            <a:off x="777875" y="882650"/>
+            <a:ext cx="5441950" cy="3062288"/>
+          </a:xfrm>
+          <a:custGeom>
+            <a:avLst/>
+            <a:gdLst/>
+            <a:ahLst/>
+            <a:cxnLst/>
+            <a:rect l="l" t="t" r="r" b="b"/>
+            <a:pathLst>
+              <a:path w="120000" h="120000" extrusionOk="0">
+                <a:moveTo>
+                  <a:pt x="0" y="0"/>
+                </a:moveTo>
+                <a:lnTo>
+                  <a:pt x="120000" y="0"/>
+                </a:lnTo>
+                <a:lnTo>
+                  <a:pt x="120000" y="120000"/>
+                </a:lnTo>
+                <a:lnTo>
+                  <a:pt x="0" y="120000"/>
+                </a:lnTo>
+                <a:close/>
+              </a:path>
+            </a:pathLst>
+          </a:custGeom>
+        </p:spPr>
+      </p:sp>
+    </p:spTree>
+    <p:extLst>
+      <p:ext uri="{BB962C8B-B14F-4D97-AF65-F5344CB8AC3E}">
+        <p14:creationId xmlns:p14="http://schemas.microsoft.com/office/powerpoint/2010/main" val="244067143"/>
+      </p:ext>
+    </p:extLst>
+  </p:cSld>
+  <p:clrMapOvr>
+    <a:masterClrMapping/>
+  </p:clrMapOvr>
+</p:notes>
+</file>
+
+<file path=ppt/notesSlides/notesSlide9.xml><?xml version="1.0" encoding="utf-8"?>
+<p:notes xmlns:a="http://schemas.openxmlformats.org/drawingml/2006/main" xmlns:r="http://schemas.openxmlformats.org/officeDocument/2006/relationships" xmlns:p="http://schemas.openxmlformats.org/presentationml/2006/main" showMasterSp="0" showMasterPhAnim="0">
+  <p:cSld>
+    <p:spTree>
+      <p:nvGrpSpPr>
+        <p:cNvPr id="1" name="Shape 260"/>
+        <p:cNvGrpSpPr/>
+        <p:nvPr/>
+      </p:nvGrpSpPr>
+      <p:grpSpPr>
+        <a:xfrm>
+          <a:off x="0" y="0"/>
+          <a:ext cx="0" cy="0"/>
+          <a:chOff x="0" y="0"/>
+          <a:chExt cx="0" cy="0"/>
+        </a:xfrm>
+      </p:grpSpPr>
+      <p:sp>
+        <p:nvSpPr>
+          <p:cNvPr id="261" name="Google Shape;261;p20:notes"/>
+          <p:cNvSpPr txBox="1">
+            <a:spLocks noGrp="1"/>
+          </p:cNvSpPr>
+          <p:nvPr>
+            <p:ph type="body" idx="1"/>
+          </p:nvPr>
+        </p:nvSpPr>
+        <p:spPr>
+          <a:xfrm>
+            <a:off x="933450" y="4367213"/>
+            <a:ext cx="5130800" cy="4137025"/>
+          </a:xfrm>
+          <a:prstGeom prst="rect">
+            <a:avLst/>
+          </a:prstGeom>
+        </p:spPr>
+        <p:txBody>
+          <a:bodyPr spcFirstLastPara="1" wrap="square" lIns="92900" tIns="45725" rIns="92900" bIns="45725" anchor="t" anchorCtr="0">
+            <a:noAutofit/>
+          </a:bodyPr>
+          <a:lstStyle/>
+          <a:p>
+            <a:pPr marL="0" lvl="0" indent="0" algn="l" rtl="0">
+              <a:spcBef>
+                <a:spcPts val="480"/>
+              </a:spcBef>
+              <a:spcAft>
+                <a:spcPts val="0"/>
+              </a:spcAft>
+              <a:buNone/>
+            </a:pPr>
+            <a:endParaRPr dirty="0">
+              <a:latin typeface="Open Sans Light" panose="020B0606030504020204" pitchFamily="34" charset="0"/>
+              <a:ea typeface="Open Sans Light" panose="020B0606030504020204" pitchFamily="34" charset="0"/>
+              <a:cs typeface="Open Sans Light" panose="020B0606030504020204" pitchFamily="34" charset="0"/>
+            </a:endParaRPr>
+          </a:p>
+        </p:txBody>
+      </p:sp>
+      <p:sp>
+        <p:nvSpPr>
+          <p:cNvPr id="262" name="Google Shape;262;p20:notes"/>
+          <p:cNvSpPr>
+            <a:spLocks noGrp="1" noRot="1" noChangeAspect="1"/>
+          </p:cNvSpPr>
+          <p:nvPr>
+            <p:ph type="sldImg" idx="2"/>
+          </p:nvPr>
+        </p:nvSpPr>
+        <p:spPr>
+          <a:xfrm>
+            <a:off x="777875" y="882650"/>
+            <a:ext cx="5441950" cy="3062288"/>
+          </a:xfrm>
+          <a:custGeom>
+            <a:avLst/>
+            <a:gdLst/>
+            <a:ahLst/>
+            <a:cxnLst/>
+            <a:rect l="l" t="t" r="r" b="b"/>
+            <a:pathLst>
+              <a:path w="120000" h="120000" extrusionOk="0">
+                <a:moveTo>
+                  <a:pt x="0" y="0"/>
+                </a:moveTo>
+                <a:lnTo>
+                  <a:pt x="120000" y="0"/>
+                </a:lnTo>
+                <a:lnTo>
+                  <a:pt x="120000" y="120000"/>
+                </a:lnTo>
+                <a:lnTo>
+                  <a:pt x="0" y="120000"/>
+                </a:lnTo>
+                <a:close/>
+              </a:path>
+            </a:pathLst>
+          </a:custGeom>
+        </p:spPr>
+      </p:sp>
+    </p:spTree>
   </p:cSld>
   <p:clrMapOvr>
     <a:masterClrMapping/>
@@ -2692,37 +2914,37 @@
           <a:lstStyle>
             <a:lvl1pPr>
               <a:defRPr sz="2800" b="0" i="0" baseline="0">
-                <a:latin typeface="Open Sans" panose="020B0606030504020204" pitchFamily="34" charset="0"/>
-                <a:ea typeface="Open Sans" panose="020B0606030504020204" pitchFamily="34" charset="0"/>
-                <a:cs typeface="Open Sans" panose="020B0606030504020204" pitchFamily="34" charset="0"/>
+                <a:latin typeface="Open Sans Light" panose="020B0606030504020204" pitchFamily="34" charset="0"/>
+                <a:ea typeface="Open Sans Light" panose="020B0606030504020204" pitchFamily="34" charset="0"/>
+                <a:cs typeface="Open Sans Light" panose="020B0606030504020204" pitchFamily="34" charset="0"/>
               </a:defRPr>
             </a:lvl1pPr>
             <a:lvl2pPr>
               <a:defRPr sz="2800" b="0" i="0" baseline="0">
-                <a:latin typeface="Open Sans" panose="020B0606030504020204" pitchFamily="34" charset="0"/>
-                <a:ea typeface="Open Sans" panose="020B0606030504020204" pitchFamily="34" charset="0"/>
-                <a:cs typeface="Open Sans" panose="020B0606030504020204" pitchFamily="34" charset="0"/>
+                <a:latin typeface="Open Sans Light" panose="020B0606030504020204" pitchFamily="34" charset="0"/>
+                <a:ea typeface="Open Sans Light" panose="020B0606030504020204" pitchFamily="34" charset="0"/>
+                <a:cs typeface="Open Sans Light" panose="020B0606030504020204" pitchFamily="34" charset="0"/>
               </a:defRPr>
             </a:lvl2pPr>
             <a:lvl3pPr>
               <a:defRPr sz="2400" b="0" i="0" baseline="0">
-                <a:latin typeface="Open Sans" panose="020B0606030504020204" pitchFamily="34" charset="0"/>
-                <a:ea typeface="Open Sans" panose="020B0606030504020204" pitchFamily="34" charset="0"/>
-                <a:cs typeface="Open Sans" panose="020B0606030504020204" pitchFamily="34" charset="0"/>
+                <a:latin typeface="Open Sans Light" panose="020B0606030504020204" pitchFamily="34" charset="0"/>
+                <a:ea typeface="Open Sans Light" panose="020B0606030504020204" pitchFamily="34" charset="0"/>
+                <a:cs typeface="Open Sans Light" panose="020B0606030504020204" pitchFamily="34" charset="0"/>
               </a:defRPr>
             </a:lvl3pPr>
             <a:lvl4pPr>
               <a:defRPr sz="2400" b="0" i="0" baseline="0">
-                <a:latin typeface="Open Sans" panose="020B0606030504020204" pitchFamily="34" charset="0"/>
-                <a:ea typeface="Open Sans" panose="020B0606030504020204" pitchFamily="34" charset="0"/>
-                <a:cs typeface="Open Sans" panose="020B0606030504020204" pitchFamily="34" charset="0"/>
+                <a:latin typeface="Open Sans Light" panose="020B0606030504020204" pitchFamily="34" charset="0"/>
+                <a:ea typeface="Open Sans Light" panose="020B0606030504020204" pitchFamily="34" charset="0"/>
+                <a:cs typeface="Open Sans Light" panose="020B0606030504020204" pitchFamily="34" charset="0"/>
               </a:defRPr>
             </a:lvl4pPr>
             <a:lvl5pPr>
               <a:defRPr sz="2000" b="0" i="0" baseline="0">
-                <a:latin typeface="Open Sans" panose="020B0606030504020204" pitchFamily="34" charset="0"/>
-                <a:ea typeface="Open Sans" panose="020B0606030504020204" pitchFamily="34" charset="0"/>
-                <a:cs typeface="Open Sans" panose="020B0606030504020204" pitchFamily="34" charset="0"/>
+                <a:latin typeface="Open Sans Light" panose="020B0606030504020204" pitchFamily="34" charset="0"/>
+                <a:ea typeface="Open Sans Light" panose="020B0606030504020204" pitchFamily="34" charset="0"/>
+                <a:cs typeface="Open Sans Light" panose="020B0606030504020204" pitchFamily="34" charset="0"/>
               </a:defRPr>
             </a:lvl5pPr>
           </a:lstStyle>
@@ -3939,7 +4161,7 @@
           <a:lstStyle>
             <a:lvl1pPr>
               <a:defRPr b="0" i="0">
-                <a:latin typeface="Open Sans"/>
+                <a:latin typeface="Open Sans Light"/>
               </a:defRPr>
             </a:lvl1pPr>
           </a:lstStyle>
@@ -3982,7 +4204,7 @@
           <a:lstStyle>
             <a:lvl1pPr>
               <a:defRPr b="0" i="0">
-                <a:latin typeface="Open Sans"/>
+                <a:latin typeface="Open Sans Light"/>
               </a:defRPr>
             </a:lvl1pPr>
           </a:lstStyle>
@@ -4303,37 +4525,37 @@
           <a:lstStyle>
             <a:lvl1pPr>
               <a:defRPr sz="2200" b="0" i="0" baseline="0">
-                <a:latin typeface="Open Sans" panose="020B0606030504020204" pitchFamily="34" charset="0"/>
-                <a:ea typeface="Open Sans" panose="020B0606030504020204" pitchFamily="34" charset="0"/>
-                <a:cs typeface="Open Sans" panose="020B0606030504020204" pitchFamily="34" charset="0"/>
+                <a:latin typeface="Open Sans Light" panose="020B0606030504020204" pitchFamily="34" charset="0"/>
+                <a:ea typeface="Open Sans Light" panose="020B0606030504020204" pitchFamily="34" charset="0"/>
+                <a:cs typeface="Open Sans Light" panose="020B0606030504020204" pitchFamily="34" charset="0"/>
               </a:defRPr>
             </a:lvl1pPr>
             <a:lvl2pPr>
               <a:defRPr sz="2200" b="0" i="0" baseline="0">
-                <a:latin typeface="Open Sans" panose="020B0606030504020204" pitchFamily="34" charset="0"/>
-                <a:ea typeface="Open Sans" panose="020B0606030504020204" pitchFamily="34" charset="0"/>
-                <a:cs typeface="Open Sans" panose="020B0606030504020204" pitchFamily="34" charset="0"/>
+                <a:latin typeface="Open Sans Light" panose="020B0606030504020204" pitchFamily="34" charset="0"/>
+                <a:ea typeface="Open Sans Light" panose="020B0606030504020204" pitchFamily="34" charset="0"/>
+                <a:cs typeface="Open Sans Light" panose="020B0606030504020204" pitchFamily="34" charset="0"/>
               </a:defRPr>
             </a:lvl2pPr>
             <a:lvl3pPr>
               <a:defRPr sz="2000" b="0" i="0" baseline="0">
-                <a:latin typeface="Open Sans" panose="020B0606030504020204" pitchFamily="34" charset="0"/>
-                <a:ea typeface="Open Sans" panose="020B0606030504020204" pitchFamily="34" charset="0"/>
-                <a:cs typeface="Open Sans" panose="020B0606030504020204" pitchFamily="34" charset="0"/>
+                <a:latin typeface="Open Sans Light" panose="020B0606030504020204" pitchFamily="34" charset="0"/>
+                <a:ea typeface="Open Sans Light" panose="020B0606030504020204" pitchFamily="34" charset="0"/>
+                <a:cs typeface="Open Sans Light" panose="020B0606030504020204" pitchFamily="34" charset="0"/>
               </a:defRPr>
             </a:lvl3pPr>
             <a:lvl4pPr>
               <a:defRPr sz="2000" b="0" i="0" baseline="0">
-                <a:latin typeface="Open Sans" panose="020B0606030504020204" pitchFamily="34" charset="0"/>
-                <a:ea typeface="Open Sans" panose="020B0606030504020204" pitchFamily="34" charset="0"/>
-                <a:cs typeface="Open Sans" panose="020B0606030504020204" pitchFamily="34" charset="0"/>
+                <a:latin typeface="Open Sans Light" panose="020B0606030504020204" pitchFamily="34" charset="0"/>
+                <a:ea typeface="Open Sans Light" panose="020B0606030504020204" pitchFamily="34" charset="0"/>
+                <a:cs typeface="Open Sans Light" panose="020B0606030504020204" pitchFamily="34" charset="0"/>
               </a:defRPr>
             </a:lvl4pPr>
             <a:lvl5pPr>
               <a:defRPr sz="1800" b="0" i="0" baseline="0">
-                <a:latin typeface="Open Sans" panose="020B0606030504020204" pitchFamily="34" charset="0"/>
-                <a:ea typeface="Open Sans" panose="020B0606030504020204" pitchFamily="34" charset="0"/>
-                <a:cs typeface="Open Sans" panose="020B0606030504020204" pitchFamily="34" charset="0"/>
+                <a:latin typeface="Open Sans Light" panose="020B0606030504020204" pitchFamily="34" charset="0"/>
+                <a:ea typeface="Open Sans Light" panose="020B0606030504020204" pitchFamily="34" charset="0"/>
+                <a:cs typeface="Open Sans Light" panose="020B0606030504020204" pitchFamily="34" charset="0"/>
               </a:defRPr>
             </a:lvl5pPr>
           </a:lstStyle>
@@ -5335,7 +5557,7 @@
           </a:ln>
           <a:extLst>
             <a:ext uri="{909E8E84-426E-40dd-AFC4-6F175D3DCCD1}">
-              <a14:hiddenFill xmlns:a14="http://schemas.microsoft.com/office/drawing/2010/main" xmlns="">
+              <a14:hiddenFill xmlns="" xmlns:a14="http://schemas.microsoft.com/office/drawing/2010/main">
                 <a:noFill/>
               </a14:hiddenFill>
             </a:ext>
@@ -5346,9 +5568,9 @@
           <a:lstStyle/>
           <a:p>
             <a:endParaRPr lang="en-US" sz="760" b="0" i="0">
-              <a:latin typeface="Open Sans" panose="020B0606030504020204" pitchFamily="34" charset="0"/>
-              <a:ea typeface="Open Sans" panose="020B0606030504020204" pitchFamily="34" charset="0"/>
-              <a:cs typeface="Open Sans" panose="020B0606030504020204" pitchFamily="34" charset="0"/>
+              <a:latin typeface="Open Sans Light" panose="020B0606030504020204" pitchFamily="34" charset="0"/>
+              <a:ea typeface="Open Sans Light" panose="020B0606030504020204" pitchFamily="34" charset="0"/>
+              <a:cs typeface="Open Sans Light" panose="020B0606030504020204" pitchFamily="34" charset="0"/>
             </a:endParaRPr>
           </a:p>
         </p:txBody>
@@ -5455,14 +5677,14 @@
           </a:ln>
           <a:extLst>
             <a:ext uri="{909E8E84-426E-40dd-AFC4-6F175D3DCCD1}">
-              <a14:hiddenFill xmlns:a14="http://schemas.microsoft.com/office/drawing/2010/main" xmlns="">
+              <a14:hiddenFill xmlns="" xmlns:a14="http://schemas.microsoft.com/office/drawing/2010/main">
                 <a:solidFill>
                   <a:srgbClr val="FFFFFF"/>
                 </a:solidFill>
               </a14:hiddenFill>
             </a:ext>
             <a:ext uri="{91240B29-F687-4f45-9708-019B960494DF}">
-              <a14:hiddenLine xmlns:a14="http://schemas.microsoft.com/office/drawing/2010/main" xmlns="" w="9525">
+              <a14:hiddenLine xmlns="" xmlns:a14="http://schemas.microsoft.com/office/drawing/2010/main" w="9525">
                 <a:solidFill>
                   <a:srgbClr val="000000"/>
                 </a:solidFill>
@@ -5472,7 +5694,7 @@
               </a14:hiddenLine>
             </a:ext>
             <a:ext uri="{FAA26D3D-D897-4be2-8F04-BA451C77F1D7}">
-              <ma14:placeholderFlag xmlns:ma14="http://schemas.microsoft.com/office/mac/drawingml/2011/main" xmlns="" val="1"/>
+              <ma14:placeholderFlag xmlns="" xmlns:ma14="http://schemas.microsoft.com/office/mac/drawingml/2011/main" val="1"/>
             </a:ext>
           </a:extLst>
         </p:spPr>
@@ -5689,9 +5911,9 @@
           <a:lstStyle/>
           <a:p>
             <a:endParaRPr lang="en-US" sz="788" b="0" i="0">
-              <a:latin typeface="Open Sans" panose="020B0606030504020204" pitchFamily="34" charset="0"/>
-              <a:ea typeface="Open Sans" panose="020B0606030504020204" pitchFamily="34" charset="0"/>
-              <a:cs typeface="Open Sans" panose="020B0606030504020204" pitchFamily="34" charset="0"/>
+              <a:latin typeface="Open Sans Light" panose="020B0606030504020204" pitchFamily="34" charset="0"/>
+              <a:ea typeface="Open Sans Light" panose="020B0606030504020204" pitchFamily="34" charset="0"/>
+              <a:cs typeface="Open Sans Light" panose="020B0606030504020204" pitchFamily="34" charset="0"/>
             </a:endParaRPr>
           </a:p>
         </p:txBody>
@@ -6030,7 +6252,7 @@
           </a:ln>
           <a:extLst>
             <a:ext uri="{909E8E84-426E-40dd-AFC4-6F175D3DCCD1}">
-              <a14:hiddenFill xmlns:a14="http://schemas.microsoft.com/office/drawing/2010/main" xmlns="">
+              <a14:hiddenFill xmlns="" xmlns:a14="http://schemas.microsoft.com/office/drawing/2010/main">
                 <a:noFill/>
               </a14:hiddenFill>
             </a:ext>
@@ -6041,9 +6263,9 @@
           <a:lstStyle/>
           <a:p>
             <a:endParaRPr lang="en-US" sz="760" b="0" i="0" dirty="0">
-              <a:latin typeface="Open Sans" panose="020B0606030504020204" pitchFamily="34" charset="0"/>
-              <a:ea typeface="Open Sans" panose="020B0606030504020204" pitchFamily="34" charset="0"/>
-              <a:cs typeface="Open Sans" panose="020B0606030504020204" pitchFamily="34" charset="0"/>
+              <a:latin typeface="Open Sans Light" panose="020B0606030504020204" pitchFamily="34" charset="0"/>
+              <a:ea typeface="Open Sans Light" panose="020B0606030504020204" pitchFamily="34" charset="0"/>
+              <a:cs typeface="Open Sans Light" panose="020B0606030504020204" pitchFamily="34" charset="0"/>
             </a:endParaRPr>
           </a:p>
         </p:txBody>
@@ -6075,14 +6297,14 @@
           </a:ln>
           <a:extLst>
             <a:ext uri="{909E8E84-426E-40dd-AFC4-6F175D3DCCD1}">
-              <a14:hiddenFill xmlns:a14="http://schemas.microsoft.com/office/drawing/2010/main" xmlns="">
+              <a14:hiddenFill xmlns="" xmlns:a14="http://schemas.microsoft.com/office/drawing/2010/main">
                 <a:solidFill>
                   <a:srgbClr val="FFFFFF"/>
                 </a:solidFill>
               </a14:hiddenFill>
             </a:ext>
             <a:ext uri="{91240B29-F687-4f45-9708-019B960494DF}">
-              <a14:hiddenLine xmlns:a14="http://schemas.microsoft.com/office/drawing/2010/main" xmlns="" w="9525">
+              <a14:hiddenLine xmlns="" xmlns:a14="http://schemas.microsoft.com/office/drawing/2010/main" w="9525">
                 <a:solidFill>
                   <a:srgbClr val="000000"/>
                 </a:solidFill>
@@ -6188,14 +6410,14 @@
           </a:ln>
           <a:extLst>
             <a:ext uri="{909E8E84-426E-40dd-AFC4-6F175D3DCCD1}">
-              <a14:hiddenFill xmlns:a14="http://schemas.microsoft.com/office/drawing/2010/main" xmlns="">
+              <a14:hiddenFill xmlns="" xmlns:a14="http://schemas.microsoft.com/office/drawing/2010/main">
                 <a:solidFill>
                   <a:srgbClr val="FFFFFF"/>
                 </a:solidFill>
               </a14:hiddenFill>
             </a:ext>
             <a:ext uri="{91240B29-F687-4f45-9708-019B960494DF}">
-              <a14:hiddenLine xmlns:a14="http://schemas.microsoft.com/office/drawing/2010/main" xmlns="" w="9525">
+              <a14:hiddenLine xmlns="" xmlns:a14="http://schemas.microsoft.com/office/drawing/2010/main" w="9525">
                 <a:solidFill>
                   <a:srgbClr val="000000"/>
                 </a:solidFill>
@@ -6205,7 +6427,7 @@
               </a14:hiddenLine>
             </a:ext>
             <a:ext uri="{FAA26D3D-D897-4be2-8F04-BA451C77F1D7}">
-              <ma14:placeholderFlag xmlns:ma14="http://schemas.microsoft.com/office/mac/drawingml/2011/main" xmlns="" val="1"/>
+              <ma14:placeholderFlag xmlns="" xmlns:ma14="http://schemas.microsoft.com/office/mac/drawingml/2011/main" val="1"/>
             </a:ext>
           </a:extLst>
         </p:spPr>
@@ -6426,9 +6648,9 @@
                 <a:solidFill>
                   <a:schemeClr val="bg2"/>
                 </a:solidFill>
-                <a:latin typeface="Open Sans"/>
-                <a:ea typeface="Open Sans" panose="020B0606030504020204" pitchFamily="34" charset="0"/>
-                <a:cs typeface="Open Sans" panose="020B0606030504020204" pitchFamily="34" charset="0"/>
+                <a:latin typeface="Open Sans Light"/>
+                <a:ea typeface="Open Sans Light" panose="020B0606030504020204" pitchFamily="34" charset="0"/>
+                <a:cs typeface="Open Sans Light" panose="020B0606030504020204" pitchFamily="34" charset="0"/>
               </a:rPr>
               <a:t>UC Berkeley EECS</a:t>
             </a:r>
@@ -6437,9 +6659,9 @@
                 <a:solidFill>
                   <a:schemeClr val="bg2"/>
                 </a:solidFill>
-                <a:latin typeface="Open Sans"/>
-                <a:ea typeface="Open Sans" panose="020B0606030504020204" pitchFamily="34" charset="0"/>
-                <a:cs typeface="Open Sans" panose="020B0606030504020204" pitchFamily="34" charset="0"/>
+                <a:latin typeface="Open Sans Light"/>
+                <a:ea typeface="Open Sans Light" panose="020B0606030504020204" pitchFamily="34" charset="0"/>
+                <a:cs typeface="Open Sans Light" panose="020B0606030504020204" pitchFamily="34" charset="0"/>
               </a:rPr>
             </a:br>
             <a:r>
@@ -6447,9 +6669,9 @@
                 <a:solidFill>
                   <a:schemeClr val="bg2"/>
                 </a:solidFill>
-                <a:latin typeface="Open Sans"/>
-                <a:ea typeface="Open Sans" panose="020B0606030504020204" pitchFamily="34" charset="0"/>
-                <a:cs typeface="Open Sans" panose="020B0606030504020204" pitchFamily="34" charset="0"/>
+                <a:latin typeface="Open Sans Light"/>
+                <a:ea typeface="Open Sans Light" panose="020B0606030504020204" pitchFamily="34" charset="0"/>
+                <a:cs typeface="Open Sans Light" panose="020B0606030504020204" pitchFamily="34" charset="0"/>
               </a:rPr>
               <a:t>Lecturer</a:t>
             </a:r>
@@ -6463,9 +6685,9 @@
                 <a:solidFill>
                   <a:schemeClr val="bg2"/>
                 </a:solidFill>
-                <a:latin typeface="Open Sans"/>
-                <a:ea typeface="Open Sans" panose="020B0606030504020204" pitchFamily="34" charset="0"/>
-                <a:cs typeface="Open Sans" panose="020B0606030504020204" pitchFamily="34" charset="0"/>
+                <a:latin typeface="Open Sans Light"/>
+                <a:ea typeface="Open Sans Light" panose="020B0606030504020204" pitchFamily="34" charset="0"/>
+                <a:cs typeface="Open Sans Light" panose="020B0606030504020204" pitchFamily="34" charset="0"/>
               </a:rPr>
               <a:t>Michael Ball</a:t>
             </a:r>
@@ -6553,14 +6775,14 @@
           </a:ln>
           <a:extLst>
             <a:ext uri="{909E8E84-426E-40dd-AFC4-6F175D3DCCD1}">
-              <a14:hiddenFill xmlns:a14="http://schemas.microsoft.com/office/drawing/2010/main" xmlns="">
+              <a14:hiddenFill xmlns="" xmlns:a14="http://schemas.microsoft.com/office/drawing/2010/main">
                 <a:solidFill>
                   <a:srgbClr val="FFFFFF"/>
                 </a:solidFill>
               </a14:hiddenFill>
             </a:ext>
             <a:ext uri="{91240B29-F687-4f45-9708-019B960494DF}">
-              <a14:hiddenLine xmlns:a14="http://schemas.microsoft.com/office/drawing/2010/main" xmlns="" w="9525">
+              <a14:hiddenLine xmlns="" xmlns:a14="http://schemas.microsoft.com/office/drawing/2010/main" w="9525">
                 <a:solidFill>
                   <a:srgbClr val="000000"/>
                 </a:solidFill>
@@ -6570,7 +6792,7 @@
               </a14:hiddenLine>
             </a:ext>
             <a:ext uri="{FAA26D3D-D897-4be2-8F04-BA451C77F1D7}">
-              <ma14:placeholderFlag xmlns:ma14="http://schemas.microsoft.com/office/mac/drawingml/2011/main" xmlns="" val="1"/>
+              <ma14:placeholderFlag xmlns="" xmlns:ma14="http://schemas.microsoft.com/office/mac/drawingml/2011/main" val="1"/>
             </a:ext>
           </a:extLst>
         </p:spPr>
@@ -6787,9 +7009,9 @@
           <a:lstStyle/>
           <a:p>
             <a:endParaRPr lang="en-US" sz="788" b="0" i="0" dirty="0">
-              <a:latin typeface="Open Sans" panose="020B0606030504020204" pitchFamily="34" charset="0"/>
-              <a:ea typeface="Open Sans" panose="020B0606030504020204" pitchFamily="34" charset="0"/>
-              <a:cs typeface="Open Sans" panose="020B0606030504020204" pitchFamily="34" charset="0"/>
+              <a:latin typeface="Open Sans Light" panose="020B0606030504020204" pitchFamily="34" charset="0"/>
+              <a:ea typeface="Open Sans Light" panose="020B0606030504020204" pitchFamily="34" charset="0"/>
+              <a:cs typeface="Open Sans Light" panose="020B0606030504020204" pitchFamily="34" charset="0"/>
             </a:endParaRPr>
           </a:p>
         </p:txBody>
@@ -6823,9 +7045,9 @@
           <a:lstStyle/>
           <a:p>
             <a:endParaRPr lang="en-US" b="0" i="0" dirty="0">
-              <a:latin typeface="Open Sans" panose="020B0606030504020204" pitchFamily="34" charset="0"/>
-              <a:ea typeface="Open Sans" panose="020B0606030504020204" pitchFamily="34" charset="0"/>
-              <a:cs typeface="Open Sans" panose="020B0606030504020204" pitchFamily="34" charset="0"/>
+              <a:latin typeface="Open Sans Light" panose="020B0606030504020204" pitchFamily="34" charset="0"/>
+              <a:ea typeface="Open Sans Light" panose="020B0606030504020204" pitchFamily="34" charset="0"/>
+              <a:cs typeface="Open Sans Light" panose="020B0606030504020204" pitchFamily="34" charset="0"/>
             </a:endParaRPr>
           </a:p>
         </p:txBody>
@@ -7625,7 +7847,7 @@
           </a:ln>
           <a:extLst>
             <a:ext uri="{909E8E84-426E-40dd-AFC4-6F175D3DCCD1}">
-              <a14:hiddenFill xmlns="" xmlns:a14="http://schemas.microsoft.com/office/drawing/2010/main">
+              <a14:hiddenFill xmlns:a14="http://schemas.microsoft.com/office/drawing/2010/main" xmlns="">
                 <a:noFill/>
               </a14:hiddenFill>
             </a:ext>
@@ -7636,9 +7858,9 @@
           <a:lstStyle/>
           <a:p>
             <a:endParaRPr lang="en-US" sz="760" b="0" i="0">
-              <a:latin typeface="Open Sans" panose="020B0606030504020204" pitchFamily="34" charset="0"/>
-              <a:ea typeface="Open Sans" panose="020B0606030504020204" pitchFamily="34" charset="0"/>
-              <a:cs typeface="Open Sans" panose="020B0606030504020204" pitchFamily="34" charset="0"/>
+              <a:latin typeface="Open Sans Light" panose="020B0606030504020204" pitchFamily="34" charset="0"/>
+              <a:ea typeface="Open Sans Light" panose="020B0606030504020204" pitchFamily="34" charset="0"/>
+              <a:cs typeface="Open Sans Light" panose="020B0606030504020204" pitchFamily="34" charset="0"/>
             </a:endParaRPr>
           </a:p>
         </p:txBody>
@@ -7745,14 +7967,14 @@
           </a:ln>
           <a:extLst>
             <a:ext uri="{909E8E84-426E-40dd-AFC4-6F175D3DCCD1}">
-              <a14:hiddenFill xmlns="" xmlns:a14="http://schemas.microsoft.com/office/drawing/2010/main">
+              <a14:hiddenFill xmlns:a14="http://schemas.microsoft.com/office/drawing/2010/main" xmlns="">
                 <a:solidFill>
                   <a:srgbClr val="FFFFFF"/>
                 </a:solidFill>
               </a14:hiddenFill>
             </a:ext>
             <a:ext uri="{91240B29-F687-4f45-9708-019B960494DF}">
-              <a14:hiddenLine xmlns="" xmlns:a14="http://schemas.microsoft.com/office/drawing/2010/main" w="9525">
+              <a14:hiddenLine xmlns:a14="http://schemas.microsoft.com/office/drawing/2010/main" xmlns="" w="9525">
                 <a:solidFill>
                   <a:srgbClr val="000000"/>
                 </a:solidFill>
@@ -7762,7 +7984,7 @@
               </a14:hiddenLine>
             </a:ext>
             <a:ext uri="{FAA26D3D-D897-4be2-8F04-BA451C77F1D7}">
-              <ma14:placeholderFlag xmlns="" xmlns:ma14="http://schemas.microsoft.com/office/mac/drawingml/2011/main" val="1"/>
+              <ma14:placeholderFlag xmlns:ma14="http://schemas.microsoft.com/office/mac/drawingml/2011/main" xmlns="" val="1"/>
             </a:ext>
           </a:extLst>
         </p:spPr>
@@ -7979,9 +8201,9 @@
           <a:lstStyle/>
           <a:p>
             <a:endParaRPr lang="en-US" sz="788" b="0" i="0">
-              <a:latin typeface="Open Sans" panose="020B0606030504020204" pitchFamily="34" charset="0"/>
-              <a:ea typeface="Open Sans" panose="020B0606030504020204" pitchFamily="34" charset="0"/>
-              <a:cs typeface="Open Sans" panose="020B0606030504020204" pitchFamily="34" charset="0"/>
+              <a:latin typeface="Open Sans Light" panose="020B0606030504020204" pitchFamily="34" charset="0"/>
+              <a:ea typeface="Open Sans Light" panose="020B0606030504020204" pitchFamily="34" charset="0"/>
+              <a:cs typeface="Open Sans Light" panose="020B0606030504020204" pitchFamily="34" charset="0"/>
             </a:endParaRPr>
           </a:p>
         </p:txBody>
@@ -8720,37 +8942,37 @@
           <a:lstStyle>
             <a:lvl1pPr>
               <a:defRPr sz="2200" b="0" i="0" baseline="0">
-                <a:latin typeface="Open Sans" panose="020B0606030504020204" pitchFamily="34" charset="0"/>
-                <a:ea typeface="Open Sans" panose="020B0606030504020204" pitchFamily="34" charset="0"/>
-                <a:cs typeface="Open Sans" panose="020B0606030504020204" pitchFamily="34" charset="0"/>
+                <a:latin typeface="Open Sans Light" panose="020B0606030504020204" pitchFamily="34" charset="0"/>
+                <a:ea typeface="Open Sans Light" panose="020B0606030504020204" pitchFamily="34" charset="0"/>
+                <a:cs typeface="Open Sans Light" panose="020B0606030504020204" pitchFamily="34" charset="0"/>
               </a:defRPr>
             </a:lvl1pPr>
             <a:lvl2pPr>
               <a:defRPr sz="2200" b="0" i="0" baseline="0">
-                <a:latin typeface="Open Sans" panose="020B0606030504020204" pitchFamily="34" charset="0"/>
-                <a:ea typeface="Open Sans" panose="020B0606030504020204" pitchFamily="34" charset="0"/>
-                <a:cs typeface="Open Sans" panose="020B0606030504020204" pitchFamily="34" charset="0"/>
+                <a:latin typeface="Open Sans Light" panose="020B0606030504020204" pitchFamily="34" charset="0"/>
+                <a:ea typeface="Open Sans Light" panose="020B0606030504020204" pitchFamily="34" charset="0"/>
+                <a:cs typeface="Open Sans Light" panose="020B0606030504020204" pitchFamily="34" charset="0"/>
               </a:defRPr>
             </a:lvl2pPr>
             <a:lvl3pPr>
               <a:defRPr sz="2000" b="0" i="0" baseline="0">
-                <a:latin typeface="Open Sans" panose="020B0606030504020204" pitchFamily="34" charset="0"/>
-                <a:ea typeface="Open Sans" panose="020B0606030504020204" pitchFamily="34" charset="0"/>
-                <a:cs typeface="Open Sans" panose="020B0606030504020204" pitchFamily="34" charset="0"/>
+                <a:latin typeface="Open Sans Light" panose="020B0606030504020204" pitchFamily="34" charset="0"/>
+                <a:ea typeface="Open Sans Light" panose="020B0606030504020204" pitchFamily="34" charset="0"/>
+                <a:cs typeface="Open Sans Light" panose="020B0606030504020204" pitchFamily="34" charset="0"/>
               </a:defRPr>
             </a:lvl3pPr>
             <a:lvl4pPr>
               <a:defRPr sz="2000" b="0" i="0" baseline="0">
-                <a:latin typeface="Open Sans" panose="020B0606030504020204" pitchFamily="34" charset="0"/>
-                <a:ea typeface="Open Sans" panose="020B0606030504020204" pitchFamily="34" charset="0"/>
-                <a:cs typeface="Open Sans" panose="020B0606030504020204" pitchFamily="34" charset="0"/>
+                <a:latin typeface="Open Sans Light" panose="020B0606030504020204" pitchFamily="34" charset="0"/>
+                <a:ea typeface="Open Sans Light" panose="020B0606030504020204" pitchFamily="34" charset="0"/>
+                <a:cs typeface="Open Sans Light" panose="020B0606030504020204" pitchFamily="34" charset="0"/>
               </a:defRPr>
             </a:lvl4pPr>
             <a:lvl5pPr>
               <a:defRPr sz="1800" b="0" i="0" baseline="0">
-                <a:latin typeface="Open Sans" panose="020B0606030504020204" pitchFamily="34" charset="0"/>
-                <a:ea typeface="Open Sans" panose="020B0606030504020204" pitchFamily="34" charset="0"/>
-                <a:cs typeface="Open Sans" panose="020B0606030504020204" pitchFamily="34" charset="0"/>
+                <a:latin typeface="Open Sans Light" panose="020B0606030504020204" pitchFamily="34" charset="0"/>
+                <a:ea typeface="Open Sans Light" panose="020B0606030504020204" pitchFamily="34" charset="0"/>
+                <a:cs typeface="Open Sans Light" panose="020B0606030504020204" pitchFamily="34" charset="0"/>
               </a:defRPr>
             </a:lvl5pPr>
           </a:lstStyle>
@@ -8989,37 +9211,37 @@
           <a:lstStyle>
             <a:lvl1pPr>
               <a:defRPr sz="2200" b="0" i="0" baseline="0">
-                <a:latin typeface="Open Sans" panose="020B0606030504020204" pitchFamily="34" charset="0"/>
-                <a:ea typeface="Open Sans" panose="020B0606030504020204" pitchFamily="34" charset="0"/>
-                <a:cs typeface="Open Sans" panose="020B0606030504020204" pitchFamily="34" charset="0"/>
+                <a:latin typeface="Open Sans Light" panose="020B0606030504020204" pitchFamily="34" charset="0"/>
+                <a:ea typeface="Open Sans Light" panose="020B0606030504020204" pitchFamily="34" charset="0"/>
+                <a:cs typeface="Open Sans Light" panose="020B0606030504020204" pitchFamily="34" charset="0"/>
               </a:defRPr>
             </a:lvl1pPr>
             <a:lvl2pPr>
               <a:defRPr sz="2200" b="0" i="0" baseline="0">
-                <a:latin typeface="Open Sans" panose="020B0606030504020204" pitchFamily="34" charset="0"/>
-                <a:ea typeface="Open Sans" panose="020B0606030504020204" pitchFamily="34" charset="0"/>
-                <a:cs typeface="Open Sans" panose="020B0606030504020204" pitchFamily="34" charset="0"/>
+                <a:latin typeface="Open Sans Light" panose="020B0606030504020204" pitchFamily="34" charset="0"/>
+                <a:ea typeface="Open Sans Light" panose="020B0606030504020204" pitchFamily="34" charset="0"/>
+                <a:cs typeface="Open Sans Light" panose="020B0606030504020204" pitchFamily="34" charset="0"/>
               </a:defRPr>
             </a:lvl2pPr>
             <a:lvl3pPr>
               <a:defRPr sz="2000" b="0" i="0" baseline="0">
-                <a:latin typeface="Open Sans" panose="020B0606030504020204" pitchFamily="34" charset="0"/>
-                <a:ea typeface="Open Sans" panose="020B0606030504020204" pitchFamily="34" charset="0"/>
-                <a:cs typeface="Open Sans" panose="020B0606030504020204" pitchFamily="34" charset="0"/>
+                <a:latin typeface="Open Sans Light" panose="020B0606030504020204" pitchFamily="34" charset="0"/>
+                <a:ea typeface="Open Sans Light" panose="020B0606030504020204" pitchFamily="34" charset="0"/>
+                <a:cs typeface="Open Sans Light" panose="020B0606030504020204" pitchFamily="34" charset="0"/>
               </a:defRPr>
             </a:lvl3pPr>
             <a:lvl4pPr>
               <a:defRPr sz="2000" b="0" i="0" baseline="0">
-                <a:latin typeface="Open Sans" panose="020B0606030504020204" pitchFamily="34" charset="0"/>
-                <a:ea typeface="Open Sans" panose="020B0606030504020204" pitchFamily="34" charset="0"/>
-                <a:cs typeface="Open Sans" panose="020B0606030504020204" pitchFamily="34" charset="0"/>
+                <a:latin typeface="Open Sans Light" panose="020B0606030504020204" pitchFamily="34" charset="0"/>
+                <a:ea typeface="Open Sans Light" panose="020B0606030504020204" pitchFamily="34" charset="0"/>
+                <a:cs typeface="Open Sans Light" panose="020B0606030504020204" pitchFamily="34" charset="0"/>
               </a:defRPr>
             </a:lvl4pPr>
             <a:lvl5pPr>
               <a:defRPr sz="1800" b="0" i="0" baseline="0">
-                <a:latin typeface="Open Sans" panose="020B0606030504020204" pitchFamily="34" charset="0"/>
-                <a:ea typeface="Open Sans" panose="020B0606030504020204" pitchFamily="34" charset="0"/>
-                <a:cs typeface="Open Sans" panose="020B0606030504020204" pitchFamily="34" charset="0"/>
+                <a:latin typeface="Open Sans Light" panose="020B0606030504020204" pitchFamily="34" charset="0"/>
+                <a:ea typeface="Open Sans Light" panose="020B0606030504020204" pitchFamily="34" charset="0"/>
+                <a:cs typeface="Open Sans Light" panose="020B0606030504020204" pitchFamily="34" charset="0"/>
               </a:defRPr>
             </a:lvl5pPr>
           </a:lstStyle>
@@ -9894,14 +10116,14 @@
           </a:ln>
           <a:extLst>
             <a:ext uri="{909E8E84-426E-40dd-AFC4-6F175D3DCCD1}">
-              <a14:hiddenFill xmlns="" xmlns:a14="http://schemas.microsoft.com/office/drawing/2010/main">
+              <a14:hiddenFill xmlns:a14="http://schemas.microsoft.com/office/drawing/2010/main" xmlns="">
                 <a:solidFill>
                   <a:srgbClr val="FFFFFF"/>
                 </a:solidFill>
               </a14:hiddenFill>
             </a:ext>
             <a:ext uri="{91240B29-F687-4f45-9708-019B960494DF}">
-              <a14:hiddenLine xmlns="" xmlns:a14="http://schemas.microsoft.com/office/drawing/2010/main" w="9525">
+              <a14:hiddenLine xmlns:a14="http://schemas.microsoft.com/office/drawing/2010/main" xmlns="" w="9525">
                 <a:solidFill>
                   <a:srgbClr val="000000"/>
                 </a:solidFill>
@@ -9911,7 +10133,7 @@
               </a14:hiddenLine>
             </a:ext>
             <a:ext uri="{FAA26D3D-D897-4be2-8F04-BA451C77F1D7}">
-              <ma14:placeholderFlag xmlns="" xmlns:ma14="http://schemas.microsoft.com/office/mac/drawingml/2011/main" val="1"/>
+              <ma14:placeholderFlag xmlns:ma14="http://schemas.microsoft.com/office/mac/drawingml/2011/main" xmlns="" val="1"/>
             </a:ext>
           </a:extLst>
         </p:spPr>
@@ -9956,14 +10178,14 @@
           </a:ln>
           <a:extLst>
             <a:ext uri="{909E8E84-426E-40dd-AFC4-6F175D3DCCD1}">
-              <a14:hiddenFill xmlns="" xmlns:a14="http://schemas.microsoft.com/office/drawing/2010/main">
+              <a14:hiddenFill xmlns:a14="http://schemas.microsoft.com/office/drawing/2010/main" xmlns="">
                 <a:solidFill>
                   <a:srgbClr val="FFFFFF"/>
                 </a:solidFill>
               </a14:hiddenFill>
             </a:ext>
             <a:ext uri="{91240B29-F687-4f45-9708-019B960494DF}">
-              <a14:hiddenLine xmlns="" xmlns:a14="http://schemas.microsoft.com/office/drawing/2010/main" w="9525">
+              <a14:hiddenLine xmlns:a14="http://schemas.microsoft.com/office/drawing/2010/main" xmlns="" w="9525">
                 <a:solidFill>
                   <a:srgbClr val="000000"/>
                 </a:solidFill>
@@ -9973,7 +10195,7 @@
               </a14:hiddenLine>
             </a:ext>
             <a:ext uri="{FAA26D3D-D897-4be2-8F04-BA451C77F1D7}">
-              <ma14:placeholderFlag xmlns="" xmlns:ma14="http://schemas.microsoft.com/office/mac/drawingml/2011/main" val="1"/>
+              <ma14:placeholderFlag xmlns:ma14="http://schemas.microsoft.com/office/mac/drawingml/2011/main" xmlns="" val="1"/>
             </a:ext>
           </a:extLst>
         </p:spPr>
@@ -10285,9 +10507,9 @@
           <a:solidFill>
             <a:schemeClr val="tx1"/>
           </a:solidFill>
-          <a:latin typeface="Open Sans" panose="020B0606030504020204" pitchFamily="34" charset="0"/>
-          <a:ea typeface="Open Sans" panose="020B0606030504020204" pitchFamily="34" charset="0"/>
-          <a:cs typeface="Open Sans" panose="020B0606030504020204" pitchFamily="34" charset="0"/>
+          <a:latin typeface="Open Sans Light" panose="020B0606030504020204" pitchFamily="34" charset="0"/>
+          <a:ea typeface="Open Sans Light" panose="020B0606030504020204" pitchFamily="34" charset="0"/>
+          <a:cs typeface="Open Sans Light" panose="020B0606030504020204" pitchFamily="34" charset="0"/>
         </a:defRPr>
       </a:lvl1pPr>
       <a:lvl2pPr marL="289315" indent="-96439" algn="l" rtl="0" eaLnBrk="1" fontAlgn="base" hangingPunct="1">
@@ -10307,9 +10529,9 @@
           <a:solidFill>
             <a:schemeClr val="tx1"/>
           </a:solidFill>
-          <a:latin typeface="Open Sans" panose="020B0606030504020204" pitchFamily="34" charset="0"/>
-          <a:ea typeface="Open Sans" panose="020B0606030504020204" pitchFamily="34" charset="0"/>
-          <a:cs typeface="Open Sans" panose="020B0606030504020204" pitchFamily="34" charset="0"/>
+          <a:latin typeface="Open Sans Light" panose="020B0606030504020204" pitchFamily="34" charset="0"/>
+          <a:ea typeface="Open Sans Light" panose="020B0606030504020204" pitchFamily="34" charset="0"/>
+          <a:cs typeface="Open Sans Light" panose="020B0606030504020204" pitchFamily="34" charset="0"/>
         </a:defRPr>
       </a:lvl2pPr>
       <a:lvl3pPr marL="482192" indent="-96439" algn="l" rtl="0" eaLnBrk="1" fontAlgn="base" hangingPunct="1">
@@ -10329,9 +10551,9 @@
           <a:solidFill>
             <a:schemeClr val="tx1"/>
           </a:solidFill>
-          <a:latin typeface="Open Sans" panose="020B0606030504020204" pitchFamily="34" charset="0"/>
-          <a:ea typeface="Open Sans" panose="020B0606030504020204" pitchFamily="34" charset="0"/>
-          <a:cs typeface="Open Sans" panose="020B0606030504020204" pitchFamily="34" charset="0"/>
+          <a:latin typeface="Open Sans Light" panose="020B0606030504020204" pitchFamily="34" charset="0"/>
+          <a:ea typeface="Open Sans Light" panose="020B0606030504020204" pitchFamily="34" charset="0"/>
+          <a:cs typeface="Open Sans Light" panose="020B0606030504020204" pitchFamily="34" charset="0"/>
         </a:defRPr>
       </a:lvl3pPr>
       <a:lvl4pPr marL="650958" indent="-72329" algn="l" rtl="0" eaLnBrk="1" fontAlgn="base" hangingPunct="1">
@@ -10351,9 +10573,9 @@
           <a:solidFill>
             <a:schemeClr val="tx1"/>
           </a:solidFill>
-          <a:latin typeface="Open Sans" panose="020B0606030504020204" pitchFamily="34" charset="0"/>
-          <a:ea typeface="Open Sans" panose="020B0606030504020204" pitchFamily="34" charset="0"/>
-          <a:cs typeface="Open Sans" panose="020B0606030504020204" pitchFamily="34" charset="0"/>
+          <a:latin typeface="Open Sans Light" panose="020B0606030504020204" pitchFamily="34" charset="0"/>
+          <a:ea typeface="Open Sans Light" panose="020B0606030504020204" pitchFamily="34" charset="0"/>
+          <a:cs typeface="Open Sans Light" panose="020B0606030504020204" pitchFamily="34" charset="0"/>
         </a:defRPr>
       </a:lvl4pPr>
       <a:lvl5pPr marL="843835" indent="-72329" algn="l" rtl="0" eaLnBrk="1" fontAlgn="base" hangingPunct="1">
@@ -10373,9 +10595,9 @@
           <a:solidFill>
             <a:schemeClr val="tx1"/>
           </a:solidFill>
-          <a:latin typeface="Open Sans" panose="020B0606030504020204" pitchFamily="34" charset="0"/>
-          <a:ea typeface="Open Sans" panose="020B0606030504020204" pitchFamily="34" charset="0"/>
-          <a:cs typeface="Open Sans" panose="020B0606030504020204" pitchFamily="34" charset="0"/>
+          <a:latin typeface="Open Sans Light" panose="020B0606030504020204" pitchFamily="34" charset="0"/>
+          <a:ea typeface="Open Sans Light" panose="020B0606030504020204" pitchFamily="34" charset="0"/>
+          <a:cs typeface="Open Sans Light" panose="020B0606030504020204" pitchFamily="34" charset="0"/>
         </a:defRPr>
       </a:lvl5pPr>
       <a:lvl6pPr marL="1036711" indent="-72329" algn="l" rtl="0" eaLnBrk="1" fontAlgn="base" hangingPunct="1">
@@ -10650,10 +10872,10 @@
       </p:grpSpPr>
       <p:sp>
         <p:nvSpPr>
-          <p:cNvPr id="5" name="Title 4">
+          <p:cNvPr id="6" name="Content Placeholder 5">
             <a:extLst>
               <a:ext uri="{FF2B5EF4-FFF2-40B4-BE49-F238E27FC236}">
-                <a16:creationId xmlns:a16="http://schemas.microsoft.com/office/drawing/2014/main" id="{50EF2F29-B5C5-6F8A-FA30-C0A14F2B833C}"/>
+                <a16:creationId xmlns:a16="http://schemas.microsoft.com/office/drawing/2014/main" id="{EEAEFCE5-11DD-EA97-A733-AA1DCEF5B53F}"/>
               </a:ext>
             </a:extLst>
           </p:cNvPr>
@@ -10661,7 +10883,7 @@
             <a:spLocks noGrp="1"/>
           </p:cNvSpPr>
           <p:nvPr>
-            <p:ph type="title"/>
+            <p:ph idx="1"/>
           </p:nvPr>
         </p:nvSpPr>
         <p:spPr/>
@@ -10669,19 +10891,139 @@
           <a:bodyPr/>
           <a:lstStyle/>
           <a:p>
-            <a:r>
-              <a:rPr lang="en-US" dirty="0"/>
-              <a:t>Making a Range Iterator</a:t>
-            </a:r>
-          </a:p>
-        </p:txBody>
-      </p:sp>
-      <p:sp>
-        <p:nvSpPr>
-          <p:cNvPr id="6" name="Content Placeholder 5">
+            <a:pPr marL="0" indent="0">
+              <a:buNone/>
+            </a:pPr>
+            <a:r>
+              <a:rPr lang="en-US" b="1" dirty="0"/>
+              <a:t>iterator</a:t>
+            </a:r>
+          </a:p>
+          <a:p>
+            <a:pPr marL="0" indent="0">
+              <a:buNone/>
+            </a:pPr>
+            <a:r>
+              <a:rPr lang="en-US" dirty="0"/>
+              <a:t>An object representing a stream of data. Repeated calls to the iterator’s </a:t>
+            </a:r>
+            <a:r>
+              <a:rPr lang="en-US" dirty="0">
+                <a:latin typeface="Source Code Pro" panose="020B0309030403020204" pitchFamily="34" charset="0"/>
+                <a:ea typeface="Source Code Pro" panose="020B0309030403020204" pitchFamily="34" charset="0"/>
+              </a:rPr>
+              <a:t>__next__()</a:t>
+            </a:r>
+            <a:r>
+              <a:rPr lang="en-US" dirty="0"/>
+              <a:t> method (or passing it to the built-in function </a:t>
+            </a:r>
+            <a:r>
+              <a:rPr lang="en-US" dirty="0">
+                <a:latin typeface="Source Code Pro" panose="020B0309030403020204" pitchFamily="34" charset="0"/>
+                <a:ea typeface="Source Code Pro" panose="020B0309030403020204" pitchFamily="34" charset="0"/>
+              </a:rPr>
+              <a:t>next()</a:t>
+            </a:r>
+            <a:r>
+              <a:rPr lang="en-US" dirty="0"/>
+              <a:t>) return successive items in the stream. When no more data are available a </a:t>
+            </a:r>
+            <a:r>
+              <a:rPr lang="en-US" dirty="0" err="1">
+                <a:latin typeface="Source Code Pro" panose="020B0309030403020204" pitchFamily="34" charset="0"/>
+                <a:ea typeface="Source Code Pro" panose="020B0309030403020204" pitchFamily="34" charset="0"/>
+              </a:rPr>
+              <a:t>StopIteration</a:t>
+            </a:r>
+            <a:r>
+              <a:rPr lang="en-US" dirty="0"/>
+              <a:t> exception is raised instead.</a:t>
+            </a:r>
+          </a:p>
+          <a:p>
+            <a:pPr marL="0" indent="0">
+              <a:buNone/>
+            </a:pPr>
+            <a:r>
+              <a:rPr lang="en-US" b="1" dirty="0" err="1"/>
+              <a:t>iterable</a:t>
+            </a:r>
+            <a:endParaRPr lang="en-US" b="1" dirty="0"/>
+          </a:p>
+          <a:p>
+            <a:pPr marL="0" indent="0">
+              <a:buNone/>
+            </a:pPr>
+            <a:r>
+              <a:rPr lang="en-US" dirty="0"/>
+              <a:t>An object capable of returning its members one at a time. Examples of include all sequence types and objects of any classes you define with an </a:t>
+            </a:r>
+            <a:r>
+              <a:rPr lang="en-US" dirty="0">
+                <a:latin typeface="Source Code Pro" panose="020B0309030403020204" pitchFamily="34" charset="0"/>
+                <a:ea typeface="Source Code Pro" panose="020B0309030403020204" pitchFamily="34" charset="0"/>
+              </a:rPr>
+              <a:t>__</a:t>
+            </a:r>
+            <a:r>
+              <a:rPr lang="en-US" dirty="0" err="1">
+                <a:latin typeface="Source Code Pro" panose="020B0309030403020204" pitchFamily="34" charset="0"/>
+                <a:ea typeface="Source Code Pro" panose="020B0309030403020204" pitchFamily="34" charset="0"/>
+              </a:rPr>
+              <a:t>iter</a:t>
+            </a:r>
+            <a:r>
+              <a:rPr lang="en-US" dirty="0">
+                <a:latin typeface="Source Code Pro" panose="020B0309030403020204" pitchFamily="34" charset="0"/>
+                <a:ea typeface="Source Code Pro" panose="020B0309030403020204" pitchFamily="34" charset="0"/>
+              </a:rPr>
+              <a:t>__() </a:t>
+            </a:r>
+            <a:r>
+              <a:rPr lang="en-US" dirty="0"/>
+              <a:t>method or with a </a:t>
+            </a:r>
+            <a:r>
+              <a:rPr lang="en-US" dirty="0">
+                <a:latin typeface="Source Code Pro" panose="020B0309030403020204" pitchFamily="34" charset="0"/>
+                <a:ea typeface="Source Code Pro" panose="020B0309030403020204" pitchFamily="34" charset="0"/>
+              </a:rPr>
+              <a:t>__</a:t>
+            </a:r>
+            <a:r>
+              <a:rPr lang="en-US" dirty="0" err="1">
+                <a:latin typeface="Source Code Pro" panose="020B0309030403020204" pitchFamily="34" charset="0"/>
+                <a:ea typeface="Source Code Pro" panose="020B0309030403020204" pitchFamily="34" charset="0"/>
+              </a:rPr>
+              <a:t>getitem</a:t>
+            </a:r>
+            <a:r>
+              <a:rPr lang="en-US" dirty="0">
+                <a:latin typeface="Source Code Pro" panose="020B0309030403020204" pitchFamily="34" charset="0"/>
+                <a:ea typeface="Source Code Pro" panose="020B0309030403020204" pitchFamily="34" charset="0"/>
+              </a:rPr>
+              <a:t>__() </a:t>
+            </a:r>
+            <a:r>
+              <a:rPr lang="en-US" dirty="0"/>
+              <a:t>method that implements sequence semantics.</a:t>
+            </a:r>
+          </a:p>
+          <a:p>
+            <a:pPr marL="0" indent="0">
+              <a:buNone/>
+            </a:pPr>
+            <a:endParaRPr lang="en-US" dirty="0"/>
+          </a:p>
+        </p:txBody>
+      </p:sp>
+      <p:sp>
+        <p:nvSpPr>
+          <p:cNvPr id="5" name="Title 4">
             <a:extLst>
               <a:ext uri="{FF2B5EF4-FFF2-40B4-BE49-F238E27FC236}">
-                <a16:creationId xmlns:a16="http://schemas.microsoft.com/office/drawing/2014/main" id="{4B13C64E-F842-BAB6-7330-5775D3B71946}"/>
+                <a16:creationId xmlns:a16="http://schemas.microsoft.com/office/drawing/2014/main" id="{5E2A7519-B368-EBEF-5AC8-11E70D81C4C9}"/>
               </a:ext>
             </a:extLst>
           </p:cNvPr>
@@ -10689,7 +11031,7 @@
             <a:spLocks noGrp="1"/>
           </p:cNvSpPr>
           <p:nvPr>
-            <p:ph idx="1"/>
+            <p:ph type="title"/>
           </p:nvPr>
         </p:nvSpPr>
         <p:spPr/>
@@ -10699,54 +11041,26 @@
           <a:p>
             <a:r>
               <a:rPr lang="en-US" dirty="0"/>
-              <a:t> What does a range need?</a:t>
-            </a:r>
-          </a:p>
-          <a:p>
-            <a:pPr lvl="1"/>
-            <a:r>
-              <a:rPr lang="en-US" dirty="0"/>
-              <a:t> Start value</a:t>
-            </a:r>
-          </a:p>
-          <a:p>
-            <a:pPr lvl="1"/>
-            <a:r>
-              <a:rPr lang="en-US" dirty="0"/>
-              <a:t> Stop</a:t>
-            </a:r>
-          </a:p>
-          <a:p>
-            <a:pPr lvl="1"/>
-            <a:r>
-              <a:rPr lang="en-US" dirty="0"/>
-              <a:t> (We'll ignore step sizes)</a:t>
-            </a:r>
-          </a:p>
-          <a:p>
-            <a:r>
-              <a:rPr lang="en-US" dirty="0"/>
-              <a:t> keep track of the current value</a:t>
-            </a:r>
-          </a:p>
-          <a:p>
-            <a:r>
-              <a:rPr lang="en-US" dirty="0"/>
-              <a:t> An __</a:t>
-            </a:r>
-            <a:r>
-              <a:rPr lang="en-US" dirty="0" err="1"/>
-              <a:t>iter</a:t>
-            </a:r>
-            <a:r>
-              <a:rPr lang="en-US" dirty="0"/>
-              <a:t>__ method</a:t>
-            </a:r>
-          </a:p>
-          <a:p>
-            <a:r>
-              <a:rPr lang="en-US" dirty="0"/>
-              <a:t> A __next__ method</a:t>
+              <a:t>What's an Iterator? [</a:t>
+            </a:r>
+            <a:r>
+              <a:rPr lang="en-US" dirty="0">
+                <a:solidFill>
+                  <a:schemeClr val="accent1"/>
+                </a:solidFill>
+                <a:hlinkClick r:id="rId2">
+                  <a:extLst>
+                    <a:ext uri="{A12FA001-AC4F-418D-AE19-62706E023703}">
+                      <ahyp:hlinkClr xmlns:ahyp="http://schemas.microsoft.com/office/drawing/2018/hyperlinkcolor" val="tx"/>
+                    </a:ext>
+                  </a:extLst>
+                </a:hlinkClick>
+              </a:rPr>
+              <a:t>Docs</a:t>
+            </a:r>
+            <a:r>
+              <a:rPr lang="en-US" dirty="0"/>
+              <a:t>]</a:t>
             </a:r>
           </a:p>
         </p:txBody>
@@ -10756,7 +11070,7 @@
           <p:cNvPr id="4" name="Footer Placeholder 3">
             <a:extLst>
               <a:ext uri="{FF2B5EF4-FFF2-40B4-BE49-F238E27FC236}">
-                <a16:creationId xmlns:a16="http://schemas.microsoft.com/office/drawing/2014/main" id="{CAB5E317-09D8-4CF3-C832-7EA127FDB9D0}"/>
+                <a16:creationId xmlns:a16="http://schemas.microsoft.com/office/drawing/2014/main" id="{ED0A2AAC-6AF6-C20C-6054-123BE6424600}"/>
               </a:ext>
             </a:extLst>
           </p:cNvPr>
@@ -10783,7 +11097,7 @@
     </p:spTree>
     <p:extLst>
       <p:ext uri="{BB962C8B-B14F-4D97-AF65-F5344CB8AC3E}">
-        <p14:creationId xmlns:p14="http://schemas.microsoft.com/office/powerpoint/2010/main" val="2688886373"/>
+        <p14:creationId xmlns:p14="http://schemas.microsoft.com/office/powerpoint/2010/main" val="27362108"/>
       </p:ext>
     </p:extLst>
   </p:cSld>
@@ -10794,6 +11108,327 @@
 </file>
 
 <file path=ppt/slides/slide11.xml><?xml version="1.0" encoding="utf-8"?>
+<p:sld xmlns:a="http://schemas.openxmlformats.org/drawingml/2006/main" xmlns:r="http://schemas.openxmlformats.org/officeDocument/2006/relationships" xmlns:p="http://schemas.openxmlformats.org/presentationml/2006/main">
+  <p:cSld>
+    <p:spTree>
+      <p:nvGrpSpPr>
+        <p:cNvPr id="1" name="Shape 245"/>
+        <p:cNvGrpSpPr/>
+        <p:nvPr/>
+      </p:nvGrpSpPr>
+      <p:grpSpPr>
+        <a:xfrm>
+          <a:off x="0" y="0"/>
+          <a:ext cx="0" cy="0"/>
+          <a:chOff x="0" y="0"/>
+          <a:chExt cx="0" cy="0"/>
+        </a:xfrm>
+      </p:grpSpPr>
+      <p:sp>
+        <p:nvSpPr>
+          <p:cNvPr id="246" name="Google Shape;246;p29"/>
+          <p:cNvSpPr txBox="1">
+            <a:spLocks noGrp="1"/>
+          </p:cNvSpPr>
+          <p:nvPr>
+            <p:ph type="title"/>
+          </p:nvPr>
+        </p:nvSpPr>
+        <p:spPr/>
+        <p:txBody>
+          <a:bodyPr/>
+          <a:lstStyle/>
+          <a:p>
+            <a:r>
+              <a:rPr lang="en-US" dirty="0"/>
+              <a:t>Next element in generator </a:t>
+            </a:r>
+            <a:r>
+              <a:rPr lang="en-US" dirty="0" err="1"/>
+              <a:t>iterable</a:t>
+            </a:r>
+            <a:endParaRPr lang="en-US" dirty="0"/>
+          </a:p>
+        </p:txBody>
+      </p:sp>
+      <p:sp>
+        <p:nvSpPr>
+          <p:cNvPr id="247" name="Google Shape;247;p29"/>
+          <p:cNvSpPr txBox="1">
+            <a:spLocks noGrp="1"/>
+          </p:cNvSpPr>
+          <p:nvPr>
+            <p:ph idx="1"/>
+          </p:nvPr>
+        </p:nvSpPr>
+        <p:spPr/>
+        <p:txBody>
+          <a:bodyPr/>
+          <a:lstStyle/>
+          <a:p>
+            <a:r>
+              <a:rPr lang="en-US" dirty="0" err="1"/>
+              <a:t>Iterables</a:t>
+            </a:r>
+            <a:r>
+              <a:rPr lang="en-US" dirty="0"/>
+              <a:t> work because they implement some "magic methods" on them. We saw magic methods when we learned about classes, </a:t>
+            </a:r>
+          </a:p>
+          <a:p>
+            <a:pPr lvl="1"/>
+            <a:r>
+              <a:rPr lang="en-US" dirty="0"/>
+              <a:t>e.g., __</a:t>
+            </a:r>
+            <a:r>
+              <a:rPr lang="en-US" dirty="0" err="1"/>
+              <a:t>init</a:t>
+            </a:r>
+            <a:r>
+              <a:rPr lang="en-US" dirty="0"/>
+              <a:t>__, __</a:t>
+            </a:r>
+            <a:r>
+              <a:rPr lang="en-US" dirty="0" err="1"/>
+              <a:t>repr</a:t>
+            </a:r>
+            <a:r>
+              <a:rPr lang="en-US" dirty="0"/>
+              <a:t>__ and __str__.</a:t>
+            </a:r>
+          </a:p>
+          <a:p>
+            <a:r>
+              <a:rPr lang="en-US" dirty="0"/>
+              <a:t>The first one we see for </a:t>
+            </a:r>
+            <a:r>
+              <a:rPr lang="en-US" dirty="0" err="1"/>
+              <a:t>iterables</a:t>
+            </a:r>
+            <a:r>
+              <a:rPr lang="en-US" dirty="0"/>
+              <a:t> is</a:t>
+            </a:r>
+            <a:r>
+              <a:rPr lang="en-US" dirty="0">
+                <a:latin typeface="Source Code Pro" panose="020B0509030403020204" pitchFamily="49" charset="77"/>
+              </a:rPr>
+              <a:t> __next__</a:t>
+            </a:r>
+          </a:p>
+          <a:p>
+            <a:endParaRPr lang="en-US" dirty="0"/>
+          </a:p>
+          <a:p>
+            <a:r>
+              <a:rPr lang="en-US" dirty="0" err="1">
+                <a:latin typeface="Source Code Pro" panose="020B0509030403020204" pitchFamily="49" charset="77"/>
+                <a:sym typeface="Courier"/>
+              </a:rPr>
+              <a:t>iter</a:t>
+            </a:r>
+            <a:r>
+              <a:rPr lang="en-US" dirty="0">
+                <a:latin typeface="Source Code Pro" panose="020B0509030403020204" pitchFamily="49" charset="77"/>
+                <a:sym typeface="Courier"/>
+              </a:rPr>
+              <a:t>() </a:t>
+            </a:r>
+            <a:r>
+              <a:rPr lang="en-US" dirty="0"/>
+              <a:t>– transforms a sequence into an iterator</a:t>
+            </a:r>
+          </a:p>
+          <a:p>
+            <a:pPr lvl="1"/>
+            <a:r>
+              <a:rPr lang="en-US" dirty="0"/>
+              <a:t> Usually this is not necessary, but can be useful.</a:t>
+            </a:r>
+          </a:p>
+          <a:p>
+            <a:endParaRPr lang="en-US" dirty="0"/>
+          </a:p>
+        </p:txBody>
+      </p:sp>
+    </p:spTree>
+  </p:cSld>
+  <p:clrMapOvr>
+    <a:masterClrMapping/>
+  </p:clrMapOvr>
+</p:sld>
+</file>
+
+<file path=ppt/slides/slide12.xml><?xml version="1.0" encoding="utf-8"?>
+<p:sld xmlns:a="http://schemas.openxmlformats.org/drawingml/2006/main" xmlns:r="http://schemas.openxmlformats.org/officeDocument/2006/relationships" xmlns:p="http://schemas.openxmlformats.org/presentationml/2006/main">
+  <p:cSld>
+    <p:spTree>
+      <p:nvGrpSpPr>
+        <p:cNvPr id="1" name="Shape 254"/>
+        <p:cNvGrpSpPr/>
+        <p:nvPr/>
+      </p:nvGrpSpPr>
+      <p:grpSpPr>
+        <a:xfrm>
+          <a:off x="0" y="0"/>
+          <a:ext cx="0" cy="0"/>
+          <a:chOff x="0" y="0"/>
+          <a:chExt cx="0" cy="0"/>
+        </a:xfrm>
+      </p:grpSpPr>
+      <p:sp>
+        <p:nvSpPr>
+          <p:cNvPr id="3" name="Title 2">
+            <a:extLst>
+              <a:ext uri="{FF2B5EF4-FFF2-40B4-BE49-F238E27FC236}">
+                <a16:creationId xmlns:a16="http://schemas.microsoft.com/office/drawing/2014/main" id="{7F753C53-183C-275F-E38B-56D1AB4C7A7D}"/>
+              </a:ext>
+            </a:extLst>
+          </p:cNvPr>
+          <p:cNvSpPr>
+            <a:spLocks noGrp="1"/>
+          </p:cNvSpPr>
+          <p:nvPr>
+            <p:ph type="title"/>
+          </p:nvPr>
+        </p:nvSpPr>
+        <p:spPr/>
+        <p:txBody>
+          <a:bodyPr/>
+          <a:lstStyle/>
+          <a:p>
+            <a:r>
+              <a:rPr lang="en-US" sz="3600" dirty="0"/>
+              <a:t>Iterators: The </a:t>
+            </a:r>
+            <a:r>
+              <a:rPr lang="en-US" sz="3600" dirty="0" err="1">
+                <a:latin typeface="Source Code Pro" panose="020B0509030403020204" pitchFamily="49" charset="0"/>
+                <a:ea typeface="Source Code Pro" panose="020B0509030403020204" pitchFamily="49" charset="0"/>
+              </a:rPr>
+              <a:t>iter</a:t>
+            </a:r>
+            <a:r>
+              <a:rPr lang="en-US" sz="3600" dirty="0"/>
+              <a:t> protocol [</a:t>
+            </a:r>
+            <a:r>
+              <a:rPr lang="en-US" sz="3600" dirty="0">
+                <a:hlinkClick r:id="rId3"/>
+              </a:rPr>
+              <a:t>Docs</a:t>
+            </a:r>
+            <a:r>
+              <a:rPr lang="en-US" sz="3600" dirty="0"/>
+              <a:t>]</a:t>
+            </a:r>
+            <a:endParaRPr lang="en-US" dirty="0"/>
+          </a:p>
+        </p:txBody>
+      </p:sp>
+      <p:sp>
+        <p:nvSpPr>
+          <p:cNvPr id="256" name="Google Shape;256;p30"/>
+          <p:cNvSpPr txBox="1">
+            <a:spLocks noGrp="1"/>
+          </p:cNvSpPr>
+          <p:nvPr>
+            <p:ph idx="1"/>
+          </p:nvPr>
+        </p:nvSpPr>
+        <p:spPr>
+          <a:xfrm>
+            <a:off x="533400" y="1066800"/>
+            <a:ext cx="11218333" cy="5257800"/>
+          </a:xfrm>
+          <a:noFill/>
+          <a:ln>
+            <a:noFill/>
+          </a:ln>
+        </p:spPr>
+        <p:txBody>
+          <a:bodyPr spcFirstLastPara="1" wrap="square" lIns="92075" tIns="46025" rIns="92075" bIns="46025" anchor="t" anchorCtr="0">
+            <a:noAutofit/>
+          </a:bodyPr>
+          <a:lstStyle/>
+          <a:p>
+            <a:r>
+              <a:rPr lang="en-US" dirty="0"/>
+              <a:t>In order to be </a:t>
+            </a:r>
+            <a:r>
+              <a:rPr lang="en-US" dirty="0" err="1"/>
+              <a:t>iterable</a:t>
+            </a:r>
+            <a:r>
+              <a:rPr lang="en-US" dirty="0"/>
+              <a:t>, a class must implement the </a:t>
+            </a:r>
+            <a:r>
+              <a:rPr lang="en-US" dirty="0" err="1"/>
+              <a:t>iter</a:t>
+            </a:r>
+            <a:r>
+              <a:rPr lang="en-US" dirty="0"/>
+              <a:t> protocol</a:t>
+            </a:r>
+          </a:p>
+          <a:p>
+            <a:r>
+              <a:rPr lang="en-US" dirty="0"/>
+              <a:t>The iterator objects themselves are required to support the following two methods, which together form the iterator protocol:</a:t>
+            </a:r>
+          </a:p>
+          <a:p>
+            <a:pPr lvl="1"/>
+            <a:r>
+              <a:rPr lang="en-US" dirty="0"/>
+              <a:t>__</a:t>
+            </a:r>
+            <a:r>
+              <a:rPr lang="en-US" dirty="0" err="1"/>
+              <a:t>iter</a:t>
+            </a:r>
+            <a:r>
+              <a:rPr lang="en-US" dirty="0"/>
+              <a:t>__: Return the iterator object itself. This is required to allow both containers and iterators to be used with the for and in statements.</a:t>
+            </a:r>
+          </a:p>
+          <a:p>
+            <a:pPr lvl="2"/>
+            <a:r>
+              <a:rPr lang="en-US" dirty="0"/>
+              <a:t>This method returns an iterator object (which can be self)</a:t>
+            </a:r>
+          </a:p>
+          <a:p>
+            <a:pPr lvl="1"/>
+            <a:r>
+              <a:rPr lang="en-US" dirty="0"/>
+              <a:t>__next__ : Return the next item from the container. If there are no further items, raise the </a:t>
+            </a:r>
+            <a:r>
+              <a:rPr lang="en-US" dirty="0" err="1"/>
+              <a:t>StopIteration</a:t>
+            </a:r>
+            <a:r>
+              <a:rPr lang="en-US" dirty="0"/>
+              <a:t> exception.</a:t>
+            </a:r>
+          </a:p>
+        </p:txBody>
+      </p:sp>
+    </p:spTree>
+  </p:cSld>
+  <p:clrMapOvr>
+    <a:masterClrMapping/>
+  </p:clrMapOvr>
+</p:sld>
+</file>
+
+<file path=ppt/slides/slide13.xml><?xml version="1.0" encoding="utf-8"?>
 <p:sld xmlns:a="http://schemas.openxmlformats.org/drawingml/2006/main" xmlns:r="http://schemas.openxmlformats.org/officeDocument/2006/relationships" xmlns:p="http://schemas.openxmlformats.org/presentationml/2006/main">
   <p:cSld>
     <p:spTree>
@@ -10815,7 +11450,7 @@
           <p:cNvPr id="5" name="Title 4">
             <a:extLst>
               <a:ext uri="{FF2B5EF4-FFF2-40B4-BE49-F238E27FC236}">
-                <a16:creationId xmlns:a16="http://schemas.microsoft.com/office/drawing/2014/main" id="{E3D3107B-375E-FA4D-586A-C4A0D2924B98}"/>
+                <a16:creationId xmlns:a16="http://schemas.microsoft.com/office/drawing/2014/main" id="{FE624207-ED85-B308-FCD0-7898F5459C50}"/>
               </a:ext>
             </a:extLst>
           </p:cNvPr>
@@ -10833,17 +11468,25 @@
           <a:p>
             <a:r>
               <a:rPr lang="en-US" dirty="0"/>
-              <a:t>Example</a:t>
-            </a:r>
-          </a:p>
-        </p:txBody>
-      </p:sp>
-      <p:sp>
-        <p:nvSpPr>
-          <p:cNvPr id="6" name="Text Placeholder 5">
+              <a:t>The </a:t>
+            </a:r>
+            <a:r>
+              <a:rPr lang="en-US" dirty="0" err="1"/>
+              <a:t>Iter</a:t>
+            </a:r>
+            <a:r>
+              <a:rPr lang="en-US" dirty="0"/>
+              <a:t> Protocol In Practice</a:t>
+            </a:r>
+          </a:p>
+        </p:txBody>
+      </p:sp>
+      <p:sp>
+        <p:nvSpPr>
+          <p:cNvPr id="6" name="Content Placeholder 5">
             <a:extLst>
               <a:ext uri="{FF2B5EF4-FFF2-40B4-BE49-F238E27FC236}">
-                <a16:creationId xmlns:a16="http://schemas.microsoft.com/office/drawing/2014/main" id="{187AC6C7-2E85-2210-4962-EEB77B3EBB01}"/>
+                <a16:creationId xmlns:a16="http://schemas.microsoft.com/office/drawing/2014/main" id="{C0A55D7F-0F11-91B8-E1B2-DD30EB11C40A}"/>
               </a:ext>
             </a:extLst>
           </p:cNvPr>
@@ -10851,7 +11494,7 @@
             <a:spLocks noGrp="1"/>
           </p:cNvSpPr>
           <p:nvPr>
-            <p:ph type="body" sz="quarter" idx="11"/>
+            <p:ph idx="1"/>
           </p:nvPr>
         </p:nvSpPr>
         <p:spPr/>
@@ -10860,161 +11503,146 @@
           <a:lstStyle/>
           <a:p>
             <a:r>
-              <a:rPr lang="en-US" sz="2000" dirty="0"/>
-              <a:t>class </a:t>
-            </a:r>
-            <a:r>
-              <a:rPr lang="en-US" sz="2000" dirty="0" err="1"/>
-              <a:t>myrange</a:t>
-            </a:r>
-            <a:r>
-              <a:rPr lang="en-US" sz="2000" dirty="0"/>
-              <a:t>:</a:t>
-            </a:r>
-          </a:p>
-          <a:p>
-            <a:r>
-              <a:rPr lang="en-US" sz="2000" dirty="0"/>
-              <a:t>    def __</a:t>
-            </a:r>
-            <a:r>
-              <a:rPr lang="en-US" sz="2000" dirty="0" err="1"/>
-              <a:t>init</a:t>
-            </a:r>
-            <a:r>
-              <a:rPr lang="en-US" sz="2000" dirty="0"/>
-              <a:t>__(self, n):</a:t>
-            </a:r>
-          </a:p>
-          <a:p>
-            <a:r>
-              <a:rPr lang="en-US" sz="2000" dirty="0"/>
-              <a:t>        </a:t>
-            </a:r>
-            <a:r>
-              <a:rPr lang="en-US" sz="2000" dirty="0" err="1"/>
-              <a:t>self.i</a:t>
-            </a:r>
-            <a:r>
-              <a:rPr lang="en-US" sz="2000" dirty="0"/>
-              <a:t> = 0</a:t>
-            </a:r>
-          </a:p>
-          <a:p>
-            <a:r>
-              <a:rPr lang="en-US" sz="2000" dirty="0"/>
-              <a:t>        </a:t>
-            </a:r>
-            <a:r>
-              <a:rPr lang="en-US" sz="2000" dirty="0" err="1"/>
-              <a:t>self.n</a:t>
-            </a:r>
-            <a:r>
-              <a:rPr lang="en-US" sz="2000" dirty="0"/>
-              <a:t> = n</a:t>
-            </a:r>
-          </a:p>
-          <a:p>
-            <a:r>
-              <a:rPr lang="en-US" sz="2000" dirty="0"/>
-              <a:t>    def __</a:t>
-            </a:r>
-            <a:r>
-              <a:rPr lang="en-US" sz="2000" dirty="0" err="1"/>
+              <a:rPr lang="en-US" dirty="0"/>
+              <a:t>Classes get to define how they are iterated over by defining these methods</a:t>
+            </a:r>
+          </a:p>
+          <a:p>
+            <a:pPr lvl="1"/>
+            <a:r>
+              <a:rPr lang="en-US" dirty="0"/>
+              <a:t> containers (objects like lists, tuples, </a:t>
+            </a:r>
+            <a:r>
+              <a:rPr lang="en-US" dirty="0" err="1"/>
+              <a:t>etc</a:t>
+            </a:r>
+            <a:r>
+              <a:rPr lang="en-US" dirty="0"/>
+              <a:t>) typically define a Container class and a separate </a:t>
+            </a:r>
+            <a:r>
+              <a:rPr lang="en-US" dirty="0" err="1"/>
+              <a:t>ContainterIterator</a:t>
+            </a:r>
+            <a:r>
+              <a:rPr lang="en-US" dirty="0"/>
+              <a:t> class.</a:t>
+            </a:r>
+          </a:p>
+          <a:p>
+            <a:r>
+              <a:rPr lang="en-US" sz="3200" dirty="0"/>
+              <a:t> Lists, Ranges, </a:t>
+            </a:r>
+            <a:r>
+              <a:rPr lang="en-US" sz="3200" dirty="0" err="1"/>
+              <a:t>etc</a:t>
+            </a:r>
+            <a:r>
+              <a:rPr lang="en-US" sz="3200" dirty="0"/>
+              <a:t> are </a:t>
+            </a:r>
+            <a:r>
+              <a:rPr lang="en-US" sz="3200" i="1" dirty="0"/>
+              <a:t>not</a:t>
+            </a:r>
+            <a:r>
+              <a:rPr lang="en-US" sz="3200" dirty="0"/>
+              <a:t> directly iterators</a:t>
+            </a:r>
+          </a:p>
+          <a:p>
+            <a:pPr lvl="2"/>
+            <a:r>
+              <a:rPr lang="en-US" sz="2800" dirty="0"/>
+              <a:t> We cannot call next() on them.</a:t>
+            </a:r>
+          </a:p>
+          <a:p>
+            <a:pPr lvl="2"/>
+            <a:r>
+              <a:rPr lang="en-US" sz="2800" dirty="0"/>
+              <a:t> We can all </a:t>
+            </a:r>
+            <a:r>
+              <a:rPr lang="en-US" sz="2800" dirty="0" err="1"/>
               <a:t>iter</a:t>
             </a:r>
             <a:r>
-              <a:rPr lang="en-US" sz="2000" dirty="0"/>
-              <a:t>__(self):</a:t>
-            </a:r>
-          </a:p>
-          <a:p>
-            <a:r>
-              <a:rPr lang="en-US" sz="2000" dirty="0"/>
-              <a:t>        return self</a:t>
-            </a:r>
-          </a:p>
-          <a:p>
-            <a:r>
-              <a:rPr lang="en-US" sz="2000" dirty="0"/>
-              <a:t>    def __next__(self):</a:t>
-            </a:r>
-          </a:p>
-          <a:p>
-            <a:r>
-              <a:rPr lang="en-US" sz="2000" dirty="0"/>
-              <a:t>        if </a:t>
-            </a:r>
-            <a:r>
-              <a:rPr lang="en-US" sz="2000" dirty="0" err="1"/>
-              <a:t>self.i</a:t>
-            </a:r>
-            <a:r>
-              <a:rPr lang="en-US" sz="2000" dirty="0"/>
-              <a:t> &lt; </a:t>
-            </a:r>
-            <a:r>
-              <a:rPr lang="en-US" sz="2000" dirty="0" err="1"/>
-              <a:t>self.n</a:t>
-            </a:r>
-            <a:r>
-              <a:rPr lang="en-US" sz="2000" dirty="0"/>
-              <a:t>:</a:t>
-            </a:r>
-          </a:p>
-          <a:p>
-            <a:r>
-              <a:rPr lang="en-US" sz="2000" dirty="0"/>
-              <a:t>            current = </a:t>
-            </a:r>
-            <a:r>
-              <a:rPr lang="en-US" sz="2000" dirty="0" err="1"/>
-              <a:t>self.i</a:t>
-            </a:r>
-            <a:endParaRPr lang="en-US" sz="2000" dirty="0"/>
-          </a:p>
-          <a:p>
-            <a:r>
-              <a:rPr lang="en-US" sz="2000" dirty="0"/>
-              <a:t>            </a:t>
-            </a:r>
-            <a:r>
-              <a:rPr lang="en-US" sz="2000" dirty="0" err="1"/>
-              <a:t>self.i</a:t>
-            </a:r>
-            <a:r>
-              <a:rPr lang="en-US" sz="2000" dirty="0"/>
-              <a:t> += 1</a:t>
-            </a:r>
-          </a:p>
-          <a:p>
-            <a:r>
-              <a:rPr lang="en-US" sz="2000" dirty="0"/>
-              <a:t>            return current</a:t>
-            </a:r>
-          </a:p>
-          <a:p>
-            <a:r>
-              <a:rPr lang="en-US" sz="2000" dirty="0"/>
-              <a:t>        else:</a:t>
-            </a:r>
-          </a:p>
-          <a:p>
-            <a:r>
-              <a:rPr lang="en-US" sz="2000" dirty="0"/>
-              <a:t>		raise </a:t>
-            </a:r>
-            <a:r>
-              <a:rPr lang="en-US" sz="2000" dirty="0" err="1"/>
-              <a:t>StopIteration</a:t>
-            </a:r>
-            <a:r>
-              <a:rPr lang="en-US" sz="2000" dirty="0"/>
-              <a:t>()</a:t>
-            </a:r>
-          </a:p>
-          <a:p>
-            <a:endParaRPr lang="en-US" sz="2000" dirty="0"/>
+              <a:rPr lang="en-US" sz="2800" dirty="0"/>
+              <a:t>(list), </a:t>
+            </a:r>
+            <a:r>
+              <a:rPr lang="en-US" sz="2800" dirty="0" err="1"/>
+              <a:t>iter</a:t>
+            </a:r>
+            <a:r>
+              <a:rPr lang="en-US" sz="2800" dirty="0"/>
+              <a:t>(range), </a:t>
+            </a:r>
+            <a:r>
+              <a:rPr lang="en-US" sz="2800" dirty="0" err="1"/>
+              <a:t>etc</a:t>
+            </a:r>
+            <a:r>
+              <a:rPr lang="en-US" sz="2800" dirty="0"/>
+              <a:t> if needed.</a:t>
+            </a:r>
+          </a:p>
+          <a:p>
+            <a:pPr lvl="1"/>
+            <a:r>
+              <a:rPr lang="en-US" sz="3200" dirty="0"/>
+              <a:t> However, they implement an </a:t>
+            </a:r>
+            <a:r>
+              <a:rPr lang="en-US" sz="3200" dirty="0">
+                <a:latin typeface="Source Code Pro" panose="020B0309030403020204" pitchFamily="34" charset="0"/>
+                <a:ea typeface="Source Code Pro" panose="020B0309030403020204" pitchFamily="34" charset="0"/>
+              </a:rPr>
+              <a:t>__</a:t>
+            </a:r>
+            <a:r>
+              <a:rPr lang="en-US" sz="3200" dirty="0" err="1">
+                <a:latin typeface="Source Code Pro" panose="020B0309030403020204" pitchFamily="34" charset="0"/>
+                <a:ea typeface="Source Code Pro" panose="020B0309030403020204" pitchFamily="34" charset="0"/>
+              </a:rPr>
+              <a:t>iter</a:t>
+            </a:r>
+            <a:r>
+              <a:rPr lang="en-US" sz="3200" dirty="0">
+                <a:latin typeface="Source Code Pro" panose="020B0309030403020204" pitchFamily="34" charset="0"/>
+                <a:ea typeface="Source Code Pro" panose="020B0309030403020204" pitchFamily="34" charset="0"/>
+              </a:rPr>
+              <a:t>__</a:t>
+            </a:r>
+            <a:r>
+              <a:rPr lang="en-US" sz="3200" dirty="0"/>
+              <a:t> method, and </a:t>
+            </a:r>
+            <a:r>
+              <a:rPr lang="en-US" sz="3200" dirty="0" err="1">
+                <a:latin typeface="Source Code Pro" panose="020B0309030403020204" pitchFamily="34" charset="0"/>
+                <a:ea typeface="Source Code Pro" panose="020B0309030403020204" pitchFamily="34" charset="0"/>
+              </a:rPr>
+              <a:t>list_iterator</a:t>
+            </a:r>
+            <a:r>
+              <a:rPr lang="en-US" sz="3200" dirty="0"/>
+              <a:t>, </a:t>
+            </a:r>
+            <a:r>
+              <a:rPr lang="en-US" sz="3200" dirty="0" err="1">
+                <a:latin typeface="Source Code Pro" panose="020B0309030403020204" pitchFamily="34" charset="0"/>
+                <a:ea typeface="Source Code Pro" panose="020B0309030403020204" pitchFamily="34" charset="0"/>
+              </a:rPr>
+              <a:t>range_iterator</a:t>
+            </a:r>
+            <a:r>
+              <a:rPr lang="en-US" sz="3200" dirty="0"/>
+              <a:t> class, etc.</a:t>
+            </a:r>
           </a:p>
         </p:txBody>
       </p:sp>
@@ -11023,7 +11651,7 @@
           <p:cNvPr id="4" name="Footer Placeholder 3">
             <a:extLst>
               <a:ext uri="{FF2B5EF4-FFF2-40B4-BE49-F238E27FC236}">
-                <a16:creationId xmlns:a16="http://schemas.microsoft.com/office/drawing/2014/main" id="{1168058D-5C48-DDDB-4204-7AE204814E61}"/>
+                <a16:creationId xmlns:a16="http://schemas.microsoft.com/office/drawing/2014/main" id="{943252DE-C9CD-94AB-41DC-5BDE46100B49}"/>
               </a:ext>
             </a:extLst>
           </p:cNvPr>
@@ -11031,7 +11659,7 @@
             <a:spLocks noGrp="1"/>
           </p:cNvSpPr>
           <p:nvPr>
-            <p:ph type="ftr" sz="quarter" idx="12"/>
+            <p:ph type="ftr" sz="quarter" idx="10"/>
           </p:nvPr>
         </p:nvSpPr>
         <p:spPr/>
@@ -11050,7 +11678,7 @@
     </p:spTree>
     <p:extLst>
       <p:ext uri="{BB962C8B-B14F-4D97-AF65-F5344CB8AC3E}">
-        <p14:creationId xmlns:p14="http://schemas.microsoft.com/office/powerpoint/2010/main" val="61227137"/>
+        <p14:creationId xmlns:p14="http://schemas.microsoft.com/office/powerpoint/2010/main" val="264863433"/>
       </p:ext>
     </p:extLst>
   </p:cSld>
@@ -11060,7 +11688,207 @@
 </p:sld>
 </file>
 
-<file path=ppt/slides/slide12.xml><?xml version="1.0" encoding="utf-8"?>
+<file path=ppt/slides/slide14.xml><?xml version="1.0" encoding="utf-8"?>
+<p:sld xmlns:a="http://schemas.openxmlformats.org/drawingml/2006/main" xmlns:r="http://schemas.openxmlformats.org/officeDocument/2006/relationships" xmlns:p="http://schemas.openxmlformats.org/presentationml/2006/main">
+  <p:cSld>
+    <p:spTree>
+      <p:nvGrpSpPr>
+        <p:cNvPr id="1" name="Shape 236"/>
+        <p:cNvGrpSpPr/>
+        <p:nvPr/>
+      </p:nvGrpSpPr>
+      <p:grpSpPr>
+        <a:xfrm>
+          <a:off x="0" y="0"/>
+          <a:ext cx="0" cy="0"/>
+          <a:chOff x="0" y="0"/>
+          <a:chExt cx="0" cy="0"/>
+        </a:xfrm>
+      </p:grpSpPr>
+      <p:sp>
+        <p:nvSpPr>
+          <p:cNvPr id="2" name="TextBox 1">
+            <a:extLst>
+              <a:ext uri="{FF2B5EF4-FFF2-40B4-BE49-F238E27FC236}">
+                <a16:creationId xmlns:a16="http://schemas.microsoft.com/office/drawing/2014/main" id="{53A8D2E2-2468-004D-B478-C8722DBE4038}"/>
+              </a:ext>
+            </a:extLst>
+          </p:cNvPr>
+          <p:cNvSpPr txBox="1"/>
+          <p:nvPr/>
+        </p:nvSpPr>
+        <p:spPr>
+          <a:xfrm>
+            <a:off x="4810317" y="2921169"/>
+            <a:ext cx="2356735" cy="1015663"/>
+          </a:xfrm>
+          <a:prstGeom prst="rect">
+            <a:avLst/>
+          </a:prstGeom>
+          <a:noFill/>
+        </p:spPr>
+        <p:txBody>
+          <a:bodyPr wrap="none" rtlCol="0">
+            <a:spAutoFit/>
+          </a:bodyPr>
+          <a:lstStyle/>
+          <a:p>
+            <a:r>
+              <a:rPr lang="en-US" sz="6000" dirty="0">
+                <a:latin typeface="Open Sans Light" panose="020B0606030504020204" pitchFamily="34" charset="0"/>
+                <a:ea typeface="Open Sans Light" panose="020B0606030504020204" pitchFamily="34" charset="0"/>
+                <a:cs typeface="Open Sans Light" panose="020B0606030504020204" pitchFamily="34" charset="0"/>
+              </a:rPr>
+              <a:t>Demo</a:t>
+            </a:r>
+            <a:endParaRPr lang="en-US" dirty="0">
+              <a:latin typeface="Open Sans Light" panose="020B0606030504020204" pitchFamily="34" charset="0"/>
+              <a:ea typeface="Open Sans Light" panose="020B0606030504020204" pitchFamily="34" charset="0"/>
+              <a:cs typeface="Open Sans Light" panose="020B0606030504020204" pitchFamily="34" charset="0"/>
+            </a:endParaRPr>
+          </a:p>
+        </p:txBody>
+      </p:sp>
+      <p:sp>
+        <p:nvSpPr>
+          <p:cNvPr id="3" name="TextBox 2">
+            <a:extLst>
+              <a:ext uri="{FF2B5EF4-FFF2-40B4-BE49-F238E27FC236}">
+                <a16:creationId xmlns:a16="http://schemas.microsoft.com/office/drawing/2014/main" id="{814791DF-6727-76A8-83F9-AE7A4C6D7B7E}"/>
+              </a:ext>
+            </a:extLst>
+          </p:cNvPr>
+          <p:cNvSpPr txBox="1"/>
+          <p:nvPr/>
+        </p:nvSpPr>
+        <p:spPr>
+          <a:xfrm>
+            <a:off x="10983686" y="5693229"/>
+            <a:ext cx="184731" cy="307777"/>
+          </a:xfrm>
+          <a:prstGeom prst="rect">
+            <a:avLst/>
+          </a:prstGeom>
+          <a:noFill/>
+        </p:spPr>
+        <p:txBody>
+          <a:bodyPr wrap="none" rtlCol="0">
+            <a:spAutoFit/>
+          </a:bodyPr>
+          <a:lstStyle/>
+          <a:p>
+            <a:endParaRPr lang="en-US" dirty="0">
+              <a:latin typeface="Open Sans Light" panose="020B0606030504020204" pitchFamily="34" charset="0"/>
+              <a:ea typeface="Open Sans Light" panose="020B0606030504020204" pitchFamily="34" charset="0"/>
+              <a:cs typeface="Open Sans Light" panose="020B0606030504020204" pitchFamily="34" charset="0"/>
+            </a:endParaRPr>
+          </a:p>
+        </p:txBody>
+      </p:sp>
+      <p:sp>
+        <p:nvSpPr>
+          <p:cNvPr id="4" name="TextBox 3">
+            <a:extLst>
+              <a:ext uri="{FF2B5EF4-FFF2-40B4-BE49-F238E27FC236}">
+                <a16:creationId xmlns:a16="http://schemas.microsoft.com/office/drawing/2014/main" id="{0EAF135A-96CA-7747-D9F4-359C92D41754}"/>
+              </a:ext>
+            </a:extLst>
+          </p:cNvPr>
+          <p:cNvSpPr txBox="1"/>
+          <p:nvPr/>
+        </p:nvSpPr>
+        <p:spPr>
+          <a:xfrm>
+            <a:off x="11027229" y="6400800"/>
+            <a:ext cx="184731" cy="307777"/>
+          </a:xfrm>
+          <a:prstGeom prst="rect">
+            <a:avLst/>
+          </a:prstGeom>
+          <a:noFill/>
+        </p:spPr>
+        <p:txBody>
+          <a:bodyPr wrap="none" rtlCol="0">
+            <a:spAutoFit/>
+          </a:bodyPr>
+          <a:lstStyle/>
+          <a:p>
+            <a:endParaRPr lang="en-US" dirty="0">
+              <a:latin typeface="Open Sans Light" panose="020B0606030504020204" pitchFamily="34" charset="0"/>
+              <a:ea typeface="Open Sans Light" panose="020B0606030504020204" pitchFamily="34" charset="0"/>
+              <a:cs typeface="Open Sans Light" panose="020B0606030504020204" pitchFamily="34" charset="0"/>
+            </a:endParaRPr>
+          </a:p>
+        </p:txBody>
+      </p:sp>
+      <p:sp>
+        <p:nvSpPr>
+          <p:cNvPr id="6" name="Title 5">
+            <a:extLst>
+              <a:ext uri="{FF2B5EF4-FFF2-40B4-BE49-F238E27FC236}">
+                <a16:creationId xmlns:a16="http://schemas.microsoft.com/office/drawing/2014/main" id="{89885D5F-4170-3E22-DB47-CFFCB3D96BAA}"/>
+              </a:ext>
+            </a:extLst>
+          </p:cNvPr>
+          <p:cNvSpPr>
+            <a:spLocks noGrp="1"/>
+          </p:cNvSpPr>
+          <p:nvPr>
+            <p:ph type="title"/>
+          </p:nvPr>
+        </p:nvSpPr>
+        <p:spPr/>
+        <p:txBody>
+          <a:bodyPr/>
+          <a:lstStyle/>
+          <a:p>
+            <a:r>
+              <a:rPr lang="en-US" dirty="0" err="1"/>
+              <a:t>Iterables</a:t>
+            </a:r>
+            <a:endParaRPr lang="en-US" dirty="0"/>
+          </a:p>
+        </p:txBody>
+      </p:sp>
+      <p:sp>
+        <p:nvSpPr>
+          <p:cNvPr id="7" name="Content Placeholder 6">
+            <a:extLst>
+              <a:ext uri="{FF2B5EF4-FFF2-40B4-BE49-F238E27FC236}">
+                <a16:creationId xmlns:a16="http://schemas.microsoft.com/office/drawing/2014/main" id="{05C36628-7C15-A9BD-E2D8-62844E441ACA}"/>
+              </a:ext>
+            </a:extLst>
+          </p:cNvPr>
+          <p:cNvSpPr>
+            <a:spLocks noGrp="1"/>
+          </p:cNvSpPr>
+          <p:nvPr>
+            <p:ph idx="1"/>
+          </p:nvPr>
+        </p:nvSpPr>
+        <p:spPr/>
+        <p:txBody>
+          <a:bodyPr/>
+          <a:lstStyle/>
+          <a:p>
+            <a:endParaRPr lang="en-US"/>
+          </a:p>
+        </p:txBody>
+      </p:sp>
+    </p:spTree>
+    <p:extLst>
+      <p:ext uri="{BB962C8B-B14F-4D97-AF65-F5344CB8AC3E}">
+        <p14:creationId xmlns:p14="http://schemas.microsoft.com/office/powerpoint/2010/main" val="3591869266"/>
+      </p:ext>
+    </p:extLst>
+  </p:cSld>
+  <p:clrMapOvr>
+    <a:masterClrMapping/>
+  </p:clrMapOvr>
+</p:sld>
+</file>
+
+<file path=ppt/slides/slide15.xml><?xml version="1.0" encoding="utf-8"?>
 <p:sld xmlns:a="http://schemas.openxmlformats.org/drawingml/2006/main" xmlns:r="http://schemas.openxmlformats.org/officeDocument/2006/relationships" xmlns:p="http://schemas.openxmlformats.org/presentationml/2006/main">
   <p:cSld>
     <p:spTree>
@@ -11082,7 +11910,7 @@
           <p:cNvPr id="2" name="Title 1">
             <a:extLst>
               <a:ext uri="{FF2B5EF4-FFF2-40B4-BE49-F238E27FC236}">
-                <a16:creationId xmlns:a16="http://schemas.microsoft.com/office/drawing/2014/main" id="{B90FE64E-660D-5B06-8274-4C2D0B9C30C3}"/>
+                <a16:creationId xmlns:a16="http://schemas.microsoft.com/office/drawing/2014/main" id="{07CC119F-D1FA-4A48-F9D2-1EA9D72A68B4}"/>
               </a:ext>
             </a:extLst>
           </p:cNvPr>
@@ -11100,15 +11928,7 @@
           <a:p>
             <a:r>
               <a:rPr lang="en-US" dirty="0"/>
-              <a:t>The </a:t>
-            </a:r>
-            <a:r>
-              <a:rPr lang="en-US" dirty="0" err="1"/>
-              <a:t>GetItem</a:t>
-            </a:r>
-            <a:r>
-              <a:rPr lang="en-US" dirty="0"/>
-              <a:t> Protocol</a:t>
+              <a:t>Building a Range Iterator</a:t>
             </a:r>
           </a:p>
         </p:txBody>
@@ -11118,7 +11938,7 @@
           <p:cNvPr id="3" name="Subtitle 2">
             <a:extLst>
               <a:ext uri="{FF2B5EF4-FFF2-40B4-BE49-F238E27FC236}">
-                <a16:creationId xmlns:a16="http://schemas.microsoft.com/office/drawing/2014/main" id="{90213A51-3F60-FEA1-C2CD-577041C8CA58}"/>
+                <a16:creationId xmlns:a16="http://schemas.microsoft.com/office/drawing/2014/main" id="{2789B337-AE90-831F-69DB-10BA778D80A1}"/>
               </a:ext>
             </a:extLst>
           </p:cNvPr>
@@ -11134,7 +11954,7 @@
           <a:bodyPr/>
           <a:lstStyle/>
           <a:p>
-            <a:endParaRPr lang="en-US"/>
+            <a:endParaRPr lang="en-US" dirty="0"/>
           </a:p>
         </p:txBody>
       </p:sp>
@@ -11143,7 +11963,7 @@
           <p:cNvPr id="4" name="Footer Placeholder 3">
             <a:extLst>
               <a:ext uri="{FF2B5EF4-FFF2-40B4-BE49-F238E27FC236}">
-                <a16:creationId xmlns:a16="http://schemas.microsoft.com/office/drawing/2014/main" id="{75710AB7-D334-E02D-1E33-79836928F438}"/>
+                <a16:creationId xmlns:a16="http://schemas.microsoft.com/office/drawing/2014/main" id="{77F3CC1D-56C0-EF15-2400-91639B630C4B}"/>
               </a:ext>
             </a:extLst>
           </p:cNvPr>
@@ -11170,652 +11990,9 @@
     </p:spTree>
     <p:extLst>
       <p:ext uri="{BB962C8B-B14F-4D97-AF65-F5344CB8AC3E}">
-        <p14:creationId xmlns:p14="http://schemas.microsoft.com/office/powerpoint/2010/main" val="539042013"/>
+        <p14:creationId xmlns:p14="http://schemas.microsoft.com/office/powerpoint/2010/main" val="2852597604"/>
       </p:ext>
     </p:extLst>
-  </p:cSld>
-  <p:clrMapOvr>
-    <a:masterClrMapping/>
-  </p:clrMapOvr>
-</p:sld>
-</file>
-
-<file path=ppt/slides/slide13.xml><?xml version="1.0" encoding="utf-8"?>
-<p:sld xmlns:a="http://schemas.openxmlformats.org/drawingml/2006/main" xmlns:r="http://schemas.openxmlformats.org/officeDocument/2006/relationships" xmlns:p="http://schemas.openxmlformats.org/presentationml/2006/main">
-  <p:cSld>
-    <p:spTree>
-      <p:nvGrpSpPr>
-        <p:cNvPr id="1" name="Shape 263"/>
-        <p:cNvGrpSpPr/>
-        <p:nvPr/>
-      </p:nvGrpSpPr>
-      <p:grpSpPr>
-        <a:xfrm>
-          <a:off x="0" y="0"/>
-          <a:ext cx="0" cy="0"/>
-          <a:chOff x="0" y="0"/>
-          <a:chExt cx="0" cy="0"/>
-        </a:xfrm>
-      </p:grpSpPr>
-      <p:sp>
-        <p:nvSpPr>
-          <p:cNvPr id="264" name="Google Shape;264;p31"/>
-          <p:cNvSpPr txBox="1">
-            <a:spLocks noGrp="1"/>
-          </p:cNvSpPr>
-          <p:nvPr>
-            <p:ph type="title"/>
-          </p:nvPr>
-        </p:nvSpPr>
-        <p:spPr/>
-        <p:txBody>
-          <a:bodyPr/>
-          <a:lstStyle/>
-          <a:p>
-            <a:r>
-              <a:rPr lang="en-US" dirty="0"/>
-              <a:t>Get Item protocol – Build a </a:t>
-            </a:r>
-            <a:r>
-              <a:rPr lang="en-US" dirty="0" err="1"/>
-              <a:t>Sequene</a:t>
-            </a:r>
-            <a:endParaRPr lang="en-US" dirty="0"/>
-          </a:p>
-        </p:txBody>
-      </p:sp>
-      <p:sp>
-        <p:nvSpPr>
-          <p:cNvPr id="265" name="Google Shape;265;p31"/>
-          <p:cNvSpPr txBox="1">
-            <a:spLocks noGrp="1"/>
-          </p:cNvSpPr>
-          <p:nvPr>
-            <p:ph idx="1"/>
-          </p:nvPr>
-        </p:nvSpPr>
-        <p:spPr/>
-        <p:txBody>
-          <a:bodyPr/>
-          <a:lstStyle/>
-          <a:p>
-            <a:r>
-              <a:rPr lang="en-US" dirty="0"/>
-              <a:t>Another way an object can behave like a </a:t>
-            </a:r>
-            <a:r>
-              <a:rPr lang="en-US" b="1" dirty="0"/>
-              <a:t>sequence</a:t>
-            </a:r>
-            <a:r>
-              <a:rPr lang="en-US" dirty="0"/>
-              <a:t> is indexing: Using square brackets “[ ]” to access specific items in an object.</a:t>
-            </a:r>
-          </a:p>
-          <a:p>
-            <a:r>
-              <a:rPr lang="en-US" dirty="0"/>
-              <a:t>Defined by special method: </a:t>
-            </a:r>
-            <a:r>
-              <a:rPr lang="en-US" dirty="0">
-                <a:latin typeface="Source Code Pro" panose="020B0509030403020204" pitchFamily="49" charset="77"/>
-                <a:sym typeface="Courier"/>
-              </a:rPr>
-              <a:t>__</a:t>
-            </a:r>
-            <a:r>
-              <a:rPr lang="en-US" dirty="0" err="1">
-                <a:latin typeface="Source Code Pro" panose="020B0509030403020204" pitchFamily="49" charset="77"/>
-                <a:sym typeface="Courier"/>
-              </a:rPr>
-              <a:t>getitem</a:t>
-            </a:r>
-            <a:r>
-              <a:rPr lang="en-US" dirty="0">
-                <a:latin typeface="Source Code Pro" panose="020B0509030403020204" pitchFamily="49" charset="77"/>
-                <a:sym typeface="Courier"/>
-              </a:rPr>
-              <a:t>__(self, </a:t>
-            </a:r>
-            <a:r>
-              <a:rPr lang="en-US" dirty="0" err="1">
-                <a:latin typeface="Source Code Pro" panose="020B0509030403020204" pitchFamily="49" charset="77"/>
-                <a:sym typeface="Courier"/>
-              </a:rPr>
-              <a:t>i</a:t>
-            </a:r>
-            <a:r>
-              <a:rPr lang="en-US" dirty="0">
-                <a:latin typeface="Source Code Pro" panose="020B0509030403020204" pitchFamily="49" charset="77"/>
-                <a:sym typeface="Courier"/>
-              </a:rPr>
-              <a:t>)</a:t>
-            </a:r>
-            <a:endParaRPr lang="en-US" dirty="0">
-              <a:latin typeface="Source Code Pro" panose="020B0509030403020204" pitchFamily="49" charset="77"/>
-            </a:endParaRPr>
-          </a:p>
-          <a:p>
-            <a:pPr lvl="1"/>
-            <a:r>
-              <a:rPr lang="en-US" dirty="0"/>
-              <a:t>Method returns the item at a given index</a:t>
-            </a:r>
-          </a:p>
-        </p:txBody>
-      </p:sp>
-      <p:pic>
-        <p:nvPicPr>
-          <p:cNvPr id="269" name="Google Shape;269;p31"/>
-          <p:cNvPicPr preferRelativeResize="0"/>
-          <p:nvPr/>
-        </p:nvPicPr>
-        <p:blipFill rotWithShape="1">
-          <a:blip r:embed="rId3">
-            <a:alphaModFix/>
-          </a:blip>
-          <a:srcRect/>
-          <a:stretch/>
-        </p:blipFill>
-        <p:spPr>
-          <a:xfrm>
-            <a:off x="5036496" y="2988823"/>
-            <a:ext cx="4838700" cy="3416300"/>
-          </a:xfrm>
-          <a:prstGeom prst="rect">
-            <a:avLst/>
-          </a:prstGeom>
-          <a:noFill/>
-          <a:ln>
-            <a:noFill/>
-          </a:ln>
-        </p:spPr>
-      </p:pic>
-    </p:spTree>
-    <p:extLst>
-      <p:ext uri="{BB962C8B-B14F-4D97-AF65-F5344CB8AC3E}">
-        <p14:creationId xmlns:p14="http://schemas.microsoft.com/office/powerpoint/2010/main" val="1303092487"/>
-      </p:ext>
-    </p:extLst>
-  </p:cSld>
-  <p:clrMapOvr>
-    <a:masterClrMapping/>
-  </p:clrMapOvr>
-</p:sld>
-</file>
-
-<file path=ppt/slides/slide14.xml><?xml version="1.0" encoding="utf-8"?>
-<p:sld xmlns:a="http://schemas.openxmlformats.org/drawingml/2006/main" xmlns:r="http://schemas.openxmlformats.org/officeDocument/2006/relationships" xmlns:p="http://schemas.openxmlformats.org/presentationml/2006/main">
-  <p:cSld>
-    <p:spTree>
-      <p:nvGrpSpPr>
-        <p:cNvPr id="1" name=""/>
-        <p:cNvGrpSpPr/>
-        <p:nvPr/>
-      </p:nvGrpSpPr>
-      <p:grpSpPr>
-        <a:xfrm>
-          <a:off x="0" y="0"/>
-          <a:ext cx="0" cy="0"/>
-          <a:chOff x="0" y="0"/>
-          <a:chExt cx="0" cy="0"/>
-        </a:xfrm>
-      </p:grpSpPr>
-      <p:sp>
-        <p:nvSpPr>
-          <p:cNvPr id="5" name="Title 4">
-            <a:extLst>
-              <a:ext uri="{FF2B5EF4-FFF2-40B4-BE49-F238E27FC236}">
-                <a16:creationId xmlns:a16="http://schemas.microsoft.com/office/drawing/2014/main" id="{2EEF856C-B2DA-0FDD-DFBF-B4E122EF391E}"/>
-              </a:ext>
-            </a:extLst>
-          </p:cNvPr>
-          <p:cNvSpPr>
-            <a:spLocks noGrp="1"/>
-          </p:cNvSpPr>
-          <p:nvPr>
-            <p:ph type="title"/>
-          </p:nvPr>
-        </p:nvSpPr>
-        <p:spPr/>
-        <p:txBody>
-          <a:bodyPr/>
-          <a:lstStyle/>
-          <a:p>
-            <a:r>
-              <a:rPr lang="en-US" dirty="0"/>
-              <a:t>Get Item Protocol</a:t>
-            </a:r>
-          </a:p>
-        </p:txBody>
-      </p:sp>
-      <p:sp>
-        <p:nvSpPr>
-          <p:cNvPr id="6" name="Content Placeholder 5">
-            <a:extLst>
-              <a:ext uri="{FF2B5EF4-FFF2-40B4-BE49-F238E27FC236}">
-                <a16:creationId xmlns:a16="http://schemas.microsoft.com/office/drawing/2014/main" id="{783631CA-14D6-5C63-DBAE-1D5504D14632}"/>
-              </a:ext>
-            </a:extLst>
-          </p:cNvPr>
-          <p:cNvSpPr>
-            <a:spLocks noGrp="1"/>
-          </p:cNvSpPr>
-          <p:nvPr>
-            <p:ph idx="1"/>
-          </p:nvPr>
-        </p:nvSpPr>
-        <p:spPr/>
-        <p:txBody>
-          <a:bodyPr/>
-          <a:lstStyle/>
-          <a:p>
-            <a:r>
-              <a:rPr lang="en-US" dirty="0"/>
-              <a:t> When</a:t>
-            </a:r>
-            <a:r>
-              <a:rPr lang="en-US" dirty="0">
-                <a:latin typeface="Source Code Pro" panose="020B0309030403020204" pitchFamily="34" charset="0"/>
-                <a:ea typeface="Source Code Pro" panose="020B0309030403020204" pitchFamily="34" charset="0"/>
-              </a:rPr>
-              <a:t> __</a:t>
-            </a:r>
-            <a:r>
-              <a:rPr lang="en-US" dirty="0" err="1">
-                <a:latin typeface="Source Code Pro" panose="020B0309030403020204" pitchFamily="34" charset="0"/>
-                <a:ea typeface="Source Code Pro" panose="020B0309030403020204" pitchFamily="34" charset="0"/>
-              </a:rPr>
-              <a:t>iter</a:t>
-            </a:r>
-            <a:r>
-              <a:rPr lang="en-US" dirty="0">
-                <a:latin typeface="Source Code Pro" panose="020B0309030403020204" pitchFamily="34" charset="0"/>
-                <a:ea typeface="Source Code Pro" panose="020B0309030403020204" pitchFamily="34" charset="0"/>
-              </a:rPr>
-              <a:t>__</a:t>
-            </a:r>
-            <a:r>
-              <a:rPr lang="en-US" dirty="0"/>
-              <a:t> isn't defined, check if </a:t>
-            </a:r>
-            <a:r>
-              <a:rPr lang="en-US" dirty="0">
-                <a:latin typeface="Source Code Pro" panose="020B0309030403020204" pitchFamily="34" charset="0"/>
-                <a:ea typeface="Source Code Pro" panose="020B0309030403020204" pitchFamily="34" charset="0"/>
-              </a:rPr>
-              <a:t>__</a:t>
-            </a:r>
-            <a:r>
-              <a:rPr lang="en-US" dirty="0" err="1">
-                <a:latin typeface="Source Code Pro" panose="020B0309030403020204" pitchFamily="34" charset="0"/>
-                <a:ea typeface="Source Code Pro" panose="020B0309030403020204" pitchFamily="34" charset="0"/>
-              </a:rPr>
-              <a:t>getitem</a:t>
-            </a:r>
-            <a:r>
-              <a:rPr lang="en-US" dirty="0">
-                <a:latin typeface="Source Code Pro" panose="020B0309030403020204" pitchFamily="34" charset="0"/>
-                <a:ea typeface="Source Code Pro" panose="020B0309030403020204" pitchFamily="34" charset="0"/>
-              </a:rPr>
-              <a:t>__</a:t>
-            </a:r>
-            <a:r>
-              <a:rPr lang="en-US" dirty="0"/>
-              <a:t> exists</a:t>
-            </a:r>
-          </a:p>
-          <a:p>
-            <a:r>
-              <a:rPr lang="en-US" dirty="0"/>
-              <a:t> </a:t>
-            </a:r>
-            <a:r>
-              <a:rPr lang="en-US" dirty="0">
-                <a:latin typeface="Source Code Pro" panose="020B0309030403020204" pitchFamily="34" charset="0"/>
-                <a:ea typeface="Source Code Pro" panose="020B0309030403020204" pitchFamily="34" charset="0"/>
-              </a:rPr>
-              <a:t>__</a:t>
-            </a:r>
-            <a:r>
-              <a:rPr lang="en-US" dirty="0" err="1">
-                <a:latin typeface="Source Code Pro" panose="020B0309030403020204" pitchFamily="34" charset="0"/>
-                <a:ea typeface="Source Code Pro" panose="020B0309030403020204" pitchFamily="34" charset="0"/>
-              </a:rPr>
-              <a:t>getitem</a:t>
-            </a:r>
-            <a:r>
-              <a:rPr lang="en-US" dirty="0">
-                <a:latin typeface="Source Code Pro" panose="020B0309030403020204" pitchFamily="34" charset="0"/>
-                <a:ea typeface="Source Code Pro" panose="020B0309030403020204" pitchFamily="34" charset="0"/>
-              </a:rPr>
-              <a:t>__</a:t>
-            </a:r>
-            <a:r>
-              <a:rPr lang="en-US" dirty="0"/>
-              <a:t> must accept integers as indices</a:t>
-            </a:r>
-          </a:p>
-          <a:p>
-            <a:pPr lvl="1"/>
-            <a:r>
-              <a:rPr lang="en-US" dirty="0"/>
-              <a:t> Start at 0</a:t>
-            </a:r>
-          </a:p>
-          <a:p>
-            <a:pPr lvl="1"/>
-            <a:r>
-              <a:rPr lang="en-US" dirty="0"/>
-              <a:t> Continue iterating until </a:t>
-            </a:r>
-            <a:r>
-              <a:rPr lang="en-US" dirty="0" err="1">
-                <a:latin typeface="Source Code Pro" panose="020B0309030403020204" pitchFamily="34" charset="0"/>
-                <a:ea typeface="Source Code Pro" panose="020B0309030403020204" pitchFamily="34" charset="0"/>
-              </a:rPr>
-              <a:t>IndexError</a:t>
-            </a:r>
-            <a:r>
-              <a:rPr lang="en-US" dirty="0"/>
-              <a:t> is raised</a:t>
-            </a:r>
-            <a:br>
-              <a:rPr lang="en-US" dirty="0"/>
-            </a:br>
-            <a:endParaRPr lang="en-US" dirty="0"/>
-          </a:p>
-          <a:p>
-            <a:r>
-              <a:rPr lang="en-US" dirty="0"/>
-              <a:t> This is an older way of making iterators. </a:t>
-            </a:r>
-          </a:p>
-          <a:p>
-            <a:r>
-              <a:rPr lang="en-US" dirty="0"/>
-              <a:t> Why two ways?</a:t>
-            </a:r>
-          </a:p>
-          <a:p>
-            <a:pPr lvl="1"/>
-            <a:r>
-              <a:rPr lang="en-US" dirty="0"/>
-              <a:t> Languages evolve over time!</a:t>
-            </a:r>
-          </a:p>
-          <a:p>
-            <a:pPr lvl="1"/>
-            <a:r>
-              <a:rPr lang="en-US" dirty="0"/>
-              <a:t> There's often more than one valid design.</a:t>
-            </a:r>
-          </a:p>
-        </p:txBody>
-      </p:sp>
-      <p:sp>
-        <p:nvSpPr>
-          <p:cNvPr id="4" name="Footer Placeholder 3">
-            <a:extLst>
-              <a:ext uri="{FF2B5EF4-FFF2-40B4-BE49-F238E27FC236}">
-                <a16:creationId xmlns:a16="http://schemas.microsoft.com/office/drawing/2014/main" id="{3313C3FC-2C67-974E-0C94-49B70733B587}"/>
-              </a:ext>
-            </a:extLst>
-          </p:cNvPr>
-          <p:cNvSpPr>
-            <a:spLocks noGrp="1"/>
-          </p:cNvSpPr>
-          <p:nvPr>
-            <p:ph type="ftr" sz="quarter" idx="10"/>
-          </p:nvPr>
-        </p:nvSpPr>
-        <p:spPr/>
-        <p:txBody>
-          <a:bodyPr/>
-          <a:lstStyle/>
-          <a:p>
-            <a:r>
-              <a:rPr lang="en-US"/>
-              <a:t>Michael Ball | UC Berkeley | https://c88c.org | © CC BY-NC-SA</a:t>
-            </a:r>
-            <a:endParaRPr lang="en-US" dirty="0"/>
-          </a:p>
-        </p:txBody>
-      </p:sp>
-    </p:spTree>
-    <p:extLst>
-      <p:ext uri="{BB962C8B-B14F-4D97-AF65-F5344CB8AC3E}">
-        <p14:creationId xmlns:p14="http://schemas.microsoft.com/office/powerpoint/2010/main" val="4007728386"/>
-      </p:ext>
-    </p:extLst>
-  </p:cSld>
-  <p:clrMapOvr>
-    <a:masterClrMapping/>
-  </p:clrMapOvr>
-</p:sld>
-</file>
-
-<file path=ppt/slides/slide15.xml><?xml version="1.0" encoding="utf-8"?>
-<p:sld xmlns:a="http://schemas.openxmlformats.org/drawingml/2006/main" xmlns:r="http://schemas.openxmlformats.org/officeDocument/2006/relationships" xmlns:p="http://schemas.openxmlformats.org/presentationml/2006/main">
-  <p:cSld>
-    <p:spTree>
-      <p:nvGrpSpPr>
-        <p:cNvPr id="1" name="Shape 263"/>
-        <p:cNvGrpSpPr/>
-        <p:nvPr/>
-      </p:nvGrpSpPr>
-      <p:grpSpPr>
-        <a:xfrm>
-          <a:off x="0" y="0"/>
-          <a:ext cx="0" cy="0"/>
-          <a:chOff x="0" y="0"/>
-          <a:chExt cx="0" cy="0"/>
-        </a:xfrm>
-      </p:grpSpPr>
-      <p:sp>
-        <p:nvSpPr>
-          <p:cNvPr id="264" name="Google Shape;264;p31"/>
-          <p:cNvSpPr txBox="1">
-            <a:spLocks noGrp="1"/>
-          </p:cNvSpPr>
-          <p:nvPr>
-            <p:ph type="title"/>
-          </p:nvPr>
-        </p:nvSpPr>
-        <p:spPr/>
-        <p:txBody>
-          <a:bodyPr/>
-          <a:lstStyle/>
-          <a:p>
-            <a:r>
-              <a:rPr lang="en-US" dirty="0"/>
-              <a:t>Get Item Protocol [</a:t>
-            </a:r>
-            <a:r>
-              <a:rPr lang="en-US" dirty="0">
-                <a:solidFill>
-                  <a:schemeClr val="accent1"/>
-                </a:solidFill>
-                <a:hlinkClick r:id="rId3">
-                  <a:extLst>
-                    <a:ext uri="{A12FA001-AC4F-418D-AE19-62706E023703}">
-                      <ahyp:hlinkClr xmlns:ahyp="http://schemas.microsoft.com/office/drawing/2018/hyperlinkcolor" val="tx"/>
-                    </a:ext>
-                  </a:extLst>
-                </a:hlinkClick>
-              </a:rPr>
-              <a:t>Docs</a:t>
-            </a:r>
-            <a:r>
-              <a:rPr lang="en-US" dirty="0"/>
-              <a:t>]</a:t>
-            </a:r>
-          </a:p>
-        </p:txBody>
-      </p:sp>
-      <p:sp>
-        <p:nvSpPr>
-          <p:cNvPr id="4" name="Text Placeholder 3">
-            <a:extLst>
-              <a:ext uri="{FF2B5EF4-FFF2-40B4-BE49-F238E27FC236}">
-                <a16:creationId xmlns:a16="http://schemas.microsoft.com/office/drawing/2014/main" id="{5FAC04E7-8FF9-CC91-5DB6-C7F98348E7BA}"/>
-              </a:ext>
-            </a:extLst>
-          </p:cNvPr>
-          <p:cNvSpPr>
-            <a:spLocks noGrp="1"/>
-          </p:cNvSpPr>
-          <p:nvPr>
-            <p:ph type="body" sz="quarter" idx="11"/>
-          </p:nvPr>
-        </p:nvSpPr>
-        <p:spPr/>
-        <p:txBody>
-          <a:bodyPr/>
-          <a:lstStyle/>
-          <a:p>
-            <a:r>
-              <a:rPr lang="en-US" dirty="0"/>
-              <a:t>class myrange2:</a:t>
-            </a:r>
-          </a:p>
-          <a:p>
-            <a:r>
-              <a:rPr lang="en-US" dirty="0"/>
-              <a:t>    def __</a:t>
-            </a:r>
-            <a:r>
-              <a:rPr lang="en-US" dirty="0" err="1"/>
-              <a:t>init</a:t>
-            </a:r>
-            <a:r>
-              <a:rPr lang="en-US" dirty="0"/>
-              <a:t>__(self, n):</a:t>
-            </a:r>
-          </a:p>
-          <a:p>
-            <a:r>
-              <a:rPr lang="en-US" dirty="0"/>
-              <a:t>        </a:t>
-            </a:r>
-            <a:r>
-              <a:rPr lang="en-US" dirty="0" err="1"/>
-              <a:t>self.n</a:t>
-            </a:r>
-            <a:r>
-              <a:rPr lang="en-US" dirty="0"/>
-              <a:t> = n</a:t>
-            </a:r>
-          </a:p>
-          <a:p>
-            <a:r>
-              <a:rPr lang="en-US" dirty="0"/>
-              <a:t>    def __</a:t>
-            </a:r>
-            <a:r>
-              <a:rPr lang="en-US" dirty="0" err="1"/>
-              <a:t>getitem</a:t>
-            </a:r>
-            <a:r>
-              <a:rPr lang="en-US" dirty="0"/>
-              <a:t>__(self, </a:t>
-            </a:r>
-            <a:r>
-              <a:rPr lang="en-US" dirty="0" err="1"/>
-              <a:t>i</a:t>
-            </a:r>
-            <a:r>
-              <a:rPr lang="en-US" dirty="0"/>
-              <a:t>):</a:t>
-            </a:r>
-          </a:p>
-          <a:p>
-            <a:r>
-              <a:rPr lang="en-US" dirty="0"/>
-              <a:t>        if </a:t>
-            </a:r>
-            <a:r>
-              <a:rPr lang="en-US" dirty="0" err="1"/>
-              <a:t>i</a:t>
-            </a:r>
-            <a:r>
-              <a:rPr lang="en-US" dirty="0"/>
-              <a:t> &gt;= 0 and </a:t>
-            </a:r>
-            <a:r>
-              <a:rPr lang="en-US" dirty="0" err="1"/>
-              <a:t>i</a:t>
-            </a:r>
-            <a:r>
-              <a:rPr lang="en-US" dirty="0"/>
-              <a:t> &lt; </a:t>
-            </a:r>
-            <a:r>
-              <a:rPr lang="en-US" dirty="0" err="1"/>
-              <a:t>self.n</a:t>
-            </a:r>
-            <a:r>
-              <a:rPr lang="en-US" dirty="0"/>
-              <a:t>:</a:t>
-            </a:r>
-          </a:p>
-          <a:p>
-            <a:r>
-              <a:rPr lang="en-US" dirty="0"/>
-              <a:t>            return </a:t>
-            </a:r>
-            <a:r>
-              <a:rPr lang="en-US" dirty="0" err="1"/>
-              <a:t>i</a:t>
-            </a:r>
-            <a:endParaRPr lang="en-US" dirty="0"/>
-          </a:p>
-          <a:p>
-            <a:r>
-              <a:rPr lang="en-US" dirty="0"/>
-              <a:t>        else:</a:t>
-            </a:r>
-          </a:p>
-          <a:p>
-            <a:r>
-              <a:rPr lang="en-US" dirty="0"/>
-              <a:t>            raise </a:t>
-            </a:r>
-            <a:r>
-              <a:rPr lang="en-US" dirty="0" err="1"/>
-              <a:t>IndexError</a:t>
-            </a:r>
-            <a:endParaRPr lang="en-US" dirty="0"/>
-          </a:p>
-          <a:p>
-            <a:r>
-              <a:rPr lang="en-US" dirty="0"/>
-              <a:t>    def __</a:t>
-            </a:r>
-            <a:r>
-              <a:rPr lang="en-US" dirty="0" err="1"/>
-              <a:t>len</a:t>
-            </a:r>
-            <a:r>
-              <a:rPr lang="en-US" dirty="0"/>
-              <a:t>__(self):</a:t>
-            </a:r>
-          </a:p>
-          <a:p>
-            <a:r>
-              <a:rPr lang="en-US" dirty="0"/>
-              <a:t>        return </a:t>
-            </a:r>
-            <a:r>
-              <a:rPr lang="en-US" dirty="0" err="1"/>
-              <a:t>self.n</a:t>
-            </a:r>
-            <a:endParaRPr lang="en-US" dirty="0"/>
-          </a:p>
-        </p:txBody>
-      </p:sp>
-    </p:spTree>
   </p:cSld>
   <p:clrMapOvr>
     <a:masterClrMapping/>
@@ -11842,10 +12019,10 @@
       </p:grpSpPr>
       <p:sp>
         <p:nvSpPr>
-          <p:cNvPr id="2" name="Title 1">
+          <p:cNvPr id="5" name="Title 4">
             <a:extLst>
               <a:ext uri="{FF2B5EF4-FFF2-40B4-BE49-F238E27FC236}">
-                <a16:creationId xmlns:a16="http://schemas.microsoft.com/office/drawing/2014/main" id="{85AB2A5B-A681-B249-75F6-E033363A6AE9}"/>
+                <a16:creationId xmlns:a16="http://schemas.microsoft.com/office/drawing/2014/main" id="{50EF2F29-B5C5-6F8A-FA30-C0A14F2B833C}"/>
               </a:ext>
             </a:extLst>
           </p:cNvPr>
@@ -11853,7 +12030,7 @@
             <a:spLocks noGrp="1"/>
           </p:cNvSpPr>
           <p:nvPr>
-            <p:ph type="ctrTitle"/>
+            <p:ph type="title"/>
           </p:nvPr>
         </p:nvSpPr>
         <p:spPr/>
@@ -11863,17 +12040,17 @@
           <a:p>
             <a:r>
               <a:rPr lang="en-US" dirty="0"/>
-              <a:t>Iterators and Generators Review</a:t>
-            </a:r>
-          </a:p>
-        </p:txBody>
-      </p:sp>
-      <p:sp>
-        <p:nvSpPr>
-          <p:cNvPr id="3" name="Subtitle 2">
+              <a:t>Making a Range Iterator</a:t>
+            </a:r>
+          </a:p>
+        </p:txBody>
+      </p:sp>
+      <p:sp>
+        <p:nvSpPr>
+          <p:cNvPr id="6" name="Content Placeholder 5">
             <a:extLst>
               <a:ext uri="{FF2B5EF4-FFF2-40B4-BE49-F238E27FC236}">
-                <a16:creationId xmlns:a16="http://schemas.microsoft.com/office/drawing/2014/main" id="{CFA3908A-E939-E0F7-99F1-3B25D8F41562}"/>
+                <a16:creationId xmlns:a16="http://schemas.microsoft.com/office/drawing/2014/main" id="{4B13C64E-F842-BAB6-7330-5775D3B71946}"/>
               </a:ext>
             </a:extLst>
           </p:cNvPr>
@@ -11881,7 +12058,7 @@
             <a:spLocks noGrp="1"/>
           </p:cNvSpPr>
           <p:nvPr>
-            <p:ph type="subTitle" idx="1"/>
+            <p:ph idx="1"/>
           </p:nvPr>
         </p:nvSpPr>
         <p:spPr/>
@@ -11889,7 +12066,57 @@
           <a:bodyPr/>
           <a:lstStyle/>
           <a:p>
-            <a:endParaRPr lang="en-US"/>
+            <a:r>
+              <a:rPr lang="en-US" dirty="0"/>
+              <a:t> What does a range need?</a:t>
+            </a:r>
+          </a:p>
+          <a:p>
+            <a:pPr lvl="1"/>
+            <a:r>
+              <a:rPr lang="en-US" dirty="0"/>
+              <a:t> Start value</a:t>
+            </a:r>
+          </a:p>
+          <a:p>
+            <a:pPr lvl="1"/>
+            <a:r>
+              <a:rPr lang="en-US" dirty="0"/>
+              <a:t> Stop</a:t>
+            </a:r>
+          </a:p>
+          <a:p>
+            <a:pPr lvl="1"/>
+            <a:r>
+              <a:rPr lang="en-US" dirty="0"/>
+              <a:t> (We'll ignore step sizes)</a:t>
+            </a:r>
+          </a:p>
+          <a:p>
+            <a:r>
+              <a:rPr lang="en-US" dirty="0"/>
+              <a:t> keep track of the current value</a:t>
+            </a:r>
+          </a:p>
+          <a:p>
+            <a:r>
+              <a:rPr lang="en-US" dirty="0"/>
+              <a:t> An __</a:t>
+            </a:r>
+            <a:r>
+              <a:rPr lang="en-US" dirty="0" err="1"/>
+              <a:t>iter</a:t>
+            </a:r>
+            <a:r>
+              <a:rPr lang="en-US" dirty="0"/>
+              <a:t>__ method</a:t>
+            </a:r>
+          </a:p>
+          <a:p>
+            <a:r>
+              <a:rPr lang="en-US" dirty="0"/>
+              <a:t> A __next__ method</a:t>
+            </a:r>
           </a:p>
         </p:txBody>
       </p:sp>
@@ -11898,7 +12125,7 @@
           <p:cNvPr id="4" name="Footer Placeholder 3">
             <a:extLst>
               <a:ext uri="{FF2B5EF4-FFF2-40B4-BE49-F238E27FC236}">
-                <a16:creationId xmlns:a16="http://schemas.microsoft.com/office/drawing/2014/main" id="{76BD6DBE-EA6E-DB24-D58F-4B466C31CAEA}"/>
+                <a16:creationId xmlns:a16="http://schemas.microsoft.com/office/drawing/2014/main" id="{CAB5E317-09D8-4CF3-C832-7EA127FDB9D0}"/>
               </a:ext>
             </a:extLst>
           </p:cNvPr>
@@ -11925,7 +12152,7 @@
     </p:spTree>
     <p:extLst>
       <p:ext uri="{BB962C8B-B14F-4D97-AF65-F5344CB8AC3E}">
-        <p14:creationId xmlns:p14="http://schemas.microsoft.com/office/powerpoint/2010/main" val="2783647989"/>
+        <p14:creationId xmlns:p14="http://schemas.microsoft.com/office/powerpoint/2010/main" val="2688886373"/>
       </p:ext>
     </p:extLst>
   </p:cSld>
@@ -11954,10 +12181,10 @@
       </p:grpSpPr>
       <p:sp>
         <p:nvSpPr>
-          <p:cNvPr id="2" name="Title 1">
+          <p:cNvPr id="5" name="Title 4">
             <a:extLst>
               <a:ext uri="{FF2B5EF4-FFF2-40B4-BE49-F238E27FC236}">
-                <a16:creationId xmlns:a16="http://schemas.microsoft.com/office/drawing/2014/main" id="{4741B833-F14A-28A6-712D-261C4C838A8E}"/>
+                <a16:creationId xmlns:a16="http://schemas.microsoft.com/office/drawing/2014/main" id="{E3D3107B-375E-FA4D-586A-C4A0D2924B98}"/>
               </a:ext>
             </a:extLst>
           </p:cNvPr>
@@ -11975,17 +12202,17 @@
           <a:p>
             <a:r>
               <a:rPr lang="en-US" dirty="0"/>
-              <a:t>Terms and Tools</a:t>
-            </a:r>
-          </a:p>
-        </p:txBody>
-      </p:sp>
-      <p:sp>
-        <p:nvSpPr>
-          <p:cNvPr id="3" name="Content Placeholder 2">
+              <a:t>Example</a:t>
+            </a:r>
+          </a:p>
+        </p:txBody>
+      </p:sp>
+      <p:sp>
+        <p:nvSpPr>
+          <p:cNvPr id="6" name="Text Placeholder 5">
             <a:extLst>
               <a:ext uri="{FF2B5EF4-FFF2-40B4-BE49-F238E27FC236}">
-                <a16:creationId xmlns:a16="http://schemas.microsoft.com/office/drawing/2014/main" id="{EDC4BF8A-4DED-C2B9-B231-83AC1D41AC9C}"/>
+                <a16:creationId xmlns:a16="http://schemas.microsoft.com/office/drawing/2014/main" id="{187AC6C7-2E85-2210-4962-EEB77B3EBB01}"/>
               </a:ext>
             </a:extLst>
           </p:cNvPr>
@@ -11993,7 +12220,7 @@
             <a:spLocks noGrp="1"/>
           </p:cNvSpPr>
           <p:nvPr>
-            <p:ph idx="1"/>
+            <p:ph type="body" sz="quarter" idx="11"/>
           </p:nvPr>
         </p:nvSpPr>
         <p:spPr/>
@@ -12002,154 +12229,197 @@
           <a:lstStyle/>
           <a:p>
             <a:r>
-              <a:rPr lang="en-US" dirty="0"/>
-              <a:t> </a:t>
-            </a:r>
-            <a:r>
-              <a:rPr lang="en-US" b="1" dirty="0"/>
-              <a:t>Iterators: </a:t>
-            </a:r>
-            <a:r>
-              <a:rPr lang="en-US" dirty="0"/>
-              <a:t>Objects which we can use in a for loop</a:t>
-            </a:r>
-          </a:p>
-          <a:p>
-            <a:pPr lvl="1"/>
-            <a:r>
-              <a:rPr lang="en-US" dirty="0"/>
-              <a:t> Anything that can be looped over!</a:t>
-            </a:r>
-          </a:p>
-          <a:p>
-            <a:pPr lvl="1"/>
-            <a:r>
-              <a:rPr lang="en-US" dirty="0"/>
-              <a:t> Sometimes they’re lazy, sometimes not!</a:t>
-            </a:r>
-          </a:p>
-          <a:p>
-            <a:r>
-              <a:rPr lang="en-US" dirty="0"/>
-              <a:t> </a:t>
-            </a:r>
-            <a:r>
-              <a:rPr lang="en-US" b="1" dirty="0"/>
-              <a:t>Generators:</a:t>
-            </a:r>
-            <a:r>
-              <a:rPr lang="en-US" dirty="0"/>
-              <a:t> A shorthand way to make an iterator that uses yield</a:t>
-            </a:r>
-          </a:p>
-          <a:p>
-            <a:pPr lvl="1"/>
-            <a:r>
-              <a:rPr lang="en-US" dirty="0"/>
-              <a:t> a function that uses </a:t>
-            </a:r>
-            <a:r>
-              <a:rPr lang="en-US" dirty="0">
-                <a:latin typeface="Source Code Pro" panose="020B0509030403020204" pitchFamily="49" charset="0"/>
-                <a:ea typeface="Source Code Pro" panose="020B0509030403020204" pitchFamily="49" charset="0"/>
-              </a:rPr>
-              <a:t>yield</a:t>
-            </a:r>
-            <a:r>
-              <a:rPr lang="en-US" dirty="0"/>
-              <a:t> is a </a:t>
-            </a:r>
-            <a:r>
-              <a:rPr lang="en-US" i="1" dirty="0"/>
-              <a:t>generator function</a:t>
-            </a:r>
-          </a:p>
-          <a:p>
-            <a:pPr lvl="1"/>
-            <a:r>
-              <a:rPr lang="en-US" dirty="0"/>
-              <a:t> a generator function returns a </a:t>
-            </a:r>
-            <a:r>
-              <a:rPr lang="en-US" i="1" dirty="0"/>
-              <a:t>generator object</a:t>
-            </a:r>
-          </a:p>
-          <a:p>
-            <a:pPr lvl="1"/>
-            <a:r>
-              <a:rPr lang="en-US" i="1" dirty="0"/>
-              <a:t> </a:t>
-            </a:r>
-            <a:r>
-              <a:rPr lang="en-US" dirty="0"/>
-              <a:t>Generators do </a:t>
-            </a:r>
-            <a:r>
-              <a:rPr lang="en-US" b="1" dirty="0"/>
-              <a:t>not</a:t>
-            </a:r>
-            <a:r>
-              <a:rPr lang="en-US" dirty="0"/>
-              <a:t> use return</a:t>
-            </a:r>
-          </a:p>
-          <a:p>
-            <a:r>
-              <a:rPr lang="en-US" i="1" dirty="0"/>
-              <a:t> </a:t>
-            </a:r>
-            <a:r>
-              <a:rPr lang="en-US" b="1" dirty="0"/>
-              <a:t>Sequences: </a:t>
-            </a:r>
-            <a:r>
-              <a:rPr lang="en-US" dirty="0"/>
-              <a:t>A particular type of </a:t>
-            </a:r>
-            <a:r>
-              <a:rPr lang="en-US" dirty="0" err="1"/>
-              <a:t>iterable</a:t>
+              <a:rPr lang="en-US" sz="2000" dirty="0"/>
+              <a:t>class </a:t>
+            </a:r>
+            <a:r>
+              <a:rPr lang="en-US" sz="2000" dirty="0" err="1"/>
+              <a:t>myrange</a:t>
+            </a:r>
+            <a:r>
+              <a:rPr lang="en-US" sz="2000" dirty="0"/>
+              <a:t>:</a:t>
+            </a:r>
+          </a:p>
+          <a:p>
+            <a:r>
+              <a:rPr lang="en-US" sz="2000" dirty="0"/>
+              <a:t>    def __</a:t>
+            </a:r>
+            <a:r>
+              <a:rPr lang="en-US" sz="2000" dirty="0" err="1"/>
+              <a:t>init</a:t>
+            </a:r>
+            <a:r>
+              <a:rPr lang="en-US" sz="2000" dirty="0"/>
+              <a:t>__(self, n):</a:t>
+            </a:r>
+          </a:p>
+          <a:p>
+            <a:r>
+              <a:rPr lang="en-US" sz="2000" dirty="0"/>
+              <a:t>        </a:t>
+            </a:r>
+            <a:r>
+              <a:rPr lang="en-US" sz="2000" dirty="0" err="1"/>
+              <a:t>self.i</a:t>
+            </a:r>
+            <a:r>
+              <a:rPr lang="en-US" sz="2000" dirty="0"/>
+              <a:t> = 0</a:t>
+            </a:r>
+          </a:p>
+          <a:p>
+            <a:r>
+              <a:rPr lang="en-US" sz="2000" dirty="0"/>
+              <a:t>        </a:t>
+            </a:r>
+            <a:r>
+              <a:rPr lang="en-US" sz="2000" dirty="0" err="1"/>
+              <a:t>self.n</a:t>
+            </a:r>
+            <a:r>
+              <a:rPr lang="en-US" sz="2000" dirty="0"/>
+              <a:t> = n</a:t>
+            </a:r>
+          </a:p>
+          <a:p>
+            <a:r>
+              <a:rPr lang="en-US" sz="2000" dirty="0"/>
+              <a:t>    def __</a:t>
+            </a:r>
+            <a:r>
+              <a:rPr lang="en-US" sz="2000" dirty="0" err="1"/>
+              <a:t>iter</a:t>
+            </a:r>
+            <a:r>
+              <a:rPr lang="en-US" sz="2000" dirty="0"/>
+              <a:t>__(self):</a:t>
+            </a:r>
+          </a:p>
+          <a:p>
+            <a:r>
+              <a:rPr lang="en-US" sz="2000" dirty="0"/>
+              <a:t>        return self</a:t>
+            </a:r>
+          </a:p>
+          <a:p>
+            <a:r>
+              <a:rPr lang="en-US" sz="2000" dirty="0"/>
+              <a:t>    def __next__(self):</a:t>
+            </a:r>
+          </a:p>
+          <a:p>
+            <a:r>
+              <a:rPr lang="en-US" sz="2000" dirty="0"/>
+              <a:t>        if </a:t>
+            </a:r>
+            <a:r>
+              <a:rPr lang="en-US" sz="2000" dirty="0" err="1"/>
+              <a:t>self.i</a:t>
+            </a:r>
+            <a:r>
+              <a:rPr lang="en-US" sz="2000" dirty="0"/>
+              <a:t> &lt; </a:t>
+            </a:r>
+            <a:r>
+              <a:rPr lang="en-US" sz="2000" dirty="0" err="1"/>
+              <a:t>self.n</a:t>
+            </a:r>
+            <a:r>
+              <a:rPr lang="en-US" sz="2000" dirty="0"/>
+              <a:t>:</a:t>
+            </a:r>
+          </a:p>
+          <a:p>
+            <a:r>
+              <a:rPr lang="en-US" sz="2000" dirty="0"/>
+              <a:t>            current = </a:t>
+            </a:r>
+            <a:r>
+              <a:rPr lang="en-US" sz="2000" dirty="0" err="1"/>
+              <a:t>self.i</a:t>
+            </a:r>
+            <a:endParaRPr lang="en-US" sz="2000" dirty="0"/>
+          </a:p>
+          <a:p>
+            <a:r>
+              <a:rPr lang="en-US" sz="2000" dirty="0"/>
+              <a:t>            </a:t>
+            </a:r>
+            <a:r>
+              <a:rPr lang="en-US" sz="2000" dirty="0" err="1"/>
+              <a:t>self.i</a:t>
+            </a:r>
+            <a:r>
+              <a:rPr lang="en-US" sz="2000" dirty="0"/>
+              <a:t> += 1</a:t>
+            </a:r>
+          </a:p>
+          <a:p>
+            <a:r>
+              <a:rPr lang="en-US" sz="2000" dirty="0"/>
+              <a:t>            return current</a:t>
+            </a:r>
+          </a:p>
+          <a:p>
+            <a:r>
+              <a:rPr lang="en-US" sz="2000" dirty="0"/>
+              <a:t>        else:</a:t>
+            </a:r>
+          </a:p>
+          <a:p>
+            <a:r>
+              <a:rPr lang="en-US" sz="2000" dirty="0"/>
+              <a:t>		raise </a:t>
+            </a:r>
+            <a:r>
+              <a:rPr lang="en-US" sz="2000" dirty="0" err="1"/>
+              <a:t>StopIteration</a:t>
+            </a:r>
+            <a:r>
+              <a:rPr lang="en-US" sz="2000" dirty="0"/>
+              <a:t>()</a:t>
+            </a:r>
+          </a:p>
+          <a:p>
+            <a:endParaRPr lang="en-US" sz="2000" dirty="0"/>
+          </a:p>
+        </p:txBody>
+      </p:sp>
+      <p:sp>
+        <p:nvSpPr>
+          <p:cNvPr id="4" name="Footer Placeholder 3">
+            <a:extLst>
+              <a:ext uri="{FF2B5EF4-FFF2-40B4-BE49-F238E27FC236}">
+                <a16:creationId xmlns:a16="http://schemas.microsoft.com/office/drawing/2014/main" id="{1168058D-5C48-DDDB-4204-7AE204814E61}"/>
+              </a:ext>
+            </a:extLst>
+          </p:cNvPr>
+          <p:cNvSpPr>
+            <a:spLocks noGrp="1"/>
+          </p:cNvSpPr>
+          <p:nvPr>
+            <p:ph type="ftr" sz="quarter" idx="12"/>
+          </p:nvPr>
+        </p:nvSpPr>
+        <p:spPr/>
+        <p:txBody>
+          <a:bodyPr/>
+          <a:lstStyle/>
+          <a:p>
+            <a:r>
+              <a:rPr lang="en-US"/>
+              <a:t>Michael Ball | UC Berkeley | https://c88c.org | © CC BY-NC-SA</a:t>
             </a:r>
             <a:endParaRPr lang="en-US" dirty="0"/>
-          </a:p>
-          <a:p>
-            <a:pPr lvl="1"/>
-            <a:r>
-              <a:rPr lang="en-US" i="1" dirty="0"/>
-              <a:t> </a:t>
-            </a:r>
-            <a:r>
-              <a:rPr lang="en-US" dirty="0"/>
-              <a:t>They know they’re length, support slicing</a:t>
-            </a:r>
-          </a:p>
-          <a:p>
-            <a:pPr lvl="1"/>
-            <a:r>
-              <a:rPr lang="en-US" i="1" dirty="0"/>
-              <a:t> </a:t>
-            </a:r>
-            <a:r>
-              <a:rPr lang="en-US" dirty="0"/>
-              <a:t>Are </a:t>
-            </a:r>
-            <a:r>
-              <a:rPr lang="en-US" i="1" dirty="0"/>
-              <a:t>not</a:t>
-            </a:r>
-            <a:r>
-              <a:rPr lang="en-US" dirty="0"/>
-              <a:t> lazy</a:t>
-            </a:r>
-            <a:endParaRPr lang="en-US" i="1" dirty="0"/>
           </a:p>
         </p:txBody>
       </p:sp>
     </p:spTree>
     <p:extLst>
       <p:ext uri="{BB962C8B-B14F-4D97-AF65-F5344CB8AC3E}">
-        <p14:creationId xmlns:p14="http://schemas.microsoft.com/office/powerpoint/2010/main" val="4016842674"/>
+        <p14:creationId xmlns:p14="http://schemas.microsoft.com/office/powerpoint/2010/main" val="61227137"/>
       </p:ext>
     </p:extLst>
   </p:cSld>
@@ -12181,7 +12451,7 @@
           <p:cNvPr id="2" name="Title 1">
             <a:extLst>
               <a:ext uri="{FF2B5EF4-FFF2-40B4-BE49-F238E27FC236}">
-                <a16:creationId xmlns:a16="http://schemas.microsoft.com/office/drawing/2014/main" id="{D523F6A4-1BD6-2845-FF6A-14CD2EC50746}"/>
+                <a16:creationId xmlns:a16="http://schemas.microsoft.com/office/drawing/2014/main" id="{B90FE64E-660D-5B06-8274-4C2D0B9C30C3}"/>
               </a:ext>
             </a:extLst>
           </p:cNvPr>
@@ -12189,7 +12459,7 @@
             <a:spLocks noGrp="1"/>
           </p:cNvSpPr>
           <p:nvPr>
-            <p:ph type="title"/>
+            <p:ph type="ctrTitle"/>
           </p:nvPr>
         </p:nvSpPr>
         <p:spPr/>
@@ -12199,17 +12469,25 @@
           <a:p>
             <a:r>
               <a:rPr lang="en-US" dirty="0"/>
-              <a:t>What's the Big Picture?</a:t>
-            </a:r>
-          </a:p>
-        </p:txBody>
-      </p:sp>
-      <p:sp>
-        <p:nvSpPr>
-          <p:cNvPr id="3" name="Content Placeholder 2">
+              <a:t>The </a:t>
+            </a:r>
+            <a:r>
+              <a:rPr lang="en-US" dirty="0" err="1"/>
+              <a:t>GetItem</a:t>
+            </a:r>
+            <a:r>
+              <a:rPr lang="en-US" dirty="0"/>
+              <a:t> Protocol</a:t>
+            </a:r>
+          </a:p>
+        </p:txBody>
+      </p:sp>
+      <p:sp>
+        <p:nvSpPr>
+          <p:cNvPr id="3" name="Subtitle 2">
             <a:extLst>
               <a:ext uri="{FF2B5EF4-FFF2-40B4-BE49-F238E27FC236}">
-                <a16:creationId xmlns:a16="http://schemas.microsoft.com/office/drawing/2014/main" id="{0F4DD8BE-F91D-4CDF-A9E2-309FF2BC1425}"/>
+                <a16:creationId xmlns:a16="http://schemas.microsoft.com/office/drawing/2014/main" id="{90213A51-3F60-FEA1-C2CD-577041C8CA58}"/>
               </a:ext>
             </a:extLst>
           </p:cNvPr>
@@ -12217,7 +12495,7 @@
             <a:spLocks noGrp="1"/>
           </p:cNvSpPr>
           <p:nvPr>
-            <p:ph idx="1"/>
+            <p:ph type="subTitle" idx="1"/>
           </p:nvPr>
         </p:nvSpPr>
         <p:spPr/>
@@ -12225,25 +12503,34 @@
           <a:bodyPr/>
           <a:lstStyle/>
           <a:p>
-            <a:r>
-              <a:rPr lang="en-US" dirty="0"/>
-              <a:t> We have new tools for building data structures that behave sequences</a:t>
-            </a:r>
-          </a:p>
-          <a:p>
-            <a:r>
-              <a:rPr lang="en-US" dirty="0"/>
-              <a:t> We can handle "infinite" streams of data.</a:t>
-            </a:r>
-          </a:p>
-          <a:p>
-            <a:r>
-              <a:rPr lang="en-US" dirty="0"/>
-              <a:t> We can build our own for loops, </a:t>
-            </a:r>
+            <a:endParaRPr lang="en-US"/>
+          </a:p>
+        </p:txBody>
+      </p:sp>
+      <p:sp>
+        <p:nvSpPr>
+          <p:cNvPr id="4" name="Footer Placeholder 3">
+            <a:extLst>
+              <a:ext uri="{FF2B5EF4-FFF2-40B4-BE49-F238E27FC236}">
+                <a16:creationId xmlns:a16="http://schemas.microsoft.com/office/drawing/2014/main" id="{75710AB7-D334-E02D-1E33-79836928F438}"/>
+              </a:ext>
+            </a:extLst>
+          </p:cNvPr>
+          <p:cNvSpPr>
+            <a:spLocks noGrp="1"/>
+          </p:cNvSpPr>
+          <p:nvPr>
+            <p:ph type="ftr" sz="quarter" idx="10"/>
+          </p:nvPr>
+        </p:nvSpPr>
+        <p:spPr/>
+        <p:txBody>
+          <a:bodyPr/>
+          <a:lstStyle/>
+          <a:p>
             <a:r>
               <a:rPr lang="en-US"/>
-              <a:t>perhaps custom for loops. </a:t>
+              <a:t>Michael Ball | UC Berkeley | https://c88c.org | © CC BY-NC-SA</a:t>
             </a:r>
             <a:endParaRPr lang="en-US" dirty="0"/>
           </a:p>
@@ -12252,7 +12539,7 @@
     </p:spTree>
     <p:extLst>
       <p:ext uri="{BB962C8B-B14F-4D97-AF65-F5344CB8AC3E}">
-        <p14:creationId xmlns:p14="http://schemas.microsoft.com/office/powerpoint/2010/main" val="3456215623"/>
+        <p14:creationId xmlns:p14="http://schemas.microsoft.com/office/powerpoint/2010/main" val="539042013"/>
       </p:ext>
     </p:extLst>
   </p:cSld>
@@ -12267,7 +12554,7 @@
   <p:cSld>
     <p:spTree>
       <p:nvGrpSpPr>
-        <p:cNvPr id="1" name=""/>
+        <p:cNvPr id="1" name="Shape 263"/>
         <p:cNvGrpSpPr/>
         <p:nvPr/>
       </p:nvGrpSpPr>
@@ -12281,14 +12568,8 @@
       </p:grpSpPr>
       <p:sp>
         <p:nvSpPr>
-          <p:cNvPr id="2" name="Title 1">
-            <a:extLst>
-              <a:ext uri="{FF2B5EF4-FFF2-40B4-BE49-F238E27FC236}">
-                <a16:creationId xmlns:a16="http://schemas.microsoft.com/office/drawing/2014/main" id="{0C94E45B-333D-5CB8-A00D-EAD44B20D467}"/>
-              </a:ext>
-            </a:extLst>
-          </p:cNvPr>
-          <p:cNvSpPr>
+          <p:cNvPr id="264" name="Google Shape;264;p31"/>
+          <p:cNvSpPr txBox="1">
             <a:spLocks noGrp="1"/>
           </p:cNvSpPr>
           <p:nvPr>
@@ -12302,21 +12583,20 @@
           <a:p>
             <a:r>
               <a:rPr lang="en-US" dirty="0"/>
-              <a:t>What can we do now?</a:t>
-            </a:r>
-          </a:p>
-        </p:txBody>
-      </p:sp>
-      <p:sp>
-        <p:nvSpPr>
-          <p:cNvPr id="3" name="Content Placeholder 2">
-            <a:extLst>
-              <a:ext uri="{FF2B5EF4-FFF2-40B4-BE49-F238E27FC236}">
-                <a16:creationId xmlns:a16="http://schemas.microsoft.com/office/drawing/2014/main" id="{B728418F-469E-8251-A2E2-54C373337F66}"/>
-              </a:ext>
-            </a:extLst>
-          </p:cNvPr>
-          <p:cNvSpPr>
+              <a:t>Get Item protocol – Build a </a:t>
+            </a:r>
+            <a:r>
+              <a:rPr lang="en-US" dirty="0" err="1"/>
+              <a:t>Sequene</a:t>
+            </a:r>
+            <a:endParaRPr lang="en-US" dirty="0"/>
+          </a:p>
+        </p:txBody>
+      </p:sp>
+      <p:sp>
+        <p:nvSpPr>
+          <p:cNvPr id="265" name="Google Shape;265;p31"/>
+          <p:cNvSpPr txBox="1">
             <a:spLocks noGrp="1"/>
           </p:cNvSpPr>
           <p:nvPr>
@@ -12330,253 +12610,101 @@
           <a:p>
             <a:r>
               <a:rPr lang="en-US" dirty="0"/>
-              <a:t> Build our own </a:t>
+              <a:t>Another way an object can behave like a </a:t>
+            </a:r>
+            <a:r>
+              <a:rPr lang="en-US" b="1" dirty="0"/>
+              <a:t>sequence</a:t>
+            </a:r>
+            <a:r>
+              <a:rPr lang="en-US" dirty="0"/>
+              <a:t> is indexing: Using square brackets “[ ]” to access specific items in an object.</a:t>
+            </a:r>
+          </a:p>
+          <a:p>
+            <a:r>
+              <a:rPr lang="en-US" dirty="0"/>
+              <a:t>Defined by special method: </a:t>
             </a:r>
             <a:r>
               <a:rPr lang="en-US" dirty="0">
                 <a:latin typeface="Source Code Pro" panose="020B0509030403020204" pitchFamily="49" charset="77"/>
+                <a:sym typeface="Courier"/>
               </a:rPr>
-              <a:t>for</a:t>
-            </a:r>
-            <a:r>
-              <a:rPr lang="en-US" dirty="0"/>
-              <a:t>-loop like functions!</a:t>
-            </a:r>
-          </a:p>
-          <a:p>
-            <a:r>
-              <a:rPr lang="en-US" dirty="0"/>
-              <a:t> Python doesn't let us extend built in keywords</a:t>
-            </a:r>
-          </a:p>
-          <a:p>
-            <a:r>
-              <a:rPr lang="en-US" dirty="0"/>
-              <a:t> So we can make a function like </a:t>
+              <a:t>__</a:t>
             </a:r>
             <a:r>
               <a:rPr lang="en-US" dirty="0" err="1">
-                <a:latin typeface="Source Code Pro" panose="020B0309030403020204" pitchFamily="34" charset="0"/>
-                <a:ea typeface="Source Code Pro" panose="020B0309030403020204" pitchFamily="34" charset="0"/>
+                <a:latin typeface="Source Code Pro" panose="020B0509030403020204" pitchFamily="49" charset="77"/>
+                <a:sym typeface="Courier"/>
               </a:rPr>
-              <a:t>doFor</a:t>
+              <a:t>getitem</a:t>
             </a:r>
             <a:r>
               <a:rPr lang="en-US" dirty="0">
-                <a:latin typeface="Source Code Pro" panose="020B0309030403020204" pitchFamily="34" charset="0"/>
-                <a:ea typeface="Source Code Pro" panose="020B0309030403020204" pitchFamily="34" charset="0"/>
+                <a:latin typeface="Source Code Pro" panose="020B0509030403020204" pitchFamily="49" charset="77"/>
+                <a:sym typeface="Courier"/>
               </a:rPr>
-              <a:t>(sequence, action)</a:t>
-            </a:r>
+              <a:t>__(self, </a:t>
+            </a:r>
+            <a:r>
+              <a:rPr lang="en-US" dirty="0" err="1">
+                <a:latin typeface="Source Code Pro" panose="020B0509030403020204" pitchFamily="49" charset="77"/>
+                <a:sym typeface="Courier"/>
+              </a:rPr>
+              <a:t>i</a:t>
+            </a:r>
+            <a:r>
+              <a:rPr lang="en-US" dirty="0">
+                <a:latin typeface="Source Code Pro" panose="020B0509030403020204" pitchFamily="49" charset="77"/>
+                <a:sym typeface="Courier"/>
+              </a:rPr>
+              <a:t>)</a:t>
+            </a:r>
+            <a:endParaRPr lang="en-US" dirty="0">
+              <a:latin typeface="Source Code Pro" panose="020B0509030403020204" pitchFamily="49" charset="77"/>
+            </a:endParaRPr>
           </a:p>
           <a:p>
             <a:pPr lvl="1"/>
             <a:r>
-              <a:rPr lang="en-US" dirty="0">
-                <a:latin typeface="Source Code Pro" panose="020B0309030403020204" pitchFamily="34" charset="0"/>
-                <a:ea typeface="Source Code Pro" panose="020B0309030403020204" pitchFamily="34" charset="0"/>
-              </a:rPr>
-              <a:t> </a:t>
-            </a:r>
-            <a:r>
-              <a:rPr lang="en-US" dirty="0">
-                <a:latin typeface="Open Sans"/>
-                <a:ea typeface="Source Code Pro" panose="020B0309030403020204" pitchFamily="34" charset="0"/>
-              </a:rPr>
-              <a:t>Is the sequence already an iterator?  </a:t>
-            </a:r>
-            <a:r>
-              <a:rPr lang="en-US" dirty="0">
-                <a:latin typeface="Open Sans"/>
-                <a:ea typeface="Source Code Pro" panose="020B0309030403020204" pitchFamily="34" charset="0"/>
-                <a:sym typeface="Wingdings" pitchFamily="2" charset="2"/>
-              </a:rPr>
-              <a:t> Use next()</a:t>
-            </a:r>
-            <a:endParaRPr lang="en-US" dirty="0">
-              <a:latin typeface="Open Sans"/>
-              <a:ea typeface="Source Code Pro" panose="020B0309030403020204" pitchFamily="34" charset="0"/>
-            </a:endParaRPr>
-          </a:p>
-          <a:p>
-            <a:pPr lvl="1"/>
-            <a:r>
-              <a:rPr lang="en-US" dirty="0">
-                <a:latin typeface="Open Sans"/>
-                <a:ea typeface="Source Code Pro" panose="020B0309030403020204" pitchFamily="34" charset="0"/>
-              </a:rPr>
-              <a:t> Can we call </a:t>
-            </a:r>
-            <a:r>
-              <a:rPr lang="en-US" dirty="0" err="1">
-                <a:latin typeface="Source Code Pro" panose="020B0309030403020204" pitchFamily="34" charset="0"/>
-                <a:ea typeface="Source Code Pro" panose="020B0309030403020204" pitchFamily="34" charset="0"/>
-              </a:rPr>
-              <a:t>iter</a:t>
-            </a:r>
-            <a:r>
-              <a:rPr lang="en-US" dirty="0">
-                <a:latin typeface="Source Code Pro" panose="020B0309030403020204" pitchFamily="34" charset="0"/>
-                <a:ea typeface="Source Code Pro" panose="020B0309030403020204" pitchFamily="34" charset="0"/>
-              </a:rPr>
-              <a:t>(sequence</a:t>
-            </a:r>
-            <a:r>
-              <a:rPr lang="en-US" dirty="0">
-                <a:latin typeface="Open Sans"/>
-                <a:ea typeface="Source Code Pro" panose="020B0309030403020204" pitchFamily="34" charset="0"/>
-              </a:rPr>
-              <a:t>)? </a:t>
-            </a:r>
-            <a:r>
-              <a:rPr lang="en-US" dirty="0">
-                <a:latin typeface="Open Sans"/>
-                <a:ea typeface="Source Code Pro" panose="020B0309030403020204" pitchFamily="34" charset="0"/>
-                <a:sym typeface="Wingdings" pitchFamily="2" charset="2"/>
-              </a:rPr>
-              <a:t> Use next()</a:t>
-            </a:r>
-            <a:endParaRPr lang="en-US" dirty="0">
-              <a:latin typeface="Open Sans"/>
-              <a:ea typeface="Source Code Pro" panose="020B0309030403020204" pitchFamily="34" charset="0"/>
-            </a:endParaRPr>
-          </a:p>
-          <a:p>
-            <a:pPr lvl="1"/>
-            <a:r>
-              <a:rPr lang="en-US" dirty="0">
-                <a:latin typeface="Open Sans"/>
-                <a:ea typeface="Source Code Pro" panose="020B0309030403020204" pitchFamily="34" charset="0"/>
-              </a:rPr>
-              <a:t> Can we call </a:t>
-            </a:r>
-            <a:r>
-              <a:rPr lang="en-US" dirty="0">
-                <a:latin typeface="Source Code Pro" panose="020B0309030403020204" pitchFamily="34" charset="0"/>
-                <a:ea typeface="Source Code Pro" panose="020B0309030403020204" pitchFamily="34" charset="0"/>
-              </a:rPr>
-              <a:t>sequence[0]</a:t>
-            </a:r>
-            <a:r>
-              <a:rPr lang="en-US" dirty="0">
-                <a:latin typeface="Open Sans"/>
-                <a:ea typeface="Source Code Pro" panose="020B0309030403020204" pitchFamily="34" charset="0"/>
-              </a:rPr>
-              <a:t>? </a:t>
-            </a:r>
-            <a:r>
-              <a:rPr lang="en-US" dirty="0">
-                <a:latin typeface="Open Sans"/>
-                <a:ea typeface="Source Code Pro" panose="020B0309030403020204" pitchFamily="34" charset="0"/>
-                <a:sym typeface="Wingdings" pitchFamily="2" charset="2"/>
-              </a:rPr>
-              <a:t> Use Indexing</a:t>
-            </a:r>
-            <a:endParaRPr lang="en-US" dirty="0">
-              <a:latin typeface="Open Sans"/>
-              <a:ea typeface="Source Code Pro" panose="020B0309030403020204" pitchFamily="34" charset="0"/>
-            </a:endParaRPr>
-          </a:p>
-          <a:p>
-            <a:pPr lvl="1"/>
-            <a:r>
-              <a:rPr lang="en-US" dirty="0">
-                <a:latin typeface="Open Sans"/>
-                <a:ea typeface="Source Code Pro" panose="020B0309030403020204" pitchFamily="34" charset="0"/>
-              </a:rPr>
-              <a:t> Now we can get items</a:t>
-            </a:r>
-          </a:p>
-          <a:p>
-            <a:pPr lvl="1"/>
-            <a:r>
-              <a:rPr lang="en-US" dirty="0">
-                <a:latin typeface="Open Sans"/>
-                <a:ea typeface="Source Code Pro" panose="020B0309030403020204" pitchFamily="34" charset="0"/>
-              </a:rPr>
-              <a:t> We can call </a:t>
-            </a:r>
-            <a:r>
-              <a:rPr lang="en-US" dirty="0" err="1">
-                <a:latin typeface="Open Sans"/>
-                <a:ea typeface="Source Code Pro" panose="020B0309030403020204" pitchFamily="34" charset="0"/>
-              </a:rPr>
-              <a:t>fn</a:t>
-            </a:r>
-            <a:r>
-              <a:rPr lang="en-US" dirty="0">
-                <a:latin typeface="Open Sans"/>
-                <a:ea typeface="Source Code Pro" panose="020B0309030403020204" pitchFamily="34" charset="0"/>
-              </a:rPr>
-              <a:t>(</a:t>
-            </a:r>
-            <a:r>
-              <a:rPr lang="en-US" dirty="0" err="1">
-                <a:latin typeface="Open Sans"/>
-                <a:ea typeface="Source Code Pro" panose="020B0309030403020204" pitchFamily="34" charset="0"/>
-              </a:rPr>
-              <a:t>some_item</a:t>
-            </a:r>
-            <a:r>
-              <a:rPr lang="en-US" dirty="0">
-                <a:latin typeface="Open Sans"/>
-                <a:ea typeface="Source Code Pro" panose="020B0309030403020204" pitchFamily="34" charset="0"/>
-              </a:rPr>
-              <a:t>) until:</a:t>
-            </a:r>
-          </a:p>
-          <a:p>
-            <a:pPr lvl="2"/>
-            <a:r>
-              <a:rPr lang="en-US" dirty="0">
-                <a:latin typeface="Open Sans"/>
-                <a:ea typeface="Source Code Pro" panose="020B0309030403020204" pitchFamily="34" charset="0"/>
-              </a:rPr>
-              <a:t> We catch </a:t>
-            </a:r>
-            <a:r>
-              <a:rPr lang="en-US" dirty="0" err="1">
-                <a:latin typeface="Source Code Pro" panose="020B0309030403020204" pitchFamily="34" charset="0"/>
-                <a:ea typeface="Source Code Pro" panose="020B0309030403020204" pitchFamily="34" charset="0"/>
-              </a:rPr>
-              <a:t>StopIteration</a:t>
-            </a:r>
-            <a:r>
-              <a:rPr lang="en-US" dirty="0">
-                <a:latin typeface="Open Sans"/>
-                <a:ea typeface="Source Code Pro" panose="020B0309030403020204" pitchFamily="34" charset="0"/>
-              </a:rPr>
-              <a:t> or </a:t>
-            </a:r>
-            <a:r>
-              <a:rPr lang="en-US" dirty="0" err="1">
-                <a:latin typeface="Source Code Pro" panose="020B0309030403020204" pitchFamily="34" charset="0"/>
-                <a:ea typeface="Source Code Pro" panose="020B0309030403020204" pitchFamily="34" charset="0"/>
-              </a:rPr>
-              <a:t>IndexError</a:t>
-            </a:r>
-            <a:endParaRPr lang="en-US" dirty="0">
-              <a:latin typeface="Source Code Pro" panose="020B0309030403020204" pitchFamily="34" charset="0"/>
-              <a:ea typeface="Source Code Pro" panose="020B0309030403020204" pitchFamily="34" charset="0"/>
-            </a:endParaRPr>
-          </a:p>
-          <a:p>
-            <a:pPr lvl="2"/>
-            <a:r>
-              <a:rPr lang="en-US" dirty="0">
-                <a:latin typeface="Open Sans"/>
-                <a:ea typeface="Source Code Pro" panose="020B0309030403020204" pitchFamily="34" charset="0"/>
-              </a:rPr>
-              <a:t> Other Errors we should probably not address</a:t>
-            </a:r>
-            <a:endParaRPr lang="en-US" dirty="0"/>
-          </a:p>
-        </p:txBody>
-      </p:sp>
+              <a:rPr lang="en-US" dirty="0"/>
+              <a:t>Method returns the item at a given index</a:t>
+            </a:r>
+          </a:p>
+        </p:txBody>
+      </p:sp>
+      <p:pic>
+        <p:nvPicPr>
+          <p:cNvPr id="269" name="Google Shape;269;p31"/>
+          <p:cNvPicPr preferRelativeResize="0"/>
+          <p:nvPr/>
+        </p:nvPicPr>
+        <p:blipFill rotWithShape="1">
+          <a:blip r:embed="rId3">
+            <a:alphaModFix/>
+          </a:blip>
+          <a:srcRect/>
+          <a:stretch/>
+        </p:blipFill>
+        <p:spPr>
+          <a:xfrm>
+            <a:off x="2300221" y="3155726"/>
+            <a:ext cx="4838700" cy="3416300"/>
+          </a:xfrm>
+          <a:prstGeom prst="rect">
+            <a:avLst/>
+          </a:prstGeom>
+          <a:noFill/>
+          <a:ln>
+            <a:noFill/>
+          </a:ln>
+        </p:spPr>
+      </p:pic>
     </p:spTree>
     <p:extLst>
       <p:ext uri="{BB962C8B-B14F-4D97-AF65-F5344CB8AC3E}">
-        <p14:creationId xmlns:p14="http://schemas.microsoft.com/office/powerpoint/2010/main" val="3920742059"/>
+        <p14:creationId xmlns:p14="http://schemas.microsoft.com/office/powerpoint/2010/main" val="1303092487"/>
       </p:ext>
     </p:extLst>
   </p:cSld>
@@ -12742,7 +12870,7 @@
           <p:cNvPr id="5" name="Title 4">
             <a:extLst>
               <a:ext uri="{FF2B5EF4-FFF2-40B4-BE49-F238E27FC236}">
-                <a16:creationId xmlns:a16="http://schemas.microsoft.com/office/drawing/2014/main" id="{7F8634EB-F094-445E-797E-35776CE2F003}"/>
+                <a16:creationId xmlns:a16="http://schemas.microsoft.com/office/drawing/2014/main" id="{2EEF856C-B2DA-0FDD-DFBF-B4E122EF391E}"/>
               </a:ext>
             </a:extLst>
           </p:cNvPr>
@@ -12758,7 +12886,10 @@
           <a:bodyPr/>
           <a:lstStyle/>
           <a:p>
-            <a:endParaRPr lang="en-US" dirty="0"/>
+            <a:r>
+              <a:rPr lang="en-US" dirty="0"/>
+              <a:t>Get Item Protocol</a:t>
+            </a:r>
           </a:p>
         </p:txBody>
       </p:sp>
@@ -12767,7 +12898,7 @@
           <p:cNvPr id="6" name="Content Placeholder 5">
             <a:extLst>
               <a:ext uri="{FF2B5EF4-FFF2-40B4-BE49-F238E27FC236}">
-                <a16:creationId xmlns:a16="http://schemas.microsoft.com/office/drawing/2014/main" id="{80BC5808-C212-2061-F4D3-ED878518602B}"/>
+                <a16:creationId xmlns:a16="http://schemas.microsoft.com/office/drawing/2014/main" id="{783631CA-14D6-5C63-DBAE-1D5504D14632}"/>
               </a:ext>
             </a:extLst>
           </p:cNvPr>
@@ -12783,7 +12914,146 @@
           <a:bodyPr/>
           <a:lstStyle/>
           <a:p>
-            <a:endParaRPr lang="en-US"/>
+            <a:r>
+              <a:rPr lang="en-US" dirty="0"/>
+              <a:t> When</a:t>
+            </a:r>
+            <a:r>
+              <a:rPr lang="en-US" dirty="0">
+                <a:latin typeface="Source Code Pro" panose="020B0309030403020204" pitchFamily="34" charset="0"/>
+                <a:ea typeface="Source Code Pro" panose="020B0309030403020204" pitchFamily="34" charset="0"/>
+              </a:rPr>
+              <a:t> __</a:t>
+            </a:r>
+            <a:r>
+              <a:rPr lang="en-US" dirty="0" err="1">
+                <a:latin typeface="Source Code Pro" panose="020B0309030403020204" pitchFamily="34" charset="0"/>
+                <a:ea typeface="Source Code Pro" panose="020B0309030403020204" pitchFamily="34" charset="0"/>
+              </a:rPr>
+              <a:t>iter</a:t>
+            </a:r>
+            <a:r>
+              <a:rPr lang="en-US" dirty="0">
+                <a:latin typeface="Source Code Pro" panose="020B0309030403020204" pitchFamily="34" charset="0"/>
+                <a:ea typeface="Source Code Pro" panose="020B0309030403020204" pitchFamily="34" charset="0"/>
+              </a:rPr>
+              <a:t>__</a:t>
+            </a:r>
+            <a:r>
+              <a:rPr lang="en-US" dirty="0"/>
+              <a:t> isn't defined, check if </a:t>
+            </a:r>
+            <a:r>
+              <a:rPr lang="en-US" dirty="0">
+                <a:latin typeface="Source Code Pro" panose="020B0309030403020204" pitchFamily="34" charset="0"/>
+                <a:ea typeface="Source Code Pro" panose="020B0309030403020204" pitchFamily="34" charset="0"/>
+              </a:rPr>
+              <a:t>__</a:t>
+            </a:r>
+            <a:r>
+              <a:rPr lang="en-US" dirty="0" err="1">
+                <a:latin typeface="Source Code Pro" panose="020B0309030403020204" pitchFamily="34" charset="0"/>
+                <a:ea typeface="Source Code Pro" panose="020B0309030403020204" pitchFamily="34" charset="0"/>
+              </a:rPr>
+              <a:t>getitem</a:t>
+            </a:r>
+            <a:r>
+              <a:rPr lang="en-US" dirty="0">
+                <a:latin typeface="Source Code Pro" panose="020B0309030403020204" pitchFamily="34" charset="0"/>
+                <a:ea typeface="Source Code Pro" panose="020B0309030403020204" pitchFamily="34" charset="0"/>
+              </a:rPr>
+              <a:t>__</a:t>
+            </a:r>
+            <a:r>
+              <a:rPr lang="en-US" dirty="0"/>
+              <a:t> exists</a:t>
+            </a:r>
+          </a:p>
+          <a:p>
+            <a:r>
+              <a:rPr lang="en-US" dirty="0"/>
+              <a:t> </a:t>
+            </a:r>
+            <a:r>
+              <a:rPr lang="en-US" dirty="0">
+                <a:latin typeface="Source Code Pro" panose="020B0309030403020204" pitchFamily="34" charset="0"/>
+                <a:ea typeface="Source Code Pro" panose="020B0309030403020204" pitchFamily="34" charset="0"/>
+              </a:rPr>
+              <a:t>__</a:t>
+            </a:r>
+            <a:r>
+              <a:rPr lang="en-US" dirty="0" err="1">
+                <a:latin typeface="Source Code Pro" panose="020B0309030403020204" pitchFamily="34" charset="0"/>
+                <a:ea typeface="Source Code Pro" panose="020B0309030403020204" pitchFamily="34" charset="0"/>
+              </a:rPr>
+              <a:t>getitem</a:t>
+            </a:r>
+            <a:r>
+              <a:rPr lang="en-US" dirty="0">
+                <a:latin typeface="Source Code Pro" panose="020B0309030403020204" pitchFamily="34" charset="0"/>
+                <a:ea typeface="Source Code Pro" panose="020B0309030403020204" pitchFamily="34" charset="0"/>
+              </a:rPr>
+              <a:t>__</a:t>
+            </a:r>
+            <a:r>
+              <a:rPr lang="en-US" dirty="0"/>
+              <a:t> must accept integers as indices</a:t>
+            </a:r>
+          </a:p>
+          <a:p>
+            <a:pPr lvl="1"/>
+            <a:r>
+              <a:rPr lang="en-US" dirty="0"/>
+              <a:t> Start at 0</a:t>
+            </a:r>
+          </a:p>
+          <a:p>
+            <a:pPr lvl="1"/>
+            <a:r>
+              <a:rPr lang="en-US" dirty="0"/>
+              <a:t> Continue iterating until </a:t>
+            </a:r>
+            <a:r>
+              <a:rPr lang="en-US" dirty="0" err="1">
+                <a:latin typeface="Source Code Pro" panose="020B0309030403020204" pitchFamily="34" charset="0"/>
+                <a:ea typeface="Source Code Pro" panose="020B0309030403020204" pitchFamily="34" charset="0"/>
+              </a:rPr>
+              <a:t>IndexError</a:t>
+            </a:r>
+            <a:r>
+              <a:rPr lang="en-US" dirty="0"/>
+              <a:t> is raised</a:t>
+            </a:r>
+            <a:br>
+              <a:rPr lang="en-US" dirty="0"/>
+            </a:br>
+            <a:endParaRPr lang="en-US" dirty="0"/>
+          </a:p>
+          <a:p>
+            <a:r>
+              <a:rPr lang="en-US" dirty="0"/>
+              <a:t> This is an older way of making iterators. </a:t>
+            </a:r>
+          </a:p>
+          <a:p>
+            <a:r>
+              <a:rPr lang="en-US" dirty="0"/>
+              <a:t> Why two ways?</a:t>
+            </a:r>
+          </a:p>
+          <a:p>
+            <a:pPr lvl="1"/>
+            <a:r>
+              <a:rPr lang="en-US" dirty="0"/>
+              <a:t> Languages evolve over time!</a:t>
+            </a:r>
+          </a:p>
+          <a:p>
+            <a:pPr lvl="1"/>
+            <a:r>
+              <a:rPr lang="en-US" dirty="0"/>
+              <a:t> There's often more than one valid design.</a:t>
+            </a:r>
           </a:p>
         </p:txBody>
       </p:sp>
@@ -12792,7 +13062,7 @@
           <p:cNvPr id="4" name="Footer Placeholder 3">
             <a:extLst>
               <a:ext uri="{FF2B5EF4-FFF2-40B4-BE49-F238E27FC236}">
-                <a16:creationId xmlns:a16="http://schemas.microsoft.com/office/drawing/2014/main" id="{9F453C28-D6DA-E99E-5AB5-8472C273B820}"/>
+                <a16:creationId xmlns:a16="http://schemas.microsoft.com/office/drawing/2014/main" id="{3313C3FC-2C67-974E-0C94-49B70733B587}"/>
               </a:ext>
             </a:extLst>
           </p:cNvPr>
@@ -12819,7 +13089,7 @@
     </p:spTree>
     <p:extLst>
       <p:ext uri="{BB962C8B-B14F-4D97-AF65-F5344CB8AC3E}">
-        <p14:creationId xmlns:p14="http://schemas.microsoft.com/office/powerpoint/2010/main" val="463713911"/>
+        <p14:creationId xmlns:p14="http://schemas.microsoft.com/office/powerpoint/2010/main" val="4007728386"/>
       </p:ext>
     </p:extLst>
   </p:cSld>
@@ -12830,6 +13100,233 @@
 </file>
 
 <file path=ppt/slides/slide21.xml><?xml version="1.0" encoding="utf-8"?>
+<p:sld xmlns:a="http://schemas.openxmlformats.org/drawingml/2006/main" xmlns:r="http://schemas.openxmlformats.org/officeDocument/2006/relationships" xmlns:p="http://schemas.openxmlformats.org/presentationml/2006/main">
+  <p:cSld>
+    <p:spTree>
+      <p:nvGrpSpPr>
+        <p:cNvPr id="1" name="Shape 263"/>
+        <p:cNvGrpSpPr/>
+        <p:nvPr/>
+      </p:nvGrpSpPr>
+      <p:grpSpPr>
+        <a:xfrm>
+          <a:off x="0" y="0"/>
+          <a:ext cx="0" cy="0"/>
+          <a:chOff x="0" y="0"/>
+          <a:chExt cx="0" cy="0"/>
+        </a:xfrm>
+      </p:grpSpPr>
+      <p:sp>
+        <p:nvSpPr>
+          <p:cNvPr id="264" name="Google Shape;264;p31"/>
+          <p:cNvSpPr txBox="1">
+            <a:spLocks noGrp="1"/>
+          </p:cNvSpPr>
+          <p:nvPr>
+            <p:ph type="title"/>
+          </p:nvPr>
+        </p:nvSpPr>
+        <p:spPr/>
+        <p:txBody>
+          <a:bodyPr/>
+          <a:lstStyle/>
+          <a:p>
+            <a:r>
+              <a:rPr lang="en-US" dirty="0"/>
+              <a:t>Get Item Protocol [</a:t>
+            </a:r>
+            <a:r>
+              <a:rPr lang="en-US" dirty="0">
+                <a:solidFill>
+                  <a:schemeClr val="accent1"/>
+                </a:solidFill>
+                <a:hlinkClick r:id="rId3">
+                  <a:extLst>
+                    <a:ext uri="{A12FA001-AC4F-418D-AE19-62706E023703}">
+                      <ahyp:hlinkClr xmlns:ahyp="http://schemas.microsoft.com/office/drawing/2018/hyperlinkcolor" val="tx"/>
+                    </a:ext>
+                  </a:extLst>
+                </a:hlinkClick>
+              </a:rPr>
+              <a:t>Docs</a:t>
+            </a:r>
+            <a:r>
+              <a:rPr lang="en-US" dirty="0"/>
+              <a:t>]</a:t>
+            </a:r>
+          </a:p>
+        </p:txBody>
+      </p:sp>
+      <p:sp>
+        <p:nvSpPr>
+          <p:cNvPr id="4" name="Text Placeholder 3">
+            <a:extLst>
+              <a:ext uri="{FF2B5EF4-FFF2-40B4-BE49-F238E27FC236}">
+                <a16:creationId xmlns:a16="http://schemas.microsoft.com/office/drawing/2014/main" id="{5FAC04E7-8FF9-CC91-5DB6-C7F98348E7BA}"/>
+              </a:ext>
+            </a:extLst>
+          </p:cNvPr>
+          <p:cNvSpPr>
+            <a:spLocks noGrp="1"/>
+          </p:cNvSpPr>
+          <p:nvPr>
+            <p:ph type="body" sz="quarter" idx="11"/>
+          </p:nvPr>
+        </p:nvSpPr>
+        <p:spPr/>
+        <p:txBody>
+          <a:bodyPr/>
+          <a:lstStyle/>
+          <a:p>
+            <a:r>
+              <a:rPr lang="en-US" dirty="0"/>
+              <a:t>class myrange2:</a:t>
+            </a:r>
+          </a:p>
+          <a:p>
+            <a:r>
+              <a:rPr lang="en-US" dirty="0"/>
+              <a:t>    def __</a:t>
+            </a:r>
+            <a:r>
+              <a:rPr lang="en-US" dirty="0" err="1"/>
+              <a:t>init</a:t>
+            </a:r>
+            <a:r>
+              <a:rPr lang="en-US" dirty="0"/>
+              <a:t>__(self, n):</a:t>
+            </a:r>
+          </a:p>
+          <a:p>
+            <a:r>
+              <a:rPr lang="en-US" dirty="0"/>
+              <a:t>        </a:t>
+            </a:r>
+            <a:r>
+              <a:rPr lang="en-US" dirty="0" err="1"/>
+              <a:t>self.n</a:t>
+            </a:r>
+            <a:r>
+              <a:rPr lang="en-US" dirty="0"/>
+              <a:t> = n</a:t>
+            </a:r>
+          </a:p>
+          <a:p>
+            <a:r>
+              <a:rPr lang="en-US" dirty="0"/>
+              <a:t>    def __</a:t>
+            </a:r>
+            <a:r>
+              <a:rPr lang="en-US" dirty="0" err="1"/>
+              <a:t>getitem</a:t>
+            </a:r>
+            <a:r>
+              <a:rPr lang="en-US" dirty="0"/>
+              <a:t>__(self, </a:t>
+            </a:r>
+            <a:r>
+              <a:rPr lang="en-US" dirty="0" err="1"/>
+              <a:t>i</a:t>
+            </a:r>
+            <a:r>
+              <a:rPr lang="en-US" dirty="0"/>
+              <a:t>):</a:t>
+            </a:r>
+          </a:p>
+          <a:p>
+            <a:r>
+              <a:rPr lang="en-US" dirty="0"/>
+              <a:t>        if </a:t>
+            </a:r>
+            <a:r>
+              <a:rPr lang="en-US" dirty="0" err="1"/>
+              <a:t>i</a:t>
+            </a:r>
+            <a:r>
+              <a:rPr lang="en-US" dirty="0"/>
+              <a:t> &gt;= 0 and </a:t>
+            </a:r>
+            <a:r>
+              <a:rPr lang="en-US" dirty="0" err="1"/>
+              <a:t>i</a:t>
+            </a:r>
+            <a:r>
+              <a:rPr lang="en-US" dirty="0"/>
+              <a:t> &lt; </a:t>
+            </a:r>
+            <a:r>
+              <a:rPr lang="en-US" dirty="0" err="1"/>
+              <a:t>self.n</a:t>
+            </a:r>
+            <a:r>
+              <a:rPr lang="en-US" dirty="0"/>
+              <a:t>:</a:t>
+            </a:r>
+          </a:p>
+          <a:p>
+            <a:r>
+              <a:rPr lang="en-US" dirty="0"/>
+              <a:t>            return </a:t>
+            </a:r>
+            <a:r>
+              <a:rPr lang="en-US" dirty="0" err="1"/>
+              <a:t>i</a:t>
+            </a:r>
+            <a:endParaRPr lang="en-US" dirty="0"/>
+          </a:p>
+          <a:p>
+            <a:r>
+              <a:rPr lang="en-US" dirty="0"/>
+              <a:t>        else:</a:t>
+            </a:r>
+          </a:p>
+          <a:p>
+            <a:r>
+              <a:rPr lang="en-US" dirty="0"/>
+              <a:t>            raise </a:t>
+            </a:r>
+            <a:r>
+              <a:rPr lang="en-US" dirty="0" err="1"/>
+              <a:t>IndexError</a:t>
+            </a:r>
+            <a:endParaRPr lang="en-US" dirty="0"/>
+          </a:p>
+          <a:p>
+            <a:r>
+              <a:rPr lang="en-US" dirty="0"/>
+              <a:t>    def __</a:t>
+            </a:r>
+            <a:r>
+              <a:rPr lang="en-US" dirty="0" err="1"/>
+              <a:t>len</a:t>
+            </a:r>
+            <a:r>
+              <a:rPr lang="en-US" dirty="0"/>
+              <a:t>__(self):</a:t>
+            </a:r>
+          </a:p>
+          <a:p>
+            <a:r>
+              <a:rPr lang="en-US" dirty="0"/>
+              <a:t>        return </a:t>
+            </a:r>
+            <a:r>
+              <a:rPr lang="en-US" dirty="0" err="1"/>
+              <a:t>self.n</a:t>
+            </a:r>
+            <a:endParaRPr lang="en-US" dirty="0"/>
+          </a:p>
+        </p:txBody>
+      </p:sp>
+    </p:spTree>
+  </p:cSld>
+  <p:clrMapOvr>
+    <a:masterClrMapping/>
+  </p:clrMapOvr>
+</p:sld>
+</file>
+
+<file path=ppt/slides/slide22.xml><?xml version="1.0" encoding="utf-8"?>
 <p:sld xmlns:a="http://schemas.openxmlformats.org/drawingml/2006/main" xmlns:r="http://schemas.openxmlformats.org/officeDocument/2006/relationships" xmlns:p="http://schemas.openxmlformats.org/presentationml/2006/main">
   <p:cSld>
     <p:spTree>
@@ -12851,6 +13348,878 @@
           <p:cNvPr id="2" name="Title 1">
             <a:extLst>
               <a:ext uri="{FF2B5EF4-FFF2-40B4-BE49-F238E27FC236}">
+                <a16:creationId xmlns:a16="http://schemas.microsoft.com/office/drawing/2014/main" id="{85AB2A5B-A681-B249-75F6-E033363A6AE9}"/>
+              </a:ext>
+            </a:extLst>
+          </p:cNvPr>
+          <p:cNvSpPr>
+            <a:spLocks noGrp="1"/>
+          </p:cNvSpPr>
+          <p:nvPr>
+            <p:ph type="ctrTitle"/>
+          </p:nvPr>
+        </p:nvSpPr>
+        <p:spPr/>
+        <p:txBody>
+          <a:bodyPr/>
+          <a:lstStyle/>
+          <a:p>
+            <a:r>
+              <a:rPr lang="en-US" dirty="0"/>
+              <a:t>Iterators and Generators Review</a:t>
+            </a:r>
+          </a:p>
+        </p:txBody>
+      </p:sp>
+      <p:sp>
+        <p:nvSpPr>
+          <p:cNvPr id="3" name="Subtitle 2">
+            <a:extLst>
+              <a:ext uri="{FF2B5EF4-FFF2-40B4-BE49-F238E27FC236}">
+                <a16:creationId xmlns:a16="http://schemas.microsoft.com/office/drawing/2014/main" id="{CFA3908A-E939-E0F7-99F1-3B25D8F41562}"/>
+              </a:ext>
+            </a:extLst>
+          </p:cNvPr>
+          <p:cNvSpPr>
+            <a:spLocks noGrp="1"/>
+          </p:cNvSpPr>
+          <p:nvPr>
+            <p:ph type="subTitle" idx="1"/>
+          </p:nvPr>
+        </p:nvSpPr>
+        <p:spPr/>
+        <p:txBody>
+          <a:bodyPr/>
+          <a:lstStyle/>
+          <a:p>
+            <a:endParaRPr lang="en-US"/>
+          </a:p>
+        </p:txBody>
+      </p:sp>
+      <p:sp>
+        <p:nvSpPr>
+          <p:cNvPr id="4" name="Footer Placeholder 3">
+            <a:extLst>
+              <a:ext uri="{FF2B5EF4-FFF2-40B4-BE49-F238E27FC236}">
+                <a16:creationId xmlns:a16="http://schemas.microsoft.com/office/drawing/2014/main" id="{76BD6DBE-EA6E-DB24-D58F-4B466C31CAEA}"/>
+              </a:ext>
+            </a:extLst>
+          </p:cNvPr>
+          <p:cNvSpPr>
+            <a:spLocks noGrp="1"/>
+          </p:cNvSpPr>
+          <p:nvPr>
+            <p:ph type="ftr" sz="quarter" idx="10"/>
+          </p:nvPr>
+        </p:nvSpPr>
+        <p:spPr/>
+        <p:txBody>
+          <a:bodyPr/>
+          <a:lstStyle/>
+          <a:p>
+            <a:r>
+              <a:rPr lang="en-US"/>
+              <a:t>Michael Ball | UC Berkeley | https://c88c.org | © CC BY-NC-SA</a:t>
+            </a:r>
+            <a:endParaRPr lang="en-US" dirty="0"/>
+          </a:p>
+        </p:txBody>
+      </p:sp>
+    </p:spTree>
+    <p:extLst>
+      <p:ext uri="{BB962C8B-B14F-4D97-AF65-F5344CB8AC3E}">
+        <p14:creationId xmlns:p14="http://schemas.microsoft.com/office/powerpoint/2010/main" val="2783647989"/>
+      </p:ext>
+    </p:extLst>
+  </p:cSld>
+  <p:clrMapOvr>
+    <a:masterClrMapping/>
+  </p:clrMapOvr>
+</p:sld>
+</file>
+
+<file path=ppt/slides/slide23.xml><?xml version="1.0" encoding="utf-8"?>
+<p:sld xmlns:a="http://schemas.openxmlformats.org/drawingml/2006/main" xmlns:r="http://schemas.openxmlformats.org/officeDocument/2006/relationships" xmlns:p="http://schemas.openxmlformats.org/presentationml/2006/main">
+  <p:cSld>
+    <p:spTree>
+      <p:nvGrpSpPr>
+        <p:cNvPr id="1" name=""/>
+        <p:cNvGrpSpPr/>
+        <p:nvPr/>
+      </p:nvGrpSpPr>
+      <p:grpSpPr>
+        <a:xfrm>
+          <a:off x="0" y="0"/>
+          <a:ext cx="0" cy="0"/>
+          <a:chOff x="0" y="0"/>
+          <a:chExt cx="0" cy="0"/>
+        </a:xfrm>
+      </p:grpSpPr>
+      <p:sp>
+        <p:nvSpPr>
+          <p:cNvPr id="2" name="Title 1">
+            <a:extLst>
+              <a:ext uri="{FF2B5EF4-FFF2-40B4-BE49-F238E27FC236}">
+                <a16:creationId xmlns:a16="http://schemas.microsoft.com/office/drawing/2014/main" id="{4741B833-F14A-28A6-712D-261C4C838A8E}"/>
+              </a:ext>
+            </a:extLst>
+          </p:cNvPr>
+          <p:cNvSpPr>
+            <a:spLocks noGrp="1"/>
+          </p:cNvSpPr>
+          <p:nvPr>
+            <p:ph type="title"/>
+          </p:nvPr>
+        </p:nvSpPr>
+        <p:spPr/>
+        <p:txBody>
+          <a:bodyPr/>
+          <a:lstStyle/>
+          <a:p>
+            <a:r>
+              <a:rPr lang="en-US" dirty="0"/>
+              <a:t>Terms and Tools</a:t>
+            </a:r>
+          </a:p>
+        </p:txBody>
+      </p:sp>
+      <p:sp>
+        <p:nvSpPr>
+          <p:cNvPr id="3" name="Content Placeholder 2">
+            <a:extLst>
+              <a:ext uri="{FF2B5EF4-FFF2-40B4-BE49-F238E27FC236}">
+                <a16:creationId xmlns:a16="http://schemas.microsoft.com/office/drawing/2014/main" id="{EDC4BF8A-4DED-C2B9-B231-83AC1D41AC9C}"/>
+              </a:ext>
+            </a:extLst>
+          </p:cNvPr>
+          <p:cNvSpPr>
+            <a:spLocks noGrp="1"/>
+          </p:cNvSpPr>
+          <p:nvPr>
+            <p:ph idx="1"/>
+          </p:nvPr>
+        </p:nvSpPr>
+        <p:spPr/>
+        <p:txBody>
+          <a:bodyPr/>
+          <a:lstStyle/>
+          <a:p>
+            <a:r>
+              <a:rPr lang="en-US" dirty="0"/>
+              <a:t> </a:t>
+            </a:r>
+            <a:r>
+              <a:rPr lang="en-US" b="1" dirty="0"/>
+              <a:t>Iterators: </a:t>
+            </a:r>
+            <a:r>
+              <a:rPr lang="en-US" dirty="0"/>
+              <a:t>Objects which we can use in a for loop</a:t>
+            </a:r>
+          </a:p>
+          <a:p>
+            <a:pPr lvl="1"/>
+            <a:r>
+              <a:rPr lang="en-US" dirty="0"/>
+              <a:t> Anything that can be looped over!</a:t>
+            </a:r>
+          </a:p>
+          <a:p>
+            <a:pPr lvl="1"/>
+            <a:r>
+              <a:rPr lang="en-US" dirty="0"/>
+              <a:t> Sometimes they’re lazy, sometimes not!</a:t>
+            </a:r>
+          </a:p>
+          <a:p>
+            <a:r>
+              <a:rPr lang="en-US" dirty="0"/>
+              <a:t> </a:t>
+            </a:r>
+            <a:r>
+              <a:rPr lang="en-US" b="1" dirty="0"/>
+              <a:t>Generators:</a:t>
+            </a:r>
+            <a:r>
+              <a:rPr lang="en-US" dirty="0"/>
+              <a:t> A shorthand way to make an iterator that uses yield</a:t>
+            </a:r>
+          </a:p>
+          <a:p>
+            <a:pPr lvl="1"/>
+            <a:r>
+              <a:rPr lang="en-US" dirty="0"/>
+              <a:t> a function that uses </a:t>
+            </a:r>
+            <a:r>
+              <a:rPr lang="en-US" dirty="0">
+                <a:latin typeface="Source Code Pro" panose="020B0509030403020204" pitchFamily="49" charset="0"/>
+                <a:ea typeface="Source Code Pro" panose="020B0509030403020204" pitchFamily="49" charset="0"/>
+              </a:rPr>
+              <a:t>yield</a:t>
+            </a:r>
+            <a:r>
+              <a:rPr lang="en-US" dirty="0"/>
+              <a:t> is a </a:t>
+            </a:r>
+            <a:r>
+              <a:rPr lang="en-US" i="1" dirty="0"/>
+              <a:t>generator function</a:t>
+            </a:r>
+          </a:p>
+          <a:p>
+            <a:pPr lvl="1"/>
+            <a:r>
+              <a:rPr lang="en-US" dirty="0"/>
+              <a:t> a generator function returns a </a:t>
+            </a:r>
+            <a:r>
+              <a:rPr lang="en-US" i="1" dirty="0"/>
+              <a:t>generator object</a:t>
+            </a:r>
+          </a:p>
+          <a:p>
+            <a:pPr lvl="1"/>
+            <a:r>
+              <a:rPr lang="en-US" i="1" dirty="0"/>
+              <a:t> </a:t>
+            </a:r>
+            <a:r>
+              <a:rPr lang="en-US" dirty="0"/>
+              <a:t>Generators do </a:t>
+            </a:r>
+            <a:r>
+              <a:rPr lang="en-US" b="1" dirty="0"/>
+              <a:t>not</a:t>
+            </a:r>
+            <a:r>
+              <a:rPr lang="en-US" dirty="0"/>
+              <a:t> use return</a:t>
+            </a:r>
+          </a:p>
+          <a:p>
+            <a:r>
+              <a:rPr lang="en-US" i="1" dirty="0"/>
+              <a:t> </a:t>
+            </a:r>
+            <a:r>
+              <a:rPr lang="en-US" b="1" dirty="0"/>
+              <a:t>Sequences: </a:t>
+            </a:r>
+            <a:r>
+              <a:rPr lang="en-US" dirty="0"/>
+              <a:t>A particular type of </a:t>
+            </a:r>
+            <a:r>
+              <a:rPr lang="en-US" dirty="0" err="1"/>
+              <a:t>iterable</a:t>
+            </a:r>
+            <a:endParaRPr lang="en-US" dirty="0"/>
+          </a:p>
+          <a:p>
+            <a:pPr lvl="1"/>
+            <a:r>
+              <a:rPr lang="en-US" i="1" dirty="0"/>
+              <a:t> </a:t>
+            </a:r>
+            <a:r>
+              <a:rPr lang="en-US" dirty="0"/>
+              <a:t>They know they’re length, support slicing</a:t>
+            </a:r>
+          </a:p>
+          <a:p>
+            <a:pPr lvl="1"/>
+            <a:r>
+              <a:rPr lang="en-US" i="1" dirty="0"/>
+              <a:t> </a:t>
+            </a:r>
+            <a:r>
+              <a:rPr lang="en-US" dirty="0"/>
+              <a:t>Are </a:t>
+            </a:r>
+            <a:r>
+              <a:rPr lang="en-US" i="1" dirty="0"/>
+              <a:t>not</a:t>
+            </a:r>
+            <a:r>
+              <a:rPr lang="en-US" dirty="0"/>
+              <a:t> lazy</a:t>
+            </a:r>
+            <a:endParaRPr lang="en-US" i="1" dirty="0"/>
+          </a:p>
+        </p:txBody>
+      </p:sp>
+    </p:spTree>
+    <p:extLst>
+      <p:ext uri="{BB962C8B-B14F-4D97-AF65-F5344CB8AC3E}">
+        <p14:creationId xmlns:p14="http://schemas.microsoft.com/office/powerpoint/2010/main" val="4016842674"/>
+      </p:ext>
+    </p:extLst>
+  </p:cSld>
+  <p:clrMapOvr>
+    <a:masterClrMapping/>
+  </p:clrMapOvr>
+</p:sld>
+</file>
+
+<file path=ppt/slides/slide24.xml><?xml version="1.0" encoding="utf-8"?>
+<p:sld xmlns:a="http://schemas.openxmlformats.org/drawingml/2006/main" xmlns:r="http://schemas.openxmlformats.org/officeDocument/2006/relationships" xmlns:p="http://schemas.openxmlformats.org/presentationml/2006/main">
+  <p:cSld>
+    <p:spTree>
+      <p:nvGrpSpPr>
+        <p:cNvPr id="1" name=""/>
+        <p:cNvGrpSpPr/>
+        <p:nvPr/>
+      </p:nvGrpSpPr>
+      <p:grpSpPr>
+        <a:xfrm>
+          <a:off x="0" y="0"/>
+          <a:ext cx="0" cy="0"/>
+          <a:chOff x="0" y="0"/>
+          <a:chExt cx="0" cy="0"/>
+        </a:xfrm>
+      </p:grpSpPr>
+      <p:sp>
+        <p:nvSpPr>
+          <p:cNvPr id="2" name="Title 1">
+            <a:extLst>
+              <a:ext uri="{FF2B5EF4-FFF2-40B4-BE49-F238E27FC236}">
+                <a16:creationId xmlns:a16="http://schemas.microsoft.com/office/drawing/2014/main" id="{D523F6A4-1BD6-2845-FF6A-14CD2EC50746}"/>
+              </a:ext>
+            </a:extLst>
+          </p:cNvPr>
+          <p:cNvSpPr>
+            <a:spLocks noGrp="1"/>
+          </p:cNvSpPr>
+          <p:nvPr>
+            <p:ph type="title"/>
+          </p:nvPr>
+        </p:nvSpPr>
+        <p:spPr/>
+        <p:txBody>
+          <a:bodyPr/>
+          <a:lstStyle/>
+          <a:p>
+            <a:r>
+              <a:rPr lang="en-US" dirty="0"/>
+              <a:t>What's the Big Picture?</a:t>
+            </a:r>
+          </a:p>
+        </p:txBody>
+      </p:sp>
+      <p:sp>
+        <p:nvSpPr>
+          <p:cNvPr id="3" name="Content Placeholder 2">
+            <a:extLst>
+              <a:ext uri="{FF2B5EF4-FFF2-40B4-BE49-F238E27FC236}">
+                <a16:creationId xmlns:a16="http://schemas.microsoft.com/office/drawing/2014/main" id="{0F4DD8BE-F91D-4CDF-A9E2-309FF2BC1425}"/>
+              </a:ext>
+            </a:extLst>
+          </p:cNvPr>
+          <p:cNvSpPr>
+            <a:spLocks noGrp="1"/>
+          </p:cNvSpPr>
+          <p:nvPr>
+            <p:ph idx="1"/>
+          </p:nvPr>
+        </p:nvSpPr>
+        <p:spPr/>
+        <p:txBody>
+          <a:bodyPr/>
+          <a:lstStyle/>
+          <a:p>
+            <a:r>
+              <a:rPr lang="en-US" dirty="0"/>
+              <a:t> We have new tools for building data structures that behave sequences</a:t>
+            </a:r>
+          </a:p>
+          <a:p>
+            <a:r>
+              <a:rPr lang="en-US" dirty="0"/>
+              <a:t> We can handle "infinite" streams of data.</a:t>
+            </a:r>
+          </a:p>
+          <a:p>
+            <a:r>
+              <a:rPr lang="en-US" dirty="0"/>
+              <a:t> We can build our own for loops, </a:t>
+            </a:r>
+            <a:r>
+              <a:rPr lang="en-US"/>
+              <a:t>perhaps custom for loops. </a:t>
+            </a:r>
+            <a:endParaRPr lang="en-US" dirty="0"/>
+          </a:p>
+        </p:txBody>
+      </p:sp>
+    </p:spTree>
+    <p:extLst>
+      <p:ext uri="{BB962C8B-B14F-4D97-AF65-F5344CB8AC3E}">
+        <p14:creationId xmlns:p14="http://schemas.microsoft.com/office/powerpoint/2010/main" val="3456215623"/>
+      </p:ext>
+    </p:extLst>
+  </p:cSld>
+  <p:clrMapOvr>
+    <a:masterClrMapping/>
+  </p:clrMapOvr>
+</p:sld>
+</file>
+
+<file path=ppt/slides/slide25.xml><?xml version="1.0" encoding="utf-8"?>
+<p:sld xmlns:a="http://schemas.openxmlformats.org/drawingml/2006/main" xmlns:r="http://schemas.openxmlformats.org/officeDocument/2006/relationships" xmlns:p="http://schemas.openxmlformats.org/presentationml/2006/main">
+  <p:cSld>
+    <p:spTree>
+      <p:nvGrpSpPr>
+        <p:cNvPr id="1" name=""/>
+        <p:cNvGrpSpPr/>
+        <p:nvPr/>
+      </p:nvGrpSpPr>
+      <p:grpSpPr>
+        <a:xfrm>
+          <a:off x="0" y="0"/>
+          <a:ext cx="0" cy="0"/>
+          <a:chOff x="0" y="0"/>
+          <a:chExt cx="0" cy="0"/>
+        </a:xfrm>
+      </p:grpSpPr>
+      <p:sp>
+        <p:nvSpPr>
+          <p:cNvPr id="2" name="Title 1">
+            <a:extLst>
+              <a:ext uri="{FF2B5EF4-FFF2-40B4-BE49-F238E27FC236}">
+                <a16:creationId xmlns:a16="http://schemas.microsoft.com/office/drawing/2014/main" id="{0C94E45B-333D-5CB8-A00D-EAD44B20D467}"/>
+              </a:ext>
+            </a:extLst>
+          </p:cNvPr>
+          <p:cNvSpPr>
+            <a:spLocks noGrp="1"/>
+          </p:cNvSpPr>
+          <p:nvPr>
+            <p:ph type="title"/>
+          </p:nvPr>
+        </p:nvSpPr>
+        <p:spPr/>
+        <p:txBody>
+          <a:bodyPr/>
+          <a:lstStyle/>
+          <a:p>
+            <a:r>
+              <a:rPr lang="en-US" dirty="0"/>
+              <a:t>What can we do now?</a:t>
+            </a:r>
+          </a:p>
+        </p:txBody>
+      </p:sp>
+      <p:sp>
+        <p:nvSpPr>
+          <p:cNvPr id="3" name="Content Placeholder 2">
+            <a:extLst>
+              <a:ext uri="{FF2B5EF4-FFF2-40B4-BE49-F238E27FC236}">
+                <a16:creationId xmlns:a16="http://schemas.microsoft.com/office/drawing/2014/main" id="{B728418F-469E-8251-A2E2-54C373337F66}"/>
+              </a:ext>
+            </a:extLst>
+          </p:cNvPr>
+          <p:cNvSpPr>
+            <a:spLocks noGrp="1"/>
+          </p:cNvSpPr>
+          <p:nvPr>
+            <p:ph idx="1"/>
+          </p:nvPr>
+        </p:nvSpPr>
+        <p:spPr/>
+        <p:txBody>
+          <a:bodyPr/>
+          <a:lstStyle/>
+          <a:p>
+            <a:r>
+              <a:rPr lang="en-US" dirty="0"/>
+              <a:t> Build our own </a:t>
+            </a:r>
+            <a:r>
+              <a:rPr lang="en-US" dirty="0">
+                <a:latin typeface="Source Code Pro" panose="020B0509030403020204" pitchFamily="49" charset="77"/>
+              </a:rPr>
+              <a:t>for</a:t>
+            </a:r>
+            <a:r>
+              <a:rPr lang="en-US" dirty="0"/>
+              <a:t>-loop like functions!</a:t>
+            </a:r>
+          </a:p>
+          <a:p>
+            <a:r>
+              <a:rPr lang="en-US" dirty="0"/>
+              <a:t> Python doesn't let us extend built in keywords</a:t>
+            </a:r>
+          </a:p>
+          <a:p>
+            <a:r>
+              <a:rPr lang="en-US" dirty="0"/>
+              <a:t> So we can make a function like </a:t>
+            </a:r>
+            <a:r>
+              <a:rPr lang="en-US" dirty="0" err="1">
+                <a:latin typeface="Source Code Pro" panose="020B0309030403020204" pitchFamily="34" charset="0"/>
+                <a:ea typeface="Source Code Pro" panose="020B0309030403020204" pitchFamily="34" charset="0"/>
+              </a:rPr>
+              <a:t>doFor</a:t>
+            </a:r>
+            <a:r>
+              <a:rPr lang="en-US" dirty="0">
+                <a:latin typeface="Source Code Pro" panose="020B0309030403020204" pitchFamily="34" charset="0"/>
+                <a:ea typeface="Source Code Pro" panose="020B0309030403020204" pitchFamily="34" charset="0"/>
+              </a:rPr>
+              <a:t>(sequence, action)</a:t>
+            </a:r>
+          </a:p>
+          <a:p>
+            <a:pPr lvl="1"/>
+            <a:r>
+              <a:rPr lang="en-US" dirty="0">
+                <a:latin typeface="Source Code Pro" panose="020B0309030403020204" pitchFamily="34" charset="0"/>
+                <a:ea typeface="Source Code Pro" panose="020B0309030403020204" pitchFamily="34" charset="0"/>
+              </a:rPr>
+              <a:t> </a:t>
+            </a:r>
+            <a:r>
+              <a:rPr lang="en-US" dirty="0">
+                <a:latin typeface="Open Sans Light"/>
+                <a:ea typeface="Source Code Pro" panose="020B0309030403020204" pitchFamily="34" charset="0"/>
+              </a:rPr>
+              <a:t>Is the sequence already an iterator?  </a:t>
+            </a:r>
+            <a:r>
+              <a:rPr lang="en-US" dirty="0">
+                <a:latin typeface="Open Sans Light"/>
+                <a:ea typeface="Source Code Pro" panose="020B0309030403020204" pitchFamily="34" charset="0"/>
+                <a:sym typeface="Wingdings" pitchFamily="2" charset="2"/>
+              </a:rPr>
+              <a:t> Use next()</a:t>
+            </a:r>
+            <a:endParaRPr lang="en-US" dirty="0">
+              <a:latin typeface="Open Sans Light"/>
+              <a:ea typeface="Source Code Pro" panose="020B0309030403020204" pitchFamily="34" charset="0"/>
+            </a:endParaRPr>
+          </a:p>
+          <a:p>
+            <a:pPr lvl="1"/>
+            <a:r>
+              <a:rPr lang="en-US" dirty="0">
+                <a:latin typeface="Open Sans Light"/>
+                <a:ea typeface="Source Code Pro" panose="020B0309030403020204" pitchFamily="34" charset="0"/>
+              </a:rPr>
+              <a:t> Can we call </a:t>
+            </a:r>
+            <a:r>
+              <a:rPr lang="en-US" dirty="0" err="1">
+                <a:latin typeface="Source Code Pro" panose="020B0309030403020204" pitchFamily="34" charset="0"/>
+                <a:ea typeface="Source Code Pro" panose="020B0309030403020204" pitchFamily="34" charset="0"/>
+              </a:rPr>
+              <a:t>iter</a:t>
+            </a:r>
+            <a:r>
+              <a:rPr lang="en-US" dirty="0">
+                <a:latin typeface="Source Code Pro" panose="020B0309030403020204" pitchFamily="34" charset="0"/>
+                <a:ea typeface="Source Code Pro" panose="020B0309030403020204" pitchFamily="34" charset="0"/>
+              </a:rPr>
+              <a:t>(sequence</a:t>
+            </a:r>
+            <a:r>
+              <a:rPr lang="en-US" dirty="0">
+                <a:latin typeface="Open Sans Light"/>
+                <a:ea typeface="Source Code Pro" panose="020B0309030403020204" pitchFamily="34" charset="0"/>
+              </a:rPr>
+              <a:t>)? </a:t>
+            </a:r>
+            <a:r>
+              <a:rPr lang="en-US" dirty="0">
+                <a:latin typeface="Open Sans Light"/>
+                <a:ea typeface="Source Code Pro" panose="020B0309030403020204" pitchFamily="34" charset="0"/>
+                <a:sym typeface="Wingdings" pitchFamily="2" charset="2"/>
+              </a:rPr>
+              <a:t> Use next()</a:t>
+            </a:r>
+            <a:endParaRPr lang="en-US" dirty="0">
+              <a:latin typeface="Open Sans Light"/>
+              <a:ea typeface="Source Code Pro" panose="020B0309030403020204" pitchFamily="34" charset="0"/>
+            </a:endParaRPr>
+          </a:p>
+          <a:p>
+            <a:pPr lvl="1"/>
+            <a:r>
+              <a:rPr lang="en-US" dirty="0">
+                <a:latin typeface="Open Sans Light"/>
+                <a:ea typeface="Source Code Pro" panose="020B0309030403020204" pitchFamily="34" charset="0"/>
+              </a:rPr>
+              <a:t> Can we call </a:t>
+            </a:r>
+            <a:r>
+              <a:rPr lang="en-US" dirty="0">
+                <a:latin typeface="Source Code Pro" panose="020B0309030403020204" pitchFamily="34" charset="0"/>
+                <a:ea typeface="Source Code Pro" panose="020B0309030403020204" pitchFamily="34" charset="0"/>
+              </a:rPr>
+              <a:t>sequence[0]</a:t>
+            </a:r>
+            <a:r>
+              <a:rPr lang="en-US" dirty="0">
+                <a:latin typeface="Open Sans Light"/>
+                <a:ea typeface="Source Code Pro" panose="020B0309030403020204" pitchFamily="34" charset="0"/>
+              </a:rPr>
+              <a:t>? </a:t>
+            </a:r>
+            <a:r>
+              <a:rPr lang="en-US" dirty="0">
+                <a:latin typeface="Open Sans Light"/>
+                <a:ea typeface="Source Code Pro" panose="020B0309030403020204" pitchFamily="34" charset="0"/>
+                <a:sym typeface="Wingdings" pitchFamily="2" charset="2"/>
+              </a:rPr>
+              <a:t> Use Indexing</a:t>
+            </a:r>
+            <a:endParaRPr lang="en-US" dirty="0">
+              <a:latin typeface="Open Sans Light"/>
+              <a:ea typeface="Source Code Pro" panose="020B0309030403020204" pitchFamily="34" charset="0"/>
+            </a:endParaRPr>
+          </a:p>
+          <a:p>
+            <a:pPr lvl="1"/>
+            <a:r>
+              <a:rPr lang="en-US" dirty="0">
+                <a:latin typeface="Open Sans Light"/>
+                <a:ea typeface="Source Code Pro" panose="020B0309030403020204" pitchFamily="34" charset="0"/>
+              </a:rPr>
+              <a:t> Now we can get items</a:t>
+            </a:r>
+          </a:p>
+          <a:p>
+            <a:pPr lvl="1"/>
+            <a:r>
+              <a:rPr lang="en-US" dirty="0">
+                <a:latin typeface="Open Sans Light"/>
+                <a:ea typeface="Source Code Pro" panose="020B0309030403020204" pitchFamily="34" charset="0"/>
+              </a:rPr>
+              <a:t> We can call </a:t>
+            </a:r>
+            <a:r>
+              <a:rPr lang="en-US" dirty="0" err="1">
+                <a:latin typeface="Open Sans Light"/>
+                <a:ea typeface="Source Code Pro" panose="020B0309030403020204" pitchFamily="34" charset="0"/>
+              </a:rPr>
+              <a:t>fn</a:t>
+            </a:r>
+            <a:r>
+              <a:rPr lang="en-US" dirty="0">
+                <a:latin typeface="Open Sans Light"/>
+                <a:ea typeface="Source Code Pro" panose="020B0309030403020204" pitchFamily="34" charset="0"/>
+              </a:rPr>
+              <a:t>(</a:t>
+            </a:r>
+            <a:r>
+              <a:rPr lang="en-US" dirty="0" err="1">
+                <a:latin typeface="Open Sans Light"/>
+                <a:ea typeface="Source Code Pro" panose="020B0309030403020204" pitchFamily="34" charset="0"/>
+              </a:rPr>
+              <a:t>some_item</a:t>
+            </a:r>
+            <a:r>
+              <a:rPr lang="en-US" dirty="0">
+                <a:latin typeface="Open Sans Light"/>
+                <a:ea typeface="Source Code Pro" panose="020B0309030403020204" pitchFamily="34" charset="0"/>
+              </a:rPr>
+              <a:t>) until:</a:t>
+            </a:r>
+          </a:p>
+          <a:p>
+            <a:pPr lvl="2"/>
+            <a:r>
+              <a:rPr lang="en-US" dirty="0">
+                <a:latin typeface="Open Sans Light"/>
+                <a:ea typeface="Source Code Pro" panose="020B0309030403020204" pitchFamily="34" charset="0"/>
+              </a:rPr>
+              <a:t> We catch </a:t>
+            </a:r>
+            <a:r>
+              <a:rPr lang="en-US" dirty="0" err="1">
+                <a:latin typeface="Source Code Pro" panose="020B0309030403020204" pitchFamily="34" charset="0"/>
+                <a:ea typeface="Source Code Pro" panose="020B0309030403020204" pitchFamily="34" charset="0"/>
+              </a:rPr>
+              <a:t>StopIteration</a:t>
+            </a:r>
+            <a:r>
+              <a:rPr lang="en-US" dirty="0">
+                <a:latin typeface="Open Sans Light"/>
+                <a:ea typeface="Source Code Pro" panose="020B0309030403020204" pitchFamily="34" charset="0"/>
+              </a:rPr>
+              <a:t> or </a:t>
+            </a:r>
+            <a:r>
+              <a:rPr lang="en-US" dirty="0" err="1">
+                <a:latin typeface="Source Code Pro" panose="020B0309030403020204" pitchFamily="34" charset="0"/>
+                <a:ea typeface="Source Code Pro" panose="020B0309030403020204" pitchFamily="34" charset="0"/>
+              </a:rPr>
+              <a:t>IndexError</a:t>
+            </a:r>
+            <a:endParaRPr lang="en-US" dirty="0">
+              <a:latin typeface="Source Code Pro" panose="020B0309030403020204" pitchFamily="34" charset="0"/>
+              <a:ea typeface="Source Code Pro" panose="020B0309030403020204" pitchFamily="34" charset="0"/>
+            </a:endParaRPr>
+          </a:p>
+          <a:p>
+            <a:pPr lvl="2"/>
+            <a:r>
+              <a:rPr lang="en-US" dirty="0">
+                <a:latin typeface="Open Sans Light"/>
+                <a:ea typeface="Source Code Pro" panose="020B0309030403020204" pitchFamily="34" charset="0"/>
+              </a:rPr>
+              <a:t> Other Errors we should probably not address</a:t>
+            </a:r>
+            <a:endParaRPr lang="en-US" dirty="0"/>
+          </a:p>
+        </p:txBody>
+      </p:sp>
+    </p:spTree>
+    <p:extLst>
+      <p:ext uri="{BB962C8B-B14F-4D97-AF65-F5344CB8AC3E}">
+        <p14:creationId xmlns:p14="http://schemas.microsoft.com/office/powerpoint/2010/main" val="3920742059"/>
+      </p:ext>
+    </p:extLst>
+  </p:cSld>
+  <p:clrMapOvr>
+    <a:masterClrMapping/>
+  </p:clrMapOvr>
+</p:sld>
+</file>
+
+<file path=ppt/slides/slide26.xml><?xml version="1.0" encoding="utf-8"?>
+<p:sld xmlns:a="http://schemas.openxmlformats.org/drawingml/2006/main" xmlns:r="http://schemas.openxmlformats.org/officeDocument/2006/relationships" xmlns:p="http://schemas.openxmlformats.org/presentationml/2006/main">
+  <p:cSld>
+    <p:spTree>
+      <p:nvGrpSpPr>
+        <p:cNvPr id="1" name=""/>
+        <p:cNvGrpSpPr/>
+        <p:nvPr/>
+      </p:nvGrpSpPr>
+      <p:grpSpPr>
+        <a:xfrm>
+          <a:off x="0" y="0"/>
+          <a:ext cx="0" cy="0"/>
+          <a:chOff x="0" y="0"/>
+          <a:chExt cx="0" cy="0"/>
+        </a:xfrm>
+      </p:grpSpPr>
+      <p:sp>
+        <p:nvSpPr>
+          <p:cNvPr id="5" name="Title 4">
+            <a:extLst>
+              <a:ext uri="{FF2B5EF4-FFF2-40B4-BE49-F238E27FC236}">
+                <a16:creationId xmlns:a16="http://schemas.microsoft.com/office/drawing/2014/main" id="{7F8634EB-F094-445E-797E-35776CE2F003}"/>
+              </a:ext>
+            </a:extLst>
+          </p:cNvPr>
+          <p:cNvSpPr>
+            <a:spLocks noGrp="1"/>
+          </p:cNvSpPr>
+          <p:nvPr>
+            <p:ph type="title"/>
+          </p:nvPr>
+        </p:nvSpPr>
+        <p:spPr/>
+        <p:txBody>
+          <a:bodyPr/>
+          <a:lstStyle/>
+          <a:p>
+            <a:endParaRPr lang="en-US" dirty="0"/>
+          </a:p>
+        </p:txBody>
+      </p:sp>
+      <p:sp>
+        <p:nvSpPr>
+          <p:cNvPr id="6" name="Content Placeholder 5">
+            <a:extLst>
+              <a:ext uri="{FF2B5EF4-FFF2-40B4-BE49-F238E27FC236}">
+                <a16:creationId xmlns:a16="http://schemas.microsoft.com/office/drawing/2014/main" id="{80BC5808-C212-2061-F4D3-ED878518602B}"/>
+              </a:ext>
+            </a:extLst>
+          </p:cNvPr>
+          <p:cNvSpPr>
+            <a:spLocks noGrp="1"/>
+          </p:cNvSpPr>
+          <p:nvPr>
+            <p:ph idx="1"/>
+          </p:nvPr>
+        </p:nvSpPr>
+        <p:spPr/>
+        <p:txBody>
+          <a:bodyPr/>
+          <a:lstStyle/>
+          <a:p>
+            <a:endParaRPr lang="en-US"/>
+          </a:p>
+        </p:txBody>
+      </p:sp>
+      <p:sp>
+        <p:nvSpPr>
+          <p:cNvPr id="4" name="Footer Placeholder 3">
+            <a:extLst>
+              <a:ext uri="{FF2B5EF4-FFF2-40B4-BE49-F238E27FC236}">
+                <a16:creationId xmlns:a16="http://schemas.microsoft.com/office/drawing/2014/main" id="{9F453C28-D6DA-E99E-5AB5-8472C273B820}"/>
+              </a:ext>
+            </a:extLst>
+          </p:cNvPr>
+          <p:cNvSpPr>
+            <a:spLocks noGrp="1"/>
+          </p:cNvSpPr>
+          <p:nvPr>
+            <p:ph type="ftr" sz="quarter" idx="10"/>
+          </p:nvPr>
+        </p:nvSpPr>
+        <p:spPr/>
+        <p:txBody>
+          <a:bodyPr/>
+          <a:lstStyle/>
+          <a:p>
+            <a:r>
+              <a:rPr lang="en-US"/>
+              <a:t>Michael Ball | UC Berkeley | https://c88c.org | © CC BY-NC-SA</a:t>
+            </a:r>
+            <a:endParaRPr lang="en-US" dirty="0"/>
+          </a:p>
+        </p:txBody>
+      </p:sp>
+    </p:spTree>
+    <p:extLst>
+      <p:ext uri="{BB962C8B-B14F-4D97-AF65-F5344CB8AC3E}">
+        <p14:creationId xmlns:p14="http://schemas.microsoft.com/office/powerpoint/2010/main" val="463713911"/>
+      </p:ext>
+    </p:extLst>
+  </p:cSld>
+  <p:clrMapOvr>
+    <a:masterClrMapping/>
+  </p:clrMapOvr>
+</p:sld>
+</file>
+
+<file path=ppt/slides/slide27.xml><?xml version="1.0" encoding="utf-8"?>
+<p:sld xmlns:a="http://schemas.openxmlformats.org/drawingml/2006/main" xmlns:r="http://schemas.openxmlformats.org/officeDocument/2006/relationships" xmlns:p="http://schemas.openxmlformats.org/presentationml/2006/main">
+  <p:cSld>
+    <p:spTree>
+      <p:nvGrpSpPr>
+        <p:cNvPr id="1" name=""/>
+        <p:cNvGrpSpPr/>
+        <p:nvPr/>
+      </p:nvGrpSpPr>
+      <p:grpSpPr>
+        <a:xfrm>
+          <a:off x="0" y="0"/>
+          <a:ext cx="0" cy="0"/>
+          <a:chOff x="0" y="0"/>
+          <a:chExt cx="0" cy="0"/>
+        </a:xfrm>
+      </p:grpSpPr>
+      <p:sp>
+        <p:nvSpPr>
+          <p:cNvPr id="2" name="Title 1">
+            <a:extLst>
+              <a:ext uri="{FF2B5EF4-FFF2-40B4-BE49-F238E27FC236}">
                 <a16:creationId xmlns:a16="http://schemas.microsoft.com/office/drawing/2014/main" id="{2AB86E5E-F468-E6FE-D6B0-23DE0B45B019}"/>
               </a:ext>
             </a:extLst>
@@ -12941,7 +14310,7 @@
 </p:sld>
 </file>
 
-<file path=ppt/slides/slide22.xml><?xml version="1.0" encoding="utf-8"?>
+<file path=ppt/slides/slide28.xml><?xml version="1.0" encoding="utf-8"?>
 <p:sld xmlns:a="http://schemas.openxmlformats.org/drawingml/2006/main" xmlns:r="http://schemas.openxmlformats.org/officeDocument/2006/relationships" xmlns:p="http://schemas.openxmlformats.org/presentationml/2006/main">
   <p:cSld>
     <p:spTree>
@@ -13002,58 +14371,87 @@
           <a:p>
             <a:r>
               <a:rPr lang="en-US" dirty="0">
+                <a:latin typeface="Source Code Pro" panose="020B0309030403020204" pitchFamily="34" charset="0"/>
+                <a:ea typeface="Source Code Pro" panose="020B0309030403020204" pitchFamily="34" charset="0"/>
                 <a:sym typeface="Courier"/>
               </a:rPr>
-              <a:t>from </a:t>
+              <a:t> from </a:t>
             </a:r>
             <a:r>
               <a:rPr lang="en-US" dirty="0" err="1">
+                <a:latin typeface="Source Code Pro" panose="020B0309030403020204" pitchFamily="34" charset="0"/>
+                <a:ea typeface="Source Code Pro" panose="020B0309030403020204" pitchFamily="34" charset="0"/>
                 <a:sym typeface="Courier"/>
               </a:rPr>
               <a:t>collections.abc</a:t>
             </a:r>
             <a:r>
               <a:rPr lang="en-US" dirty="0">
+                <a:latin typeface="Source Code Pro" panose="020B0309030403020204" pitchFamily="34" charset="0"/>
+                <a:ea typeface="Source Code Pro" panose="020B0309030403020204" pitchFamily="34" charset="0"/>
                 <a:sym typeface="Courier"/>
               </a:rPr>
               <a:t> import </a:t>
             </a:r>
             <a:r>
               <a:rPr lang="en-US" dirty="0" err="1">
+                <a:latin typeface="Source Code Pro" panose="020B0309030403020204" pitchFamily="34" charset="0"/>
+                <a:ea typeface="Source Code Pro" panose="020B0309030403020204" pitchFamily="34" charset="0"/>
                 <a:sym typeface="Courier"/>
               </a:rPr>
               <a:t>Iterable</a:t>
             </a:r>
             <a:endParaRPr lang="en-US" dirty="0">
+              <a:latin typeface="Source Code Pro" panose="020B0309030403020204" pitchFamily="34" charset="0"/>
+              <a:ea typeface="Source Code Pro" panose="020B0309030403020204" pitchFamily="34" charset="0"/>
               <a:sym typeface="Courier"/>
             </a:endParaRPr>
           </a:p>
           <a:p>
             <a:r>
+              <a:rPr lang="en-US" dirty="0">
+                <a:latin typeface="Source Code Pro" panose="020B0309030403020204" pitchFamily="34" charset="0"/>
+                <a:ea typeface="Source Code Pro" panose="020B0309030403020204" pitchFamily="34" charset="0"/>
+                <a:sym typeface="Courier"/>
+              </a:rPr>
+              <a:t> </a:t>
+            </a:r>
+            <a:r>
               <a:rPr lang="en-US" dirty="0" err="1">
+                <a:latin typeface="Source Code Pro" panose="020B0309030403020204" pitchFamily="34" charset="0"/>
+                <a:ea typeface="Source Code Pro" panose="020B0309030403020204" pitchFamily="34" charset="0"/>
                 <a:sym typeface="Courier"/>
               </a:rPr>
               <a:t>isinstance</a:t>
             </a:r>
             <a:r>
               <a:rPr lang="en-US" dirty="0">
+                <a:latin typeface="Source Code Pro" panose="020B0309030403020204" pitchFamily="34" charset="0"/>
+                <a:ea typeface="Source Code Pro" panose="020B0309030403020204" pitchFamily="34" charset="0"/>
                 <a:sym typeface="Courier"/>
               </a:rPr>
               <a:t>([1,2,3], </a:t>
             </a:r>
             <a:r>
               <a:rPr lang="en-US" dirty="0" err="1">
+                <a:latin typeface="Source Code Pro" panose="020B0309030403020204" pitchFamily="34" charset="0"/>
+                <a:ea typeface="Source Code Pro" panose="020B0309030403020204" pitchFamily="34" charset="0"/>
                 <a:sym typeface="Courier"/>
               </a:rPr>
               <a:t>Iterable</a:t>
             </a:r>
             <a:r>
               <a:rPr lang="en-US" dirty="0">
+                <a:latin typeface="Source Code Pro" panose="020B0309030403020204" pitchFamily="34" charset="0"/>
+                <a:ea typeface="Source Code Pro" panose="020B0309030403020204" pitchFamily="34" charset="0"/>
                 <a:sym typeface="Courier"/>
               </a:rPr>
               <a:t>)</a:t>
             </a:r>
-            <a:endParaRPr lang="en-US" dirty="0"/>
+            <a:endParaRPr lang="en-US" dirty="0">
+              <a:latin typeface="Source Code Pro" panose="020B0309030403020204" pitchFamily="34" charset="0"/>
+              <a:ea typeface="Source Code Pro" panose="020B0309030403020204" pitchFamily="34" charset="0"/>
+            </a:endParaRPr>
           </a:p>
           <a:p>
             <a:endParaRPr lang="en-US" dirty="0"/>
@@ -13096,7 +14494,7 @@
           <p:cNvPr id="2" name="Title 1">
             <a:extLst>
               <a:ext uri="{FF2B5EF4-FFF2-40B4-BE49-F238E27FC236}">
-                <a16:creationId xmlns:a16="http://schemas.microsoft.com/office/drawing/2014/main" id="{6950730D-8FD7-0981-C4D1-1CA65D10537E}"/>
+                <a16:creationId xmlns:a16="http://schemas.microsoft.com/office/drawing/2014/main" id="{F728333E-D356-E5F3-DC01-AA1BC6E7488E}"/>
               </a:ext>
             </a:extLst>
           </p:cNvPr>
@@ -13107,24 +14505,29 @@
             <p:ph type="ctrTitle"/>
           </p:nvPr>
         </p:nvSpPr>
-        <p:spPr/>
+        <p:spPr>
+          <a:xfrm>
+            <a:off x="1983828" y="2153805"/>
+            <a:ext cx="8458200" cy="1470025"/>
+          </a:xfrm>
+        </p:spPr>
         <p:txBody>
           <a:bodyPr/>
           <a:lstStyle/>
           <a:p>
             <a:r>
               <a:rPr lang="en-US" dirty="0"/>
-              <a:t>Iterators</a:t>
-            </a:r>
-          </a:p>
-        </p:txBody>
-      </p:sp>
-      <p:sp>
-        <p:nvSpPr>
-          <p:cNvPr id="3" name="Subtitle 2">
+              <a:t>Generator Functions</a:t>
+            </a:r>
+          </a:p>
+        </p:txBody>
+      </p:sp>
+      <p:sp>
+        <p:nvSpPr>
+          <p:cNvPr id="7" name="Subtitle 6">
             <a:extLst>
               <a:ext uri="{FF2B5EF4-FFF2-40B4-BE49-F238E27FC236}">
-                <a16:creationId xmlns:a16="http://schemas.microsoft.com/office/drawing/2014/main" id="{672B2A86-3D40-8FBF-B384-07FBFBB8DD8A}"/>
+                <a16:creationId xmlns:a16="http://schemas.microsoft.com/office/drawing/2014/main" id="{17687EA3-0890-23C9-1BCE-84B10368C2E2}"/>
               </a:ext>
             </a:extLst>
           </p:cNvPr>
@@ -13149,7 +14552,7 @@
           <p:cNvPr id="4" name="Footer Placeholder 3">
             <a:extLst>
               <a:ext uri="{FF2B5EF4-FFF2-40B4-BE49-F238E27FC236}">
-                <a16:creationId xmlns:a16="http://schemas.microsoft.com/office/drawing/2014/main" id="{91ABDF3C-756B-52CD-76DF-92FD63414D15}"/>
+                <a16:creationId xmlns:a16="http://schemas.microsoft.com/office/drawing/2014/main" id="{9155E050-C885-0C80-431F-238CFE067CE2}"/>
               </a:ext>
             </a:extLst>
           </p:cNvPr>
@@ -13160,22 +14563,28 @@
             <p:ph type="ftr" sz="quarter" idx="10"/>
           </p:nvPr>
         </p:nvSpPr>
-        <p:spPr/>
+        <p:spPr>
+          <a:xfrm>
+            <a:off x="4038601" y="6457951"/>
+            <a:ext cx="4348655" cy="256116"/>
+          </a:xfrm>
+        </p:spPr>
         <p:txBody>
           <a:bodyPr/>
           <a:lstStyle/>
           <a:p>
             <a:r>
-              <a:rPr lang="en-US" dirty="0"/>
+              <a:rPr lang="en-US"/>
               <a:t>Michael Ball | UC Berkeley | https://c88c.org | © CC BY-NC-SA</a:t>
             </a:r>
+            <a:endParaRPr lang="en-US" dirty="0"/>
           </a:p>
         </p:txBody>
       </p:sp>
     </p:spTree>
     <p:extLst>
       <p:ext uri="{BB962C8B-B14F-4D97-AF65-F5344CB8AC3E}">
-        <p14:creationId xmlns:p14="http://schemas.microsoft.com/office/powerpoint/2010/main" val="1287598658"/>
+        <p14:creationId xmlns:p14="http://schemas.microsoft.com/office/powerpoint/2010/main" val="523614139"/>
       </p:ext>
     </p:extLst>
   </p:cSld>
@@ -13204,10 +14613,10 @@
       </p:grpSpPr>
       <p:sp>
         <p:nvSpPr>
-          <p:cNvPr id="6" name="Content Placeholder 5">
+          <p:cNvPr id="5" name="Title 4">
             <a:extLst>
               <a:ext uri="{FF2B5EF4-FFF2-40B4-BE49-F238E27FC236}">
-                <a16:creationId xmlns:a16="http://schemas.microsoft.com/office/drawing/2014/main" id="{EEAEFCE5-11DD-EA97-A733-AA1DCEF5B53F}"/>
+                <a16:creationId xmlns:a16="http://schemas.microsoft.com/office/drawing/2014/main" id="{D8470B73-D198-93AF-8BC9-0786EBC39DCD}"/>
               </a:ext>
             </a:extLst>
           </p:cNvPr>
@@ -13215,7 +14624,7 @@
             <a:spLocks noGrp="1"/>
           </p:cNvSpPr>
           <p:nvPr>
-            <p:ph idx="1"/>
+            <p:ph type="title"/>
           </p:nvPr>
         </p:nvSpPr>
         <p:spPr/>
@@ -13223,157 +14632,9 @@
           <a:bodyPr/>
           <a:lstStyle/>
           <a:p>
-            <a:pPr marL="0" indent="0">
-              <a:buNone/>
-            </a:pPr>
-            <a:r>
-              <a:rPr lang="en-US" b="1" dirty="0"/>
-              <a:t>iterator</a:t>
-            </a:r>
-          </a:p>
-          <a:p>
-            <a:pPr marL="0" indent="0">
-              <a:buNone/>
-            </a:pPr>
-            <a:r>
-              <a:rPr lang="en-US" dirty="0"/>
-              <a:t>An object representing a stream of data. Repeated calls to the iterator’s </a:t>
-            </a:r>
-            <a:r>
-              <a:rPr lang="en-US" dirty="0">
-                <a:latin typeface="Source Code Pro" panose="020B0309030403020204" pitchFamily="34" charset="0"/>
-                <a:ea typeface="Source Code Pro" panose="020B0309030403020204" pitchFamily="34" charset="0"/>
-              </a:rPr>
-              <a:t>__next__()</a:t>
-            </a:r>
-            <a:r>
-              <a:rPr lang="en-US" dirty="0"/>
-              <a:t> method (or passing it to the built-in function </a:t>
-            </a:r>
-            <a:r>
-              <a:rPr lang="en-US" dirty="0">
-                <a:latin typeface="Source Code Pro" panose="020B0309030403020204" pitchFamily="34" charset="0"/>
-                <a:ea typeface="Source Code Pro" panose="020B0309030403020204" pitchFamily="34" charset="0"/>
-              </a:rPr>
-              <a:t>next()</a:t>
-            </a:r>
-            <a:r>
-              <a:rPr lang="en-US" dirty="0"/>
-              <a:t>) return successive items in the stream. When no more data are available a </a:t>
-            </a:r>
-            <a:r>
-              <a:rPr lang="en-US" dirty="0" err="1">
-                <a:latin typeface="Source Code Pro" panose="020B0309030403020204" pitchFamily="34" charset="0"/>
-                <a:ea typeface="Source Code Pro" panose="020B0309030403020204" pitchFamily="34" charset="0"/>
-              </a:rPr>
-              <a:t>StopIteration</a:t>
-            </a:r>
-            <a:r>
-              <a:rPr lang="en-US" dirty="0"/>
-              <a:t> exception is raised instead.</a:t>
-            </a:r>
-          </a:p>
-          <a:p>
-            <a:pPr marL="0" indent="0">
-              <a:buNone/>
-            </a:pPr>
-            <a:r>
-              <a:rPr lang="en-US" b="1" dirty="0" err="1"/>
-              <a:t>iterable</a:t>
-            </a:r>
-            <a:endParaRPr lang="en-US" b="1" dirty="0"/>
-          </a:p>
-          <a:p>
-            <a:pPr marL="0" indent="0">
-              <a:buNone/>
-            </a:pPr>
-            <a:r>
-              <a:rPr lang="en-US" dirty="0"/>
-              <a:t>An object capable of returning its members one at a time. Examples of include all sequence types and objects of any classes you define with an </a:t>
-            </a:r>
-            <a:r>
-              <a:rPr lang="en-US" dirty="0">
-                <a:latin typeface="Source Code Pro" panose="020B0309030403020204" pitchFamily="34" charset="0"/>
-                <a:ea typeface="Source Code Pro" panose="020B0309030403020204" pitchFamily="34" charset="0"/>
-              </a:rPr>
-              <a:t>__</a:t>
-            </a:r>
-            <a:r>
-              <a:rPr lang="en-US" dirty="0" err="1">
-                <a:latin typeface="Source Code Pro" panose="020B0309030403020204" pitchFamily="34" charset="0"/>
-                <a:ea typeface="Source Code Pro" panose="020B0309030403020204" pitchFamily="34" charset="0"/>
-              </a:rPr>
-              <a:t>iter</a:t>
-            </a:r>
-            <a:r>
-              <a:rPr lang="en-US" dirty="0">
-                <a:latin typeface="Source Code Pro" panose="020B0309030403020204" pitchFamily="34" charset="0"/>
-                <a:ea typeface="Source Code Pro" panose="020B0309030403020204" pitchFamily="34" charset="0"/>
-              </a:rPr>
-              <a:t>__() </a:t>
-            </a:r>
-            <a:r>
-              <a:rPr lang="en-US" dirty="0"/>
-              <a:t>method or with a </a:t>
-            </a:r>
-            <a:r>
-              <a:rPr lang="en-US" dirty="0">
-                <a:latin typeface="Source Code Pro" panose="020B0309030403020204" pitchFamily="34" charset="0"/>
-                <a:ea typeface="Source Code Pro" panose="020B0309030403020204" pitchFamily="34" charset="0"/>
-              </a:rPr>
-              <a:t>__</a:t>
-            </a:r>
-            <a:r>
-              <a:rPr lang="en-US" dirty="0" err="1">
-                <a:latin typeface="Source Code Pro" panose="020B0309030403020204" pitchFamily="34" charset="0"/>
-                <a:ea typeface="Source Code Pro" panose="020B0309030403020204" pitchFamily="34" charset="0"/>
-              </a:rPr>
-              <a:t>getitem</a:t>
-            </a:r>
-            <a:r>
-              <a:rPr lang="en-US" dirty="0">
-                <a:latin typeface="Source Code Pro" panose="020B0309030403020204" pitchFamily="34" charset="0"/>
-                <a:ea typeface="Source Code Pro" panose="020B0309030403020204" pitchFamily="34" charset="0"/>
-              </a:rPr>
-              <a:t>__() </a:t>
-            </a:r>
-            <a:r>
-              <a:rPr lang="en-US" dirty="0"/>
-              <a:t>method that implements sequence semantics.</a:t>
-            </a:r>
-          </a:p>
-          <a:p>
-            <a:pPr marL="0" indent="0">
-              <a:buNone/>
-            </a:pPr>
-            <a:endParaRPr lang="en-US" dirty="0"/>
-          </a:p>
-        </p:txBody>
-      </p:sp>
-      <p:sp>
-        <p:nvSpPr>
-          <p:cNvPr id="5" name="Title 4">
-            <a:extLst>
-              <a:ext uri="{FF2B5EF4-FFF2-40B4-BE49-F238E27FC236}">
-                <a16:creationId xmlns:a16="http://schemas.microsoft.com/office/drawing/2014/main" id="{5E2A7519-B368-EBEF-5AC8-11E70D81C4C9}"/>
-              </a:ext>
-            </a:extLst>
-          </p:cNvPr>
-          <p:cNvSpPr>
-            <a:spLocks noGrp="1"/>
-          </p:cNvSpPr>
-          <p:nvPr>
-            <p:ph type="title"/>
-          </p:nvPr>
-        </p:nvSpPr>
-        <p:spPr/>
-        <p:txBody>
-          <a:bodyPr/>
-          <a:lstStyle/>
-          <a:p>
-            <a:r>
-              <a:rPr lang="en-US" dirty="0"/>
-              <a:t>What's an Iterator? [</a:t>
+            <a:r>
+              <a:rPr lang="en-US" dirty="0"/>
+              <a:t>Terminology [</a:t>
             </a:r>
             <a:r>
               <a:rPr lang="en-US" dirty="0">
@@ -13399,10 +14660,10 @@
       </p:sp>
       <p:sp>
         <p:nvSpPr>
-          <p:cNvPr id="4" name="Footer Placeholder 3">
+          <p:cNvPr id="6" name="Content Placeholder 5">
             <a:extLst>
               <a:ext uri="{FF2B5EF4-FFF2-40B4-BE49-F238E27FC236}">
-                <a16:creationId xmlns:a16="http://schemas.microsoft.com/office/drawing/2014/main" id="{ED0A2AAC-6AF6-C20C-6054-123BE6424600}"/>
+                <a16:creationId xmlns:a16="http://schemas.microsoft.com/office/drawing/2014/main" id="{867D4700-E40C-78D7-247E-1BCCDBA829A6}"/>
               </a:ext>
             </a:extLst>
           </p:cNvPr>
@@ -13410,6 +14671,78 @@
             <a:spLocks noGrp="1"/>
           </p:cNvSpPr>
           <p:nvPr>
+            <p:ph idx="1"/>
+          </p:nvPr>
+        </p:nvSpPr>
+        <p:spPr/>
+        <p:txBody>
+          <a:bodyPr/>
+          <a:lstStyle/>
+          <a:p>
+            <a:pPr marL="0" indent="0">
+              <a:buNone/>
+            </a:pPr>
+            <a:r>
+              <a:rPr lang="en-US" b="1" dirty="0"/>
+              <a:t>generator</a:t>
+            </a:r>
+          </a:p>
+          <a:p>
+            <a:pPr marL="0" indent="0">
+              <a:buNone/>
+            </a:pPr>
+            <a:r>
+              <a:rPr lang="en-US" dirty="0"/>
+              <a:t>A function which returns a </a:t>
+            </a:r>
+            <a:r>
+              <a:rPr lang="en-US" i="1" dirty="0"/>
+              <a:t>generator iterator</a:t>
+            </a:r>
+            <a:r>
+              <a:rPr lang="en-US" dirty="0"/>
+              <a:t>. It looks like a normal function except that it contains yield expressions for producing a series of values usable in a for-loop or that can be retrieved one at a time with the next() function.</a:t>
+            </a:r>
+          </a:p>
+          <a:p>
+            <a:pPr marL="0" indent="0">
+              <a:buNone/>
+            </a:pPr>
+            <a:endParaRPr lang="en-US" b="1" dirty="0"/>
+          </a:p>
+          <a:p>
+            <a:pPr marL="0" indent="0">
+              <a:buNone/>
+            </a:pPr>
+            <a:r>
+              <a:rPr lang="en-US" b="1" dirty="0"/>
+              <a:t>generator iterator</a:t>
+            </a:r>
+          </a:p>
+          <a:p>
+            <a:pPr marL="0" indent="0">
+              <a:buNone/>
+            </a:pPr>
+            <a:r>
+              <a:rPr lang="en-US" dirty="0"/>
+              <a:t>An object created by a generator function.</a:t>
+            </a:r>
+          </a:p>
+        </p:txBody>
+      </p:sp>
+      <p:sp>
+        <p:nvSpPr>
+          <p:cNvPr id="4" name="Footer Placeholder 3">
+            <a:extLst>
+              <a:ext uri="{FF2B5EF4-FFF2-40B4-BE49-F238E27FC236}">
+                <a16:creationId xmlns:a16="http://schemas.microsoft.com/office/drawing/2014/main" id="{F3F948F2-7F1F-B522-D8DC-F3AE7B369B4F}"/>
+              </a:ext>
+            </a:extLst>
+          </p:cNvPr>
+          <p:cNvSpPr>
+            <a:spLocks noGrp="1"/>
+          </p:cNvSpPr>
+          <p:nvPr>
             <p:ph type="ftr" sz="quarter" idx="10"/>
           </p:nvPr>
         </p:nvSpPr>
@@ -13429,7 +14762,7 @@
     </p:spTree>
     <p:extLst>
       <p:ext uri="{BB962C8B-B14F-4D97-AF65-F5344CB8AC3E}">
-        <p14:creationId xmlns:p14="http://schemas.microsoft.com/office/powerpoint/2010/main" val="27362108"/>
+        <p14:creationId xmlns:p14="http://schemas.microsoft.com/office/powerpoint/2010/main" val="653548699"/>
       </p:ext>
     </p:extLst>
   </p:cSld>
@@ -13444,7 +14777,7 @@
   <p:cSld>
     <p:spTree>
       <p:nvGrpSpPr>
-        <p:cNvPr id="1" name="Shape 245"/>
+        <p:cNvPr id="1" name="Shape 226"/>
         <p:cNvGrpSpPr/>
         <p:nvPr/>
       </p:nvGrpSpPr>
@@ -13458,164 +14791,10 @@
       </p:grpSpPr>
       <p:sp>
         <p:nvSpPr>
-          <p:cNvPr id="246" name="Google Shape;246;p29"/>
-          <p:cNvSpPr txBox="1">
-            <a:spLocks noGrp="1"/>
-          </p:cNvSpPr>
-          <p:nvPr>
-            <p:ph type="title"/>
-          </p:nvPr>
-        </p:nvSpPr>
-        <p:spPr/>
-        <p:txBody>
-          <a:bodyPr/>
-          <a:lstStyle/>
-          <a:p>
-            <a:r>
-              <a:rPr lang="en-US" dirty="0"/>
-              <a:t>Next element in generator </a:t>
-            </a:r>
-            <a:r>
-              <a:rPr lang="en-US" dirty="0" err="1"/>
-              <a:t>iterable</a:t>
-            </a:r>
-            <a:endParaRPr lang="en-US" dirty="0"/>
-          </a:p>
-        </p:txBody>
-      </p:sp>
-      <p:sp>
-        <p:nvSpPr>
-          <p:cNvPr id="247" name="Google Shape;247;p29"/>
-          <p:cNvSpPr txBox="1">
-            <a:spLocks noGrp="1"/>
-          </p:cNvSpPr>
-          <p:nvPr>
-            <p:ph idx="1"/>
-          </p:nvPr>
-        </p:nvSpPr>
-        <p:spPr/>
-        <p:txBody>
-          <a:bodyPr/>
-          <a:lstStyle/>
-          <a:p>
-            <a:r>
-              <a:rPr lang="en-US" dirty="0" err="1"/>
-              <a:t>Iterables</a:t>
-            </a:r>
-            <a:r>
-              <a:rPr lang="en-US" dirty="0"/>
-              <a:t> work because they implement some "magic methods" on them. We saw magic methods when we learned about classes, </a:t>
-            </a:r>
-          </a:p>
-          <a:p>
-            <a:pPr lvl="1"/>
-            <a:r>
-              <a:rPr lang="en-US" dirty="0"/>
-              <a:t>e.g., __</a:t>
-            </a:r>
-            <a:r>
-              <a:rPr lang="en-US" dirty="0" err="1"/>
-              <a:t>init</a:t>
-            </a:r>
-            <a:r>
-              <a:rPr lang="en-US" dirty="0"/>
-              <a:t>__, __</a:t>
-            </a:r>
-            <a:r>
-              <a:rPr lang="en-US" dirty="0" err="1"/>
-              <a:t>repr</a:t>
-            </a:r>
-            <a:r>
-              <a:rPr lang="en-US" dirty="0"/>
-              <a:t>__ and __str__.</a:t>
-            </a:r>
-          </a:p>
-          <a:p>
-            <a:r>
-              <a:rPr lang="en-US" dirty="0"/>
-              <a:t>The first one we see for </a:t>
-            </a:r>
-            <a:r>
-              <a:rPr lang="en-US" dirty="0" err="1"/>
-              <a:t>iterables</a:t>
-            </a:r>
-            <a:r>
-              <a:rPr lang="en-US" dirty="0"/>
-              <a:t> is</a:t>
-            </a:r>
-            <a:r>
-              <a:rPr lang="en-US" dirty="0">
-                <a:latin typeface="Source Code Pro" panose="020B0509030403020204" pitchFamily="49" charset="77"/>
-              </a:rPr>
-              <a:t> __next__</a:t>
-            </a:r>
-          </a:p>
-          <a:p>
-            <a:endParaRPr lang="en-US" dirty="0"/>
-          </a:p>
-          <a:p>
-            <a:r>
-              <a:rPr lang="en-US" dirty="0" err="1">
-                <a:latin typeface="Source Code Pro" panose="020B0509030403020204" pitchFamily="49" charset="77"/>
-                <a:sym typeface="Courier"/>
-              </a:rPr>
-              <a:t>iter</a:t>
-            </a:r>
-            <a:r>
-              <a:rPr lang="en-US" dirty="0">
-                <a:latin typeface="Source Code Pro" panose="020B0509030403020204" pitchFamily="49" charset="77"/>
-                <a:sym typeface="Courier"/>
-              </a:rPr>
-              <a:t>() </a:t>
-            </a:r>
-            <a:r>
-              <a:rPr lang="en-US" dirty="0"/>
-              <a:t>– transforms a sequence into an iterator</a:t>
-            </a:r>
-          </a:p>
-          <a:p>
-            <a:pPr lvl="1"/>
-            <a:r>
-              <a:rPr lang="en-US" dirty="0"/>
-              <a:t> Usually this is not necessary, but can be useful.</a:t>
-            </a:r>
-          </a:p>
-          <a:p>
-            <a:endParaRPr lang="en-US" dirty="0"/>
-          </a:p>
-        </p:txBody>
-      </p:sp>
-    </p:spTree>
-  </p:cSld>
-  <p:clrMapOvr>
-    <a:masterClrMapping/>
-  </p:clrMapOvr>
-</p:sld>
-</file>
-
-<file path=ppt/slides/slide6.xml><?xml version="1.0" encoding="utf-8"?>
-<p:sld xmlns:a="http://schemas.openxmlformats.org/drawingml/2006/main" xmlns:r="http://schemas.openxmlformats.org/officeDocument/2006/relationships" xmlns:p="http://schemas.openxmlformats.org/presentationml/2006/main">
-  <p:cSld>
-    <p:spTree>
-      <p:nvGrpSpPr>
-        <p:cNvPr id="1" name="Shape 254"/>
-        <p:cNvGrpSpPr/>
-        <p:nvPr/>
-      </p:nvGrpSpPr>
-      <p:grpSpPr>
-        <a:xfrm>
-          <a:off x="0" y="0"/>
-          <a:ext cx="0" cy="0"/>
-          <a:chOff x="0" y="0"/>
-          <a:chExt cx="0" cy="0"/>
-        </a:xfrm>
-      </p:grpSpPr>
-      <p:sp>
-        <p:nvSpPr>
           <p:cNvPr id="3" name="Title 2">
             <a:extLst>
               <a:ext uri="{FF2B5EF4-FFF2-40B4-BE49-F238E27FC236}">
-                <a16:creationId xmlns:a16="http://schemas.microsoft.com/office/drawing/2014/main" id="{7F753C53-183C-275F-E38B-56D1AB4C7A7D}"/>
+                <a16:creationId xmlns:a16="http://schemas.microsoft.com/office/drawing/2014/main" id="{DE2774AB-7640-B79F-9605-E2CD968C86FA}"/>
               </a:ext>
             </a:extLst>
           </p:cNvPr>
@@ -13632,29 +14811,12 @@
           <a:lstStyle/>
           <a:p>
             <a:r>
-              <a:rPr lang="en-US" sz="3600" dirty="0"/>
-              <a:t>Iterators: The </a:t>
-            </a:r>
-            <a:r>
-              <a:rPr lang="en-US" sz="3600" dirty="0" err="1">
-                <a:latin typeface="Source Code Pro" panose="020B0509030403020204" pitchFamily="49" charset="0"/>
-                <a:ea typeface="Source Code Pro" panose="020B0509030403020204" pitchFamily="49" charset="0"/>
-              </a:rPr>
-              <a:t>iter</a:t>
-            </a:r>
-            <a:r>
-              <a:rPr lang="en-US" sz="3600" dirty="0"/>
-              <a:t> protocol [</a:t>
-            </a:r>
-            <a:r>
-              <a:rPr lang="en-US" sz="3600" dirty="0">
-                <a:hlinkClick r:id="rId3"/>
-              </a:rPr>
-              <a:t>Docs</a:t>
-            </a:r>
-            <a:r>
-              <a:rPr lang="en-US" sz="3600" dirty="0"/>
-              <a:t>]</a:t>
+              <a:rPr lang="en-US" dirty="0"/>
+              <a:t>Generators: turning iteration into an </a:t>
+            </a:r>
+            <a:r>
+              <a:rPr lang="en-US" dirty="0" err="1"/>
+              <a:t>iterable</a:t>
             </a:r>
             <a:endParaRPr lang="en-US" dirty="0"/>
           </a:p>
@@ -13662,7 +14824,7 @@
       </p:sp>
       <p:sp>
         <p:nvSpPr>
-          <p:cNvPr id="256" name="Google Shape;256;p30"/>
+          <p:cNvPr id="228" name="Google Shape;228;p27"/>
           <p:cNvSpPr txBox="1">
             <a:spLocks noGrp="1"/>
           </p:cNvSpPr>
@@ -13688,67 +14850,242 @@
           <a:p>
             <a:r>
               <a:rPr lang="en-US" dirty="0"/>
-              <a:t>In order to be </a:t>
-            </a:r>
-            <a:r>
-              <a:rPr lang="en-US" dirty="0" err="1"/>
-              <a:t>iterable</a:t>
-            </a:r>
-            <a:r>
-              <a:rPr lang="en-US" dirty="0"/>
-              <a:t>, a class must implement the </a:t>
-            </a:r>
-            <a:r>
-              <a:rPr lang="en-US" dirty="0" err="1"/>
-              <a:t>iter</a:t>
-            </a:r>
-            <a:r>
-              <a:rPr lang="en-US" dirty="0"/>
-              <a:t> protocol</a:t>
-            </a:r>
-          </a:p>
-          <a:p>
-            <a:r>
-              <a:rPr lang="en-US" dirty="0"/>
-              <a:t>The iterator objects themselves are required to support the following two methods, which together form the iterator protocol:</a:t>
+              <a:t>Generator functions use the </a:t>
+            </a:r>
+            <a:r>
+              <a:rPr lang="en-US" dirty="0">
+                <a:latin typeface="Source Code Pro" panose="020B0309030403020204" pitchFamily="34" charset="0"/>
+                <a:ea typeface="Source Code Pro" panose="020B0309030403020204" pitchFamily="34" charset="0"/>
+              </a:rPr>
+              <a:t>yield</a:t>
+            </a:r>
+            <a:r>
+              <a:rPr lang="en-US" dirty="0"/>
+              <a:t> keyword</a:t>
+            </a:r>
+          </a:p>
+          <a:p>
+            <a:r>
+              <a:rPr lang="en-US" dirty="0"/>
+              <a:t>Generator functions have no return statement, but they don’t return None</a:t>
             </a:r>
           </a:p>
           <a:p>
             <a:pPr lvl="1"/>
             <a:r>
               <a:rPr lang="en-US" dirty="0"/>
-              <a:t>__</a:t>
-            </a:r>
-            <a:r>
-              <a:rPr lang="en-US" dirty="0" err="1"/>
-              <a:t>iter</a:t>
-            </a:r>
-            <a:r>
-              <a:rPr lang="en-US" dirty="0"/>
-              <a:t>__: Return the iterator object itself. This is required to allow both containers and iterators to be used with the for and in statements.</a:t>
-            </a:r>
-          </a:p>
-          <a:p>
-            <a:pPr lvl="2"/>
-            <a:r>
-              <a:rPr lang="en-US" dirty="0"/>
-              <a:t>This method returns an iterator object (which can be self)</a:t>
-            </a:r>
-          </a:p>
-          <a:p>
-            <a:pPr lvl="1"/>
-            <a:r>
-              <a:rPr lang="en-US" dirty="0"/>
-              <a:t>__next__ : Return the next item from the container. If there are no further items, raise the </a:t>
-            </a:r>
-            <a:r>
-              <a:rPr lang="en-US" dirty="0" err="1"/>
-              <a:t>StopIteration</a:t>
-            </a:r>
-            <a:r>
-              <a:rPr lang="en-US" dirty="0"/>
-              <a:t> exception.</a:t>
-            </a:r>
+              <a:t>They </a:t>
+            </a:r>
+            <a:r>
+              <a:rPr lang="en-US" i="1" dirty="0"/>
+              <a:t>implicitly</a:t>
+            </a:r>
+            <a:r>
+              <a:rPr lang="en-US" dirty="0"/>
+              <a:t> return a generator object</a:t>
+            </a:r>
+          </a:p>
+          <a:p>
+            <a:r>
+              <a:rPr lang="en-US" dirty="0"/>
+              <a:t>Generator objects are </a:t>
+            </a:r>
+            <a:r>
+              <a:rPr lang="en-US" i="1" dirty="0"/>
+              <a:t>just</a:t>
+            </a:r>
+            <a:r>
+              <a:rPr lang="en-US" dirty="0"/>
+              <a:t> iterators</a:t>
+            </a:r>
+          </a:p>
+          <a:p>
+            <a:endParaRPr lang="en-US" dirty="0"/>
+          </a:p>
+        </p:txBody>
+      </p:sp>
+      <p:sp>
+        <p:nvSpPr>
+          <p:cNvPr id="232" name="Google Shape;232;p27"/>
+          <p:cNvSpPr/>
+          <p:nvPr/>
+        </p:nvSpPr>
+        <p:spPr>
+          <a:xfrm>
+            <a:off x="4267200" y="4343401"/>
+            <a:ext cx="4572000" cy="1200329"/>
+          </a:xfrm>
+          <a:prstGeom prst="rect">
+            <a:avLst/>
+          </a:prstGeom>
+          <a:noFill/>
+          <a:ln w="9525" cap="flat" cmpd="sng">
+            <a:solidFill>
+              <a:schemeClr val="accent1"/>
+            </a:solidFill>
+            <a:prstDash val="solid"/>
+            <a:round/>
+            <a:headEnd type="none" w="sm" len="sm"/>
+            <a:tailEnd type="none" w="sm" len="sm"/>
+          </a:ln>
+        </p:spPr>
+        <p:txBody>
+          <a:bodyPr spcFirstLastPara="1" wrap="square" lIns="91425" tIns="45700" rIns="91425" bIns="45700" anchor="t" anchorCtr="0">
+            <a:noAutofit/>
+          </a:bodyPr>
+          <a:lstStyle/>
+          <a:p>
+            <a:r>
+              <a:rPr lang="en-US" sz="2400" dirty="0">
+                <a:solidFill>
+                  <a:schemeClr val="dk1"/>
+                </a:solidFill>
+                <a:latin typeface="Source Code Pro" panose="020B0509030403020204" pitchFamily="49" charset="77"/>
+                <a:ea typeface="Source Code Pro" panose="020B0509030403020204" pitchFamily="49" charset="0"/>
+                <a:cs typeface="Open Sans Light" panose="020B0606030504020204" pitchFamily="34" charset="0"/>
+                <a:sym typeface="Courier"/>
+              </a:rPr>
+              <a:t>def squares(n):</a:t>
+            </a:r>
+            <a:endParaRPr dirty="0">
+              <a:latin typeface="Source Code Pro" panose="020B0509030403020204" pitchFamily="49" charset="77"/>
+              <a:ea typeface="Open Sans Light" panose="020B0606030504020204" pitchFamily="34" charset="0"/>
+              <a:cs typeface="Open Sans Light" panose="020B0606030504020204" pitchFamily="34" charset="0"/>
+            </a:endParaRPr>
+          </a:p>
+          <a:p>
+            <a:r>
+              <a:rPr lang="en-US" sz="2400" dirty="0">
+                <a:solidFill>
+                  <a:schemeClr val="dk1"/>
+                </a:solidFill>
+                <a:latin typeface="Source Code Pro" panose="020B0509030403020204" pitchFamily="49" charset="77"/>
+                <a:ea typeface="Source Code Pro" panose="020B0509030403020204" pitchFamily="49" charset="0"/>
+                <a:cs typeface="Open Sans Light" panose="020B0606030504020204" pitchFamily="34" charset="0"/>
+                <a:sym typeface="Courier"/>
+              </a:rPr>
+              <a:t>    for </a:t>
+            </a:r>
+            <a:r>
+              <a:rPr lang="en-US" sz="2400" dirty="0" err="1">
+                <a:solidFill>
+                  <a:schemeClr val="dk1"/>
+                </a:solidFill>
+                <a:latin typeface="Source Code Pro" panose="020B0509030403020204" pitchFamily="49" charset="77"/>
+                <a:ea typeface="Source Code Pro" panose="020B0509030403020204" pitchFamily="49" charset="0"/>
+                <a:cs typeface="Open Sans Light" panose="020B0606030504020204" pitchFamily="34" charset="0"/>
+                <a:sym typeface="Courier"/>
+              </a:rPr>
+              <a:t>i</a:t>
+            </a:r>
+            <a:r>
+              <a:rPr lang="en-US" sz="2400" dirty="0">
+                <a:solidFill>
+                  <a:schemeClr val="dk1"/>
+                </a:solidFill>
+                <a:latin typeface="Source Code Pro" panose="020B0509030403020204" pitchFamily="49" charset="77"/>
+                <a:ea typeface="Source Code Pro" panose="020B0509030403020204" pitchFamily="49" charset="0"/>
+                <a:cs typeface="Open Sans Light" panose="020B0606030504020204" pitchFamily="34" charset="0"/>
+                <a:sym typeface="Courier"/>
+              </a:rPr>
+              <a:t> in range(n):</a:t>
+            </a:r>
+            <a:endParaRPr dirty="0">
+              <a:latin typeface="Source Code Pro" panose="020B0509030403020204" pitchFamily="49" charset="77"/>
+              <a:ea typeface="Open Sans Light" panose="020B0606030504020204" pitchFamily="34" charset="0"/>
+              <a:cs typeface="Open Sans Light" panose="020B0606030504020204" pitchFamily="34" charset="0"/>
+            </a:endParaRPr>
+          </a:p>
+          <a:p>
+            <a:r>
+              <a:rPr lang="en-US" sz="2400" dirty="0">
+                <a:solidFill>
+                  <a:schemeClr val="dk1"/>
+                </a:solidFill>
+                <a:latin typeface="Source Code Pro" panose="020B0509030403020204" pitchFamily="49" charset="77"/>
+                <a:ea typeface="Source Code Pro" panose="020B0509030403020204" pitchFamily="49" charset="0"/>
+                <a:cs typeface="Open Sans Light" panose="020B0606030504020204" pitchFamily="34" charset="0"/>
+                <a:sym typeface="Courier"/>
+              </a:rPr>
+              <a:t>       </a:t>
+            </a:r>
+            <a:r>
+              <a:rPr lang="en-US" sz="2400" dirty="0">
+                <a:solidFill>
+                  <a:srgbClr val="FF0000"/>
+                </a:solidFill>
+                <a:latin typeface="Source Code Pro" panose="020B0509030403020204" pitchFamily="49" charset="77"/>
+                <a:ea typeface="Source Code Pro" panose="020B0509030403020204" pitchFamily="49" charset="0"/>
+                <a:cs typeface="Open Sans Light" panose="020B0606030504020204" pitchFamily="34" charset="0"/>
+                <a:sym typeface="Courier"/>
+              </a:rPr>
+              <a:t> yield </a:t>
+            </a:r>
+            <a:r>
+              <a:rPr lang="en-US" sz="2400" dirty="0">
+                <a:solidFill>
+                  <a:schemeClr val="dk1"/>
+                </a:solidFill>
+                <a:latin typeface="Source Code Pro" panose="020B0509030403020204" pitchFamily="49" charset="77"/>
+                <a:ea typeface="Source Code Pro" panose="020B0509030403020204" pitchFamily="49" charset="0"/>
+                <a:cs typeface="Open Sans Light" panose="020B0606030504020204" pitchFamily="34" charset="0"/>
+                <a:sym typeface="Courier"/>
+              </a:rPr>
+              <a:t>(</a:t>
+            </a:r>
+            <a:r>
+              <a:rPr lang="en-US" sz="2400" dirty="0" err="1">
+                <a:solidFill>
+                  <a:schemeClr val="dk1"/>
+                </a:solidFill>
+                <a:latin typeface="Source Code Pro" panose="020B0509030403020204" pitchFamily="49" charset="77"/>
+                <a:ea typeface="Source Code Pro" panose="020B0509030403020204" pitchFamily="49" charset="0"/>
+                <a:cs typeface="Open Sans Light" panose="020B0606030504020204" pitchFamily="34" charset="0"/>
+                <a:sym typeface="Courier"/>
+              </a:rPr>
+              <a:t>i</a:t>
+            </a:r>
+            <a:r>
+              <a:rPr lang="en-US" sz="2400" dirty="0">
+                <a:solidFill>
+                  <a:schemeClr val="dk1"/>
+                </a:solidFill>
+                <a:latin typeface="Source Code Pro" panose="020B0509030403020204" pitchFamily="49" charset="77"/>
+                <a:ea typeface="Source Code Pro" panose="020B0509030403020204" pitchFamily="49" charset="0"/>
+                <a:cs typeface="Open Sans Light" panose="020B0606030504020204" pitchFamily="34" charset="0"/>
+                <a:sym typeface="Courier"/>
+              </a:rPr>
+              <a:t>*</a:t>
+            </a:r>
+            <a:r>
+              <a:rPr lang="en-US" sz="2400" dirty="0" err="1">
+                <a:solidFill>
+                  <a:schemeClr val="dk1"/>
+                </a:solidFill>
+                <a:latin typeface="Source Code Pro" panose="020B0509030403020204" pitchFamily="49" charset="77"/>
+                <a:ea typeface="Source Code Pro" panose="020B0509030403020204" pitchFamily="49" charset="0"/>
+                <a:cs typeface="Open Sans Light" panose="020B0606030504020204" pitchFamily="34" charset="0"/>
+                <a:sym typeface="Courier"/>
+              </a:rPr>
+              <a:t>i</a:t>
+            </a:r>
+            <a:r>
+              <a:rPr lang="en-US" sz="2400" dirty="0">
+                <a:solidFill>
+                  <a:schemeClr val="dk1"/>
+                </a:solidFill>
+                <a:latin typeface="Source Code Pro" panose="020B0509030403020204" pitchFamily="49" charset="77"/>
+                <a:ea typeface="Source Code Pro" panose="020B0509030403020204" pitchFamily="49" charset="0"/>
+                <a:cs typeface="Open Sans Light" panose="020B0606030504020204" pitchFamily="34" charset="0"/>
+                <a:sym typeface="Courier"/>
+              </a:rPr>
+              <a:t>)</a:t>
+            </a:r>
+            <a:endParaRPr dirty="0">
+              <a:latin typeface="Source Code Pro" panose="020B0509030403020204" pitchFamily="49" charset="77"/>
+              <a:ea typeface="Open Sans Light" panose="020B0606030504020204" pitchFamily="34" charset="0"/>
+              <a:cs typeface="Open Sans Light" panose="020B0606030504020204" pitchFamily="34" charset="0"/>
+            </a:endParaRPr>
           </a:p>
         </p:txBody>
       </p:sp>
@@ -13760,7 +15097,7 @@
 </p:sld>
 </file>
 
-<file path=ppt/slides/slide7.xml><?xml version="1.0" encoding="utf-8"?>
+<file path=ppt/slides/slide6.xml><?xml version="1.0" encoding="utf-8"?>
 <p:sld xmlns:a="http://schemas.openxmlformats.org/drawingml/2006/main" xmlns:r="http://schemas.openxmlformats.org/officeDocument/2006/relationships" xmlns:p="http://schemas.openxmlformats.org/presentationml/2006/main">
   <p:cSld>
     <p:spTree>
@@ -13779,10 +15116,10 @@
       </p:grpSpPr>
       <p:sp>
         <p:nvSpPr>
-          <p:cNvPr id="5" name="Title 4">
+          <p:cNvPr id="7" name="Title 6">
             <a:extLst>
               <a:ext uri="{FF2B5EF4-FFF2-40B4-BE49-F238E27FC236}">
-                <a16:creationId xmlns:a16="http://schemas.microsoft.com/office/drawing/2014/main" id="{FE624207-ED85-B308-FCD0-7898F5459C50}"/>
+                <a16:creationId xmlns:a16="http://schemas.microsoft.com/office/drawing/2014/main" id="{1FD7DEE8-DAB8-06E1-3B59-DD5B2E13EE7F}"/>
               </a:ext>
             </a:extLst>
           </p:cNvPr>
@@ -13799,26 +15136,22 @@
           <a:lstStyle/>
           <a:p>
             <a:r>
-              <a:rPr lang="en-US" dirty="0"/>
-              <a:t>The </a:t>
-            </a:r>
-            <a:r>
               <a:rPr lang="en-US" dirty="0" err="1"/>
-              <a:t>Iter</a:t>
-            </a:r>
-            <a:r>
-              <a:rPr lang="en-US" dirty="0"/>
-              <a:t> Protocol In Practice</a:t>
-            </a:r>
-          </a:p>
-        </p:txBody>
-      </p:sp>
-      <p:sp>
-        <p:nvSpPr>
-          <p:cNvPr id="6" name="Content Placeholder 5">
+              <a:t>Spongebob</a:t>
+            </a:r>
+            <a:r>
+              <a:rPr lang="en-US" dirty="0"/>
+              <a:t> Case</a:t>
+            </a:r>
+          </a:p>
+        </p:txBody>
+      </p:sp>
+      <p:sp>
+        <p:nvSpPr>
+          <p:cNvPr id="8" name="Content Placeholder 7">
             <a:extLst>
               <a:ext uri="{FF2B5EF4-FFF2-40B4-BE49-F238E27FC236}">
-                <a16:creationId xmlns:a16="http://schemas.microsoft.com/office/drawing/2014/main" id="{C0A55D7F-0F11-91B8-E1B2-DD30EB11C40A}"/>
+                <a16:creationId xmlns:a16="http://schemas.microsoft.com/office/drawing/2014/main" id="{419DB89E-8F94-F253-0E3C-AB8C2D47F2B1}"/>
               </a:ext>
             </a:extLst>
           </p:cNvPr>
@@ -13829,161 +15162,35 @@
             <p:ph idx="1"/>
           </p:nvPr>
         </p:nvSpPr>
-        <p:spPr/>
+        <p:spPr>
+          <a:xfrm>
+            <a:off x="304800" y="4952144"/>
+            <a:ext cx="11430000" cy="1296256"/>
+          </a:xfrm>
+        </p:spPr>
         <p:txBody>
           <a:bodyPr/>
           <a:lstStyle/>
           <a:p>
             <a:r>
               <a:rPr lang="en-US" dirty="0"/>
-              <a:t>Classes get to define how they are iterated over by defining these methods</a:t>
-            </a:r>
-          </a:p>
-          <a:p>
-            <a:pPr lvl="1"/>
-            <a:r>
-              <a:rPr lang="en-US" dirty="0"/>
-              <a:t> containers (objects like lists, tuples, </a:t>
-            </a:r>
-            <a:r>
-              <a:rPr lang="en-US" dirty="0" err="1"/>
-              <a:t>etc</a:t>
-            </a:r>
-            <a:r>
-              <a:rPr lang="en-US" dirty="0"/>
-              <a:t>) typically define a Container class and a separate </a:t>
-            </a:r>
-            <a:r>
-              <a:rPr lang="en-US" dirty="0" err="1"/>
-              <a:t>ContainterIterator</a:t>
-            </a:r>
-            <a:r>
-              <a:rPr lang="en-US" dirty="0"/>
-              <a:t> class.</a:t>
-            </a:r>
-          </a:p>
-          <a:p>
-            <a:r>
-              <a:rPr lang="en-US" sz="3200" dirty="0"/>
-              <a:t> Lists, Ranges, </a:t>
-            </a:r>
-            <a:r>
-              <a:rPr lang="en-US" sz="3200" dirty="0" err="1"/>
-              <a:t>etc</a:t>
-            </a:r>
-            <a:r>
-              <a:rPr lang="en-US" sz="3200" dirty="0"/>
-              <a:t> are </a:t>
-            </a:r>
-            <a:r>
-              <a:rPr lang="en-US" sz="3200" i="1" dirty="0"/>
-              <a:t>not</a:t>
-            </a:r>
-            <a:r>
-              <a:rPr lang="en-US" sz="3200" dirty="0"/>
-              <a:t> directly iterators</a:t>
-            </a:r>
-          </a:p>
-          <a:p>
-            <a:pPr lvl="2"/>
-            <a:r>
-              <a:rPr lang="en-US" sz="2800" dirty="0"/>
-              <a:t> We cannot call next() on them.</a:t>
-            </a:r>
-          </a:p>
-          <a:p>
-            <a:pPr lvl="2"/>
-            <a:r>
-              <a:rPr lang="en-US" sz="2800" dirty="0"/>
-              <a:t> We can all </a:t>
-            </a:r>
-            <a:r>
-              <a:rPr lang="en-US" sz="2800" dirty="0" err="1"/>
-              <a:t>iter</a:t>
-            </a:r>
-            <a:r>
-              <a:rPr lang="en-US" sz="2800" dirty="0"/>
-              <a:t>(list), </a:t>
-            </a:r>
-            <a:r>
-              <a:rPr lang="en-US" sz="2800" dirty="0" err="1"/>
-              <a:t>iter</a:t>
-            </a:r>
-            <a:r>
-              <a:rPr lang="en-US" sz="2800" dirty="0"/>
-              <a:t>(range), </a:t>
-            </a:r>
-            <a:r>
-              <a:rPr lang="en-US" sz="2800" dirty="0" err="1"/>
-              <a:t>etc</a:t>
-            </a:r>
-            <a:r>
-              <a:rPr lang="en-US" sz="2800" dirty="0"/>
-              <a:t> if needed.</a:t>
-            </a:r>
-          </a:p>
-          <a:p>
-            <a:pPr lvl="1"/>
-            <a:r>
-              <a:rPr lang="en-US" sz="3200" dirty="0"/>
-              <a:t> However, they implement an </a:t>
-            </a:r>
-            <a:r>
-              <a:rPr lang="en-US" sz="3200" dirty="0">
-                <a:latin typeface="Source Code Pro" panose="020B0309030403020204" pitchFamily="34" charset="0"/>
-                <a:ea typeface="Source Code Pro" panose="020B0309030403020204" pitchFamily="34" charset="0"/>
-              </a:rPr>
-              <a:t>__</a:t>
-            </a:r>
-            <a:r>
-              <a:rPr lang="en-US" sz="3200" dirty="0" err="1">
-                <a:latin typeface="Source Code Pro" panose="020B0309030403020204" pitchFamily="34" charset="0"/>
-                <a:ea typeface="Source Code Pro" panose="020B0309030403020204" pitchFamily="34" charset="0"/>
-              </a:rPr>
-              <a:t>iter</a:t>
-            </a:r>
-            <a:r>
-              <a:rPr lang="en-US" sz="3200" dirty="0">
-                <a:latin typeface="Source Code Pro" panose="020B0309030403020204" pitchFamily="34" charset="0"/>
-                <a:ea typeface="Source Code Pro" panose="020B0309030403020204" pitchFamily="34" charset="0"/>
-              </a:rPr>
-              <a:t>__</a:t>
-            </a:r>
-            <a:r>
-              <a:rPr lang="en-US" sz="3200" dirty="0"/>
-              <a:t> method, and </a:t>
-            </a:r>
-            <a:r>
-              <a:rPr lang="en-US" sz="3200" dirty="0" err="1">
-                <a:latin typeface="Source Code Pro" panose="020B0309030403020204" pitchFamily="34" charset="0"/>
-                <a:ea typeface="Source Code Pro" panose="020B0309030403020204" pitchFamily="34" charset="0"/>
-              </a:rPr>
-              <a:t>list_iterator</a:t>
-            </a:r>
-            <a:r>
-              <a:rPr lang="en-US" sz="3200" dirty="0"/>
-              <a:t>, </a:t>
-            </a:r>
-            <a:r>
-              <a:rPr lang="en-US" sz="3200" dirty="0" err="1">
-                <a:latin typeface="Source Code Pro" panose="020B0309030403020204" pitchFamily="34" charset="0"/>
-                <a:ea typeface="Source Code Pro" panose="020B0309030403020204" pitchFamily="34" charset="0"/>
-              </a:rPr>
-              <a:t>range_iterator</a:t>
-            </a:r>
-            <a:r>
-              <a:rPr lang="en-US" sz="3200" dirty="0"/>
-              <a:t> class, etc.</a:t>
-            </a:r>
-          </a:p>
-        </p:txBody>
-      </p:sp>
-      <p:sp>
-        <p:nvSpPr>
-          <p:cNvPr id="4" name="Footer Placeholder 3">
+              <a:t> Generate one letter at a time.</a:t>
+            </a:r>
+          </a:p>
+          <a:p>
+            <a:r>
+              <a:rPr lang="en-US" dirty="0"/>
+              <a:t> Explore how caps changes with each iteration.</a:t>
+            </a:r>
+          </a:p>
+        </p:txBody>
+      </p:sp>
+      <p:sp>
+        <p:nvSpPr>
+          <p:cNvPr id="9" name="Text Placeholder 8">
             <a:extLst>
               <a:ext uri="{FF2B5EF4-FFF2-40B4-BE49-F238E27FC236}">
-                <a16:creationId xmlns:a16="http://schemas.microsoft.com/office/drawing/2014/main" id="{943252DE-C9CD-94AB-41DC-5BDE46100B49}"/>
+                <a16:creationId xmlns:a16="http://schemas.microsoft.com/office/drawing/2014/main" id="{721E6303-4D5D-3C56-6C92-9C16A9A51873}"/>
               </a:ext>
             </a:extLst>
           </p:cNvPr>
@@ -13991,7 +15198,101 @@
             <a:spLocks noGrp="1"/>
           </p:cNvSpPr>
           <p:nvPr>
-            <p:ph type="ftr" sz="quarter" idx="10"/>
+            <p:ph type="body" sz="quarter" idx="11"/>
+          </p:nvPr>
+        </p:nvSpPr>
+        <p:spPr/>
+        <p:txBody>
+          <a:bodyPr/>
+          <a:lstStyle/>
+          <a:p>
+            <a:r>
+              <a:rPr lang="en-US" dirty="0"/>
+              <a:t>def </a:t>
+            </a:r>
+            <a:r>
+              <a:rPr lang="en-US" dirty="0" err="1"/>
+              <a:t>spongebob_case</a:t>
+            </a:r>
+            <a:r>
+              <a:rPr lang="en-US" dirty="0"/>
+              <a:t>(text):</a:t>
+            </a:r>
+          </a:p>
+          <a:p>
+            <a:r>
+              <a:rPr lang="en-US" dirty="0"/>
+              <a:t>    caps = True</a:t>
+            </a:r>
+          </a:p>
+          <a:p>
+            <a:r>
+              <a:rPr lang="en-US" dirty="0"/>
+              <a:t>    for letter in text:</a:t>
+            </a:r>
+          </a:p>
+          <a:p>
+            <a:r>
+              <a:rPr lang="en-US" dirty="0"/>
+              <a:t>        if caps:</a:t>
+            </a:r>
+          </a:p>
+          <a:p>
+            <a:r>
+              <a:rPr lang="en-US" dirty="0"/>
+              <a:t>            yield </a:t>
+            </a:r>
+            <a:r>
+              <a:rPr lang="en-US" dirty="0" err="1"/>
+              <a:t>letter.upper</a:t>
+            </a:r>
+            <a:r>
+              <a:rPr lang="en-US" dirty="0"/>
+              <a:t>()</a:t>
+            </a:r>
+          </a:p>
+          <a:p>
+            <a:r>
+              <a:rPr lang="en-US" dirty="0"/>
+              <a:t>        else:</a:t>
+            </a:r>
+          </a:p>
+          <a:p>
+            <a:r>
+              <a:rPr lang="en-US" dirty="0"/>
+              <a:t>            yield </a:t>
+            </a:r>
+            <a:r>
+              <a:rPr lang="en-US" dirty="0" err="1"/>
+              <a:t>letter.lower</a:t>
+            </a:r>
+            <a:r>
+              <a:rPr lang="en-US" dirty="0"/>
+              <a:t>()</a:t>
+            </a:r>
+          </a:p>
+          <a:p>
+            <a:r>
+              <a:rPr lang="en-US" dirty="0"/>
+              <a:t>        caps = not caps</a:t>
+            </a:r>
+          </a:p>
+        </p:txBody>
+      </p:sp>
+      <p:sp>
+        <p:nvSpPr>
+          <p:cNvPr id="4" name="Footer Placeholder 3">
+            <a:extLst>
+              <a:ext uri="{FF2B5EF4-FFF2-40B4-BE49-F238E27FC236}">
+                <a16:creationId xmlns:a16="http://schemas.microsoft.com/office/drawing/2014/main" id="{9EF5CB4A-57CC-24EE-3ECE-CC101C2E14FF}"/>
+              </a:ext>
+            </a:extLst>
+          </p:cNvPr>
+          <p:cNvSpPr>
+            <a:spLocks noGrp="1"/>
+          </p:cNvSpPr>
+          <p:nvPr>
+            <p:ph type="ftr" sz="quarter" idx="12"/>
           </p:nvPr>
         </p:nvSpPr>
         <p:spPr/>
@@ -14010,7 +15311,7 @@
     </p:spTree>
     <p:extLst>
       <p:ext uri="{BB962C8B-B14F-4D97-AF65-F5344CB8AC3E}">
-        <p14:creationId xmlns:p14="http://schemas.microsoft.com/office/powerpoint/2010/main" val="264863433"/>
+        <p14:creationId xmlns:p14="http://schemas.microsoft.com/office/powerpoint/2010/main" val="380429650"/>
       </p:ext>
     </p:extLst>
   </p:cSld>
@@ -14020,7 +15321,7 @@
 </p:sld>
 </file>
 
-<file path=ppt/slides/slide8.xml><?xml version="1.0" encoding="utf-8"?>
+<file path=ppt/slides/slide7.xml><?xml version="1.0" encoding="utf-8"?>
 <p:sld xmlns:a="http://schemas.openxmlformats.org/drawingml/2006/main" xmlns:r="http://schemas.openxmlformats.org/officeDocument/2006/relationships" xmlns:p="http://schemas.openxmlformats.org/presentationml/2006/main">
   <p:cSld>
     <p:spTree>
@@ -14039,126 +15340,214 @@
       </p:grpSpPr>
       <p:sp>
         <p:nvSpPr>
-          <p:cNvPr id="2" name="TextBox 1">
+          <p:cNvPr id="237" name="Google Shape;237;p28"/>
+          <p:cNvSpPr txBox="1">
+            <a:spLocks noGrp="1"/>
+          </p:cNvSpPr>
+          <p:nvPr>
+            <p:ph type="title"/>
+          </p:nvPr>
+        </p:nvSpPr>
+        <p:spPr/>
+        <p:txBody>
+          <a:bodyPr/>
+          <a:lstStyle/>
+          <a:p>
+            <a:r>
+              <a:rPr lang="en-US" dirty="0"/>
+              <a:t>Nest iteration</a:t>
+            </a:r>
+          </a:p>
+        </p:txBody>
+      </p:sp>
+      <p:sp>
+        <p:nvSpPr>
+          <p:cNvPr id="3" name="Content Placeholder 2">
             <a:extLst>
               <a:ext uri="{FF2B5EF4-FFF2-40B4-BE49-F238E27FC236}">
-                <a16:creationId xmlns:a16="http://schemas.microsoft.com/office/drawing/2014/main" id="{53A8D2E2-2468-004D-B478-C8722DBE4038}"/>
+                <a16:creationId xmlns:a16="http://schemas.microsoft.com/office/drawing/2014/main" id="{4809B95D-1072-A04D-28C3-F946315D9B03}"/>
               </a:ext>
             </a:extLst>
           </p:cNvPr>
-          <p:cNvSpPr txBox="1"/>
+          <p:cNvSpPr>
+            <a:spLocks noGrp="1"/>
+          </p:cNvSpPr>
+          <p:nvPr>
+            <p:ph idx="1"/>
+          </p:nvPr>
+        </p:nvSpPr>
+        <p:spPr/>
+        <p:txBody>
+          <a:bodyPr/>
+          <a:lstStyle/>
+          <a:p>
+            <a:endParaRPr lang="en-US" dirty="0"/>
+          </a:p>
+        </p:txBody>
+      </p:sp>
+      <p:sp>
+        <p:nvSpPr>
+          <p:cNvPr id="241" name="Google Shape;241;p28"/>
+          <p:cNvSpPr/>
           <p:nvPr/>
         </p:nvSpPr>
         <p:spPr>
           <a:xfrm>
-            <a:off x="4810317" y="2921169"/>
-            <a:ext cx="2356735" cy="1015663"/>
+            <a:off x="2590800" y="1774042"/>
+            <a:ext cx="6324600" cy="1323439"/>
           </a:xfrm>
           <a:prstGeom prst="rect">
             <a:avLst/>
           </a:prstGeom>
           <a:noFill/>
+          <a:ln w="9525" cap="flat" cmpd="sng">
+            <a:solidFill>
+              <a:schemeClr val="accent1"/>
+            </a:solidFill>
+            <a:prstDash val="solid"/>
+            <a:round/>
+            <a:headEnd type="none" w="sm" len="sm"/>
+            <a:tailEnd type="none" w="sm" len="sm"/>
+          </a:ln>
         </p:spPr>
         <p:txBody>
-          <a:bodyPr wrap="none" rtlCol="0">
-            <a:spAutoFit/>
+          <a:bodyPr spcFirstLastPara="1" wrap="square" lIns="91425" tIns="45700" rIns="91425" bIns="45700" anchor="t" anchorCtr="0">
+            <a:noAutofit/>
           </a:bodyPr>
           <a:lstStyle/>
           <a:p>
             <a:r>
-              <a:rPr lang="en-US" sz="6000" dirty="0">
-                <a:latin typeface="Open Sans" panose="020B0606030504020204" pitchFamily="34" charset="0"/>
-                <a:ea typeface="Open Sans" panose="020B0606030504020204" pitchFamily="34" charset="0"/>
-                <a:cs typeface="Open Sans" panose="020B0606030504020204" pitchFamily="34" charset="0"/>
+              <a:rPr lang="en-US" sz="2000" dirty="0">
+                <a:solidFill>
+                  <a:schemeClr val="dk1"/>
+                </a:solidFill>
+                <a:latin typeface="Source Code Pro" panose="020B0509030403020204" pitchFamily="49" charset="0"/>
+                <a:ea typeface="Source Code Pro" panose="020B0509030403020204" pitchFamily="49" charset="0"/>
+                <a:cs typeface="Open Sans Light" panose="020B0606030504020204" pitchFamily="34" charset="0"/>
+                <a:sym typeface="Courier"/>
               </a:rPr>
-              <a:t>Demo</a:t>
-            </a:r>
-            <a:endParaRPr lang="en-US" dirty="0">
-              <a:latin typeface="Open Sans" panose="020B0606030504020204" pitchFamily="34" charset="0"/>
-              <a:ea typeface="Open Sans" panose="020B0606030504020204" pitchFamily="34" charset="0"/>
-              <a:cs typeface="Open Sans" panose="020B0606030504020204" pitchFamily="34" charset="0"/>
+              <a:t>def </a:t>
+            </a:r>
+            <a:r>
+              <a:rPr lang="en-US" sz="2000" dirty="0" err="1">
+                <a:solidFill>
+                  <a:schemeClr val="dk1"/>
+                </a:solidFill>
+                <a:latin typeface="Source Code Pro" panose="020B0509030403020204" pitchFamily="49" charset="0"/>
+                <a:ea typeface="Source Code Pro" panose="020B0509030403020204" pitchFamily="49" charset="0"/>
+                <a:cs typeface="Open Sans Light" panose="020B0606030504020204" pitchFamily="34" charset="0"/>
+                <a:sym typeface="Courier"/>
+              </a:rPr>
+              <a:t>all_pairs</a:t>
+            </a:r>
+            <a:r>
+              <a:rPr lang="en-US" sz="2000" dirty="0">
+                <a:solidFill>
+                  <a:schemeClr val="dk1"/>
+                </a:solidFill>
+                <a:latin typeface="Source Code Pro" panose="020B0509030403020204" pitchFamily="49" charset="0"/>
+                <a:ea typeface="Source Code Pro" panose="020B0509030403020204" pitchFamily="49" charset="0"/>
+                <a:cs typeface="Open Sans Light" panose="020B0606030504020204" pitchFamily="34" charset="0"/>
+                <a:sym typeface="Courier"/>
+              </a:rPr>
+              <a:t>(x):</a:t>
+            </a:r>
+            <a:endParaRPr dirty="0">
+              <a:latin typeface="Source Code Pro" panose="020B0509030403020204" pitchFamily="49" charset="0"/>
+              <a:ea typeface="Source Code Pro" panose="020B0509030403020204" pitchFamily="49" charset="0"/>
+              <a:cs typeface="Open Sans Light" panose="020B0606030504020204" pitchFamily="34" charset="0"/>
             </a:endParaRPr>
           </a:p>
-        </p:txBody>
-      </p:sp>
-      <p:sp>
-        <p:nvSpPr>
-          <p:cNvPr id="3" name="TextBox 2">
+          <a:p>
+            <a:r>
+              <a:rPr lang="en-US" sz="2000" dirty="0">
+                <a:solidFill>
+                  <a:schemeClr val="dk1"/>
+                </a:solidFill>
+                <a:latin typeface="Source Code Pro" panose="020B0509030403020204" pitchFamily="49" charset="0"/>
+                <a:ea typeface="Source Code Pro" panose="020B0509030403020204" pitchFamily="49" charset="0"/>
+                <a:cs typeface="Open Sans Light" panose="020B0606030504020204" pitchFamily="34" charset="0"/>
+                <a:sym typeface="Courier"/>
+              </a:rPr>
+              <a:t>    for item1 in x:</a:t>
+            </a:r>
+            <a:endParaRPr dirty="0">
+              <a:latin typeface="Source Code Pro" panose="020B0509030403020204" pitchFamily="49" charset="0"/>
+              <a:ea typeface="Source Code Pro" panose="020B0509030403020204" pitchFamily="49" charset="0"/>
+              <a:cs typeface="Open Sans Light" panose="020B0606030504020204" pitchFamily="34" charset="0"/>
+            </a:endParaRPr>
+          </a:p>
+          <a:p>
+            <a:r>
+              <a:rPr lang="en-US" sz="2000" dirty="0">
+                <a:solidFill>
+                  <a:schemeClr val="dk1"/>
+                </a:solidFill>
+                <a:latin typeface="Source Code Pro" panose="020B0509030403020204" pitchFamily="49" charset="0"/>
+                <a:ea typeface="Source Code Pro" panose="020B0509030403020204" pitchFamily="49" charset="0"/>
+                <a:cs typeface="Open Sans Light" panose="020B0606030504020204" pitchFamily="34" charset="0"/>
+                <a:sym typeface="Courier"/>
+              </a:rPr>
+              <a:t>        for item2 in x:</a:t>
+            </a:r>
+            <a:endParaRPr dirty="0">
+              <a:latin typeface="Source Code Pro" panose="020B0509030403020204" pitchFamily="49" charset="0"/>
+              <a:ea typeface="Source Code Pro" panose="020B0509030403020204" pitchFamily="49" charset="0"/>
+              <a:cs typeface="Open Sans Light" panose="020B0606030504020204" pitchFamily="34" charset="0"/>
+            </a:endParaRPr>
+          </a:p>
+          <a:p>
+            <a:r>
+              <a:rPr lang="en-US" sz="2000" dirty="0">
+                <a:solidFill>
+                  <a:schemeClr val="dk1"/>
+                </a:solidFill>
+                <a:latin typeface="Source Code Pro" panose="020B0509030403020204" pitchFamily="49" charset="0"/>
+                <a:ea typeface="Source Code Pro" panose="020B0509030403020204" pitchFamily="49" charset="0"/>
+                <a:cs typeface="Open Sans Light" panose="020B0606030504020204" pitchFamily="34" charset="0"/>
+                <a:sym typeface="Courier"/>
+              </a:rPr>
+              <a:t>            yield(item1, item2)</a:t>
+            </a:r>
+            <a:endParaRPr dirty="0">
+              <a:latin typeface="Source Code Pro" panose="020B0509030403020204" pitchFamily="49" charset="0"/>
+              <a:ea typeface="Source Code Pro" panose="020B0509030403020204" pitchFamily="49" charset="0"/>
+              <a:cs typeface="Open Sans Light" panose="020B0606030504020204" pitchFamily="34" charset="0"/>
+            </a:endParaRPr>
+          </a:p>
+        </p:txBody>
+      </p:sp>
+    </p:spTree>
+  </p:cSld>
+  <p:clrMapOvr>
+    <a:masterClrMapping/>
+  </p:clrMapOvr>
+</p:sld>
+</file>
+
+<file path=ppt/slides/slide8.xml><?xml version="1.0" encoding="utf-8"?>
+<p:sld xmlns:a="http://schemas.openxmlformats.org/drawingml/2006/main" xmlns:r="http://schemas.openxmlformats.org/officeDocument/2006/relationships" xmlns:p="http://schemas.openxmlformats.org/presentationml/2006/main">
+  <p:cSld>
+    <p:spTree>
+      <p:nvGrpSpPr>
+        <p:cNvPr id="1" name=""/>
+        <p:cNvGrpSpPr/>
+        <p:nvPr/>
+      </p:nvGrpSpPr>
+      <p:grpSpPr>
+        <a:xfrm>
+          <a:off x="0" y="0"/>
+          <a:ext cx="0" cy="0"/>
+          <a:chOff x="0" y="0"/>
+          <a:chExt cx="0" cy="0"/>
+        </a:xfrm>
+      </p:grpSpPr>
+      <p:sp>
+        <p:nvSpPr>
+          <p:cNvPr id="5" name="Title 4">
             <a:extLst>
               <a:ext uri="{FF2B5EF4-FFF2-40B4-BE49-F238E27FC236}">
-                <a16:creationId xmlns:a16="http://schemas.microsoft.com/office/drawing/2014/main" id="{814791DF-6727-76A8-83F9-AE7A4C6D7B7E}"/>
-              </a:ext>
-            </a:extLst>
-          </p:cNvPr>
-          <p:cNvSpPr txBox="1"/>
-          <p:nvPr/>
-        </p:nvSpPr>
-        <p:spPr>
-          <a:xfrm>
-            <a:off x="10983686" y="5693229"/>
-            <a:ext cx="184731" cy="307777"/>
-          </a:xfrm>
-          <a:prstGeom prst="rect">
-            <a:avLst/>
-          </a:prstGeom>
-          <a:noFill/>
-        </p:spPr>
-        <p:txBody>
-          <a:bodyPr wrap="none" rtlCol="0">
-            <a:spAutoFit/>
-          </a:bodyPr>
-          <a:lstStyle/>
-          <a:p>
-            <a:endParaRPr lang="en-US" dirty="0">
-              <a:latin typeface="Open Sans" panose="020B0606030504020204" pitchFamily="34" charset="0"/>
-              <a:ea typeface="Open Sans" panose="020B0606030504020204" pitchFamily="34" charset="0"/>
-              <a:cs typeface="Open Sans" panose="020B0606030504020204" pitchFamily="34" charset="0"/>
-            </a:endParaRPr>
-          </a:p>
-        </p:txBody>
-      </p:sp>
-      <p:sp>
-        <p:nvSpPr>
-          <p:cNvPr id="4" name="TextBox 3">
-            <a:extLst>
-              <a:ext uri="{FF2B5EF4-FFF2-40B4-BE49-F238E27FC236}">
-                <a16:creationId xmlns:a16="http://schemas.microsoft.com/office/drawing/2014/main" id="{0EAF135A-96CA-7747-D9F4-359C92D41754}"/>
-              </a:ext>
-            </a:extLst>
-          </p:cNvPr>
-          <p:cNvSpPr txBox="1"/>
-          <p:nvPr/>
-        </p:nvSpPr>
-        <p:spPr>
-          <a:xfrm>
-            <a:off x="11027229" y="6400800"/>
-            <a:ext cx="184731" cy="307777"/>
-          </a:xfrm>
-          <a:prstGeom prst="rect">
-            <a:avLst/>
-          </a:prstGeom>
-          <a:noFill/>
-        </p:spPr>
-        <p:txBody>
-          <a:bodyPr wrap="none" rtlCol="0">
-            <a:spAutoFit/>
-          </a:bodyPr>
-          <a:lstStyle/>
-          <a:p>
-            <a:endParaRPr lang="en-US" dirty="0">
-              <a:latin typeface="Open Sans" panose="020B0606030504020204" pitchFamily="34" charset="0"/>
-              <a:ea typeface="Open Sans" panose="020B0606030504020204" pitchFamily="34" charset="0"/>
-              <a:cs typeface="Open Sans" panose="020B0606030504020204" pitchFamily="34" charset="0"/>
-            </a:endParaRPr>
-          </a:p>
-        </p:txBody>
-      </p:sp>
-      <p:sp>
-        <p:nvSpPr>
-          <p:cNvPr id="6" name="Title 5">
-            <a:extLst>
-              <a:ext uri="{FF2B5EF4-FFF2-40B4-BE49-F238E27FC236}">
-                <a16:creationId xmlns:a16="http://schemas.microsoft.com/office/drawing/2014/main" id="{89885D5F-4170-3E22-DB47-CFFCB3D96BAA}"/>
+                <a16:creationId xmlns:a16="http://schemas.microsoft.com/office/drawing/2014/main" id="{0DAA9D74-8AF0-89B2-079E-530CC1C9123F}"/>
               </a:ext>
             </a:extLst>
           </p:cNvPr>
@@ -14175,19 +15564,18 @@
           <a:lstStyle/>
           <a:p>
             <a:r>
-              <a:rPr lang="en-US" dirty="0" err="1"/>
-              <a:t>Iterables</a:t>
-            </a:r>
-            <a:endParaRPr lang="en-US" dirty="0"/>
-          </a:p>
-        </p:txBody>
-      </p:sp>
-      <p:sp>
-        <p:nvSpPr>
-          <p:cNvPr id="7" name="Content Placeholder 6">
+              <a:rPr lang="en-US" dirty="0"/>
+              <a:t>Order of Execution</a:t>
+            </a:r>
+          </a:p>
+        </p:txBody>
+      </p:sp>
+      <p:sp>
+        <p:nvSpPr>
+          <p:cNvPr id="6" name="Content Placeholder 5">
             <a:extLst>
               <a:ext uri="{FF2B5EF4-FFF2-40B4-BE49-F238E27FC236}">
-                <a16:creationId xmlns:a16="http://schemas.microsoft.com/office/drawing/2014/main" id="{05C36628-7C15-A9BD-E2D8-62844E441ACA}"/>
+                <a16:creationId xmlns:a16="http://schemas.microsoft.com/office/drawing/2014/main" id="{0400E660-8645-6EE2-CAF0-8BA417D20EE4}"/>
               </a:ext>
             </a:extLst>
           </p:cNvPr>
@@ -14203,14 +15591,84 @@
           <a:bodyPr/>
           <a:lstStyle/>
           <a:p>
-            <a:endParaRPr lang="en-US"/>
+            <a:r>
+              <a:rPr lang="en-US" dirty="0"/>
+              <a:t> Our generator function executes until we hit </a:t>
+            </a:r>
+            <a:r>
+              <a:rPr lang="en-US" dirty="0">
+                <a:latin typeface="Source Code Pro" panose="020B0309030403020204" pitchFamily="34" charset="0"/>
+                <a:ea typeface="Source Code Pro" panose="020B0309030403020204" pitchFamily="34" charset="0"/>
+              </a:rPr>
+              <a:t>yield</a:t>
+            </a:r>
+          </a:p>
+          <a:p>
+            <a:r>
+              <a:rPr lang="en-US" dirty="0"/>
+              <a:t> Once we hit </a:t>
+            </a:r>
+            <a:r>
+              <a:rPr lang="en-US" dirty="0">
+                <a:latin typeface="Source Code Pro" panose="020B0309030403020204" pitchFamily="34" charset="0"/>
+                <a:ea typeface="Source Code Pro" panose="020B0309030403020204" pitchFamily="34" charset="0"/>
+              </a:rPr>
+              <a:t>yield</a:t>
+            </a:r>
+            <a:r>
+              <a:rPr lang="en-US" dirty="0"/>
+              <a:t>, execution is </a:t>
+            </a:r>
+            <a:r>
+              <a:rPr lang="en-US" i="1" dirty="0"/>
+              <a:t>paused</a:t>
+            </a:r>
+          </a:p>
+          <a:p>
+            <a:r>
+              <a:rPr lang="en-US" i="1" dirty="0"/>
+              <a:t> </a:t>
+            </a:r>
+            <a:r>
+              <a:rPr lang="en-US" dirty="0"/>
+              <a:t>Explore this with print statements</a:t>
+            </a:r>
+          </a:p>
+        </p:txBody>
+      </p:sp>
+      <p:sp>
+        <p:nvSpPr>
+          <p:cNvPr id="4" name="Footer Placeholder 3">
+            <a:extLst>
+              <a:ext uri="{FF2B5EF4-FFF2-40B4-BE49-F238E27FC236}">
+                <a16:creationId xmlns:a16="http://schemas.microsoft.com/office/drawing/2014/main" id="{9828A5AF-64EA-999A-6C4E-914F0F118869}"/>
+              </a:ext>
+            </a:extLst>
+          </p:cNvPr>
+          <p:cNvSpPr>
+            <a:spLocks noGrp="1"/>
+          </p:cNvSpPr>
+          <p:nvPr>
+            <p:ph type="ftr" sz="quarter" idx="10"/>
+          </p:nvPr>
+        </p:nvSpPr>
+        <p:spPr/>
+        <p:txBody>
+          <a:bodyPr/>
+          <a:lstStyle/>
+          <a:p>
+            <a:r>
+              <a:rPr lang="en-US"/>
+              <a:t>Michael Ball | UC Berkeley | https://c88c.org | © CC BY-NC-SA</a:t>
+            </a:r>
+            <a:endParaRPr lang="en-US" dirty="0"/>
           </a:p>
         </p:txBody>
       </p:sp>
     </p:spTree>
     <p:extLst>
       <p:ext uri="{BB962C8B-B14F-4D97-AF65-F5344CB8AC3E}">
-        <p14:creationId xmlns:p14="http://schemas.microsoft.com/office/powerpoint/2010/main" val="3591869266"/>
+        <p14:creationId xmlns:p14="http://schemas.microsoft.com/office/powerpoint/2010/main" val="3781801604"/>
       </p:ext>
     </p:extLst>
   </p:cSld>
@@ -14242,7 +15700,7 @@
           <p:cNvPr id="2" name="Title 1">
             <a:extLst>
               <a:ext uri="{FF2B5EF4-FFF2-40B4-BE49-F238E27FC236}">
-                <a16:creationId xmlns:a16="http://schemas.microsoft.com/office/drawing/2014/main" id="{07CC119F-D1FA-4A48-F9D2-1EA9D72A68B4}"/>
+                <a16:creationId xmlns:a16="http://schemas.microsoft.com/office/drawing/2014/main" id="{6950730D-8FD7-0981-C4D1-1CA65D10537E}"/>
               </a:ext>
             </a:extLst>
           </p:cNvPr>
@@ -14260,7 +15718,7 @@
           <a:p>
             <a:r>
               <a:rPr lang="en-US" dirty="0"/>
-              <a:t>Building a Range Iterator</a:t>
+              <a:t>Iterators</a:t>
             </a:r>
           </a:p>
         </p:txBody>
@@ -14270,7 +15728,7 @@
           <p:cNvPr id="3" name="Subtitle 2">
             <a:extLst>
               <a:ext uri="{FF2B5EF4-FFF2-40B4-BE49-F238E27FC236}">
-                <a16:creationId xmlns:a16="http://schemas.microsoft.com/office/drawing/2014/main" id="{2789B337-AE90-831F-69DB-10BA778D80A1}"/>
+                <a16:creationId xmlns:a16="http://schemas.microsoft.com/office/drawing/2014/main" id="{672B2A86-3D40-8FBF-B384-07FBFBB8DD8A}"/>
               </a:ext>
             </a:extLst>
           </p:cNvPr>
@@ -14286,7 +15744,7 @@
           <a:bodyPr/>
           <a:lstStyle/>
           <a:p>
-            <a:endParaRPr lang="en-US" dirty="0"/>
+            <a:endParaRPr lang="en-US"/>
           </a:p>
         </p:txBody>
       </p:sp>
@@ -14295,7 +15753,7 @@
           <p:cNvPr id="4" name="Footer Placeholder 3">
             <a:extLst>
               <a:ext uri="{FF2B5EF4-FFF2-40B4-BE49-F238E27FC236}">
-                <a16:creationId xmlns:a16="http://schemas.microsoft.com/office/drawing/2014/main" id="{77F3CC1D-56C0-EF15-2400-91639B630C4B}"/>
+                <a16:creationId xmlns:a16="http://schemas.microsoft.com/office/drawing/2014/main" id="{91ABDF3C-756B-52CD-76DF-92FD63414D15}"/>
               </a:ext>
             </a:extLst>
           </p:cNvPr>
@@ -14312,17 +15770,16 @@
           <a:lstStyle/>
           <a:p>
             <a:r>
-              <a:rPr lang="en-US"/>
+              <a:rPr lang="en-US" dirty="0"/>
               <a:t>Michael Ball | UC Berkeley | https://c88c.org | © CC BY-NC-SA</a:t>
             </a:r>
-            <a:endParaRPr lang="en-US" dirty="0"/>
           </a:p>
         </p:txBody>
       </p:sp>
     </p:spTree>
     <p:extLst>
       <p:ext uri="{BB962C8B-B14F-4D97-AF65-F5344CB8AC3E}">
-        <p14:creationId xmlns:p14="http://schemas.microsoft.com/office/powerpoint/2010/main" val="2852597604"/>
+        <p14:creationId xmlns:p14="http://schemas.microsoft.com/office/powerpoint/2010/main" val="1287598658"/>
       </p:ext>
     </p:extLst>
   </p:cSld>
